--- a/HW2/Q1.pptx
+++ b/HW2/Q1.pptx
@@ -7,6 +7,9 @@
   <p:notesMasterIdLst>
     <p:notesMasterId r:id="rId6"/>
   </p:notesMasterIdLst>
+  <p:handoutMasterIdLst>
+    <p:handoutMasterId r:id="rId7"/>
+  </p:handoutMasterIdLst>
   <p:sldIdLst>
     <p:sldId id="405" r:id="rId2"/>
     <p:sldId id="407" r:id="rId3"/>
@@ -14,7 +17,7 @@
     <p:sldId id="409" r:id="rId5"/>
   </p:sldIdLst>
   <p:sldSz cx="12192000" cy="6858000"/>
-  <p:notesSz cx="6858000" cy="9144000"/>
+  <p:notesSz cx="10234613" cy="7102475"/>
   <p:defaultTextStyle>
     <a:defPPr>
       <a:defRPr lang="en-US"/>
@@ -130,6 +133,172 @@
 </p:cmAuthorLst>
 </file>
 
+<file path=ppt/handoutMasters/handoutMaster1.xml><?xml version="1.0" encoding="utf-8"?>
+<p:handoutMaster xmlns:a="http://schemas.openxmlformats.org/drawingml/2006/main" xmlns:r="http://schemas.openxmlformats.org/officeDocument/2006/relationships" xmlns:p="http://schemas.openxmlformats.org/presentationml/2006/main">
+  <p:cSld>
+    <p:bg>
+      <p:bgRef idx="1001">
+        <a:schemeClr val="bg1"/>
+      </p:bgRef>
+    </p:bg>
+    <p:spTree>
+      <p:nvGrpSpPr>
+        <p:cNvPr id="1" name=""/>
+        <p:cNvGrpSpPr/>
+        <p:nvPr/>
+      </p:nvGrpSpPr>
+      <p:grpSpPr>
+        <a:xfrm>
+          <a:off x="0" y="0"/>
+          <a:ext cx="0" cy="0"/>
+          <a:chOff x="0" y="0"/>
+          <a:chExt cx="0" cy="0"/>
+        </a:xfrm>
+      </p:grpSpPr>
+      <p:sp>
+        <p:nvSpPr>
+          <p:cNvPr id="2" name="页眉占位符 1"/>
+          <p:cNvSpPr>
+            <a:spLocks noGrp="1"/>
+          </p:cNvSpPr>
+          <p:nvPr>
+            <p:ph type="hdr" sz="quarter"/>
+          </p:nvPr>
+        </p:nvSpPr>
+        <p:spPr>
+          <a:xfrm>
+            <a:off x="1" y="0"/>
+            <a:ext cx="4435610" cy="355840"/>
+          </a:xfrm>
+          <a:prstGeom prst="rect">
+            <a:avLst/>
+          </a:prstGeom>
+        </p:spPr>
+        <p:txBody>
+          <a:bodyPr vert="horz" lIns="91440" tIns="45720" rIns="91440" bIns="45720" rtlCol="0"/>
+          <a:lstStyle>
+            <a:lvl1pPr algn="l">
+              <a:defRPr sz="1200"/>
+            </a:lvl1pPr>
+          </a:lstStyle>
+          <a:p>
+            <a:endParaRPr lang="zh-CN" altLang="en-US"/>
+          </a:p>
+        </p:txBody>
+      </p:sp>
+      <p:sp>
+        <p:nvSpPr>
+          <p:cNvPr id="3" name="日期占位符 2"/>
+          <p:cNvSpPr>
+            <a:spLocks noGrp="1"/>
+          </p:cNvSpPr>
+          <p:nvPr>
+            <p:ph type="dt" sz="quarter" idx="1"/>
+          </p:nvPr>
+        </p:nvSpPr>
+        <p:spPr>
+          <a:xfrm>
+            <a:off x="5796717" y="0"/>
+            <a:ext cx="4435610" cy="355840"/>
+          </a:xfrm>
+          <a:prstGeom prst="rect">
+            <a:avLst/>
+          </a:prstGeom>
+        </p:spPr>
+        <p:txBody>
+          <a:bodyPr vert="horz" lIns="91440" tIns="45720" rIns="91440" bIns="45720" rtlCol="0"/>
+          <a:lstStyle>
+            <a:lvl1pPr algn="r">
+              <a:defRPr sz="1200"/>
+            </a:lvl1pPr>
+          </a:lstStyle>
+          <a:p>
+            <a:fld id="{3DFD9C30-352A-45CA-995F-8FF46836B6B4}" type="datetimeFigureOut">
+              <a:rPr lang="zh-CN" altLang="en-US" smtClean="0"/>
+              <a:t>16/11/5</a:t>
+            </a:fld>
+            <a:endParaRPr lang="zh-CN" altLang="en-US"/>
+          </a:p>
+        </p:txBody>
+      </p:sp>
+      <p:sp>
+        <p:nvSpPr>
+          <p:cNvPr id="4" name="页脚占位符 3"/>
+          <p:cNvSpPr>
+            <a:spLocks noGrp="1"/>
+          </p:cNvSpPr>
+          <p:nvPr>
+            <p:ph type="ftr" sz="quarter" idx="2"/>
+          </p:nvPr>
+        </p:nvSpPr>
+        <p:spPr>
+          <a:xfrm>
+            <a:off x="1" y="6746635"/>
+            <a:ext cx="4435610" cy="355840"/>
+          </a:xfrm>
+          <a:prstGeom prst="rect">
+            <a:avLst/>
+          </a:prstGeom>
+        </p:spPr>
+        <p:txBody>
+          <a:bodyPr vert="horz" lIns="91440" tIns="45720" rIns="91440" bIns="45720" rtlCol="0" anchor="b"/>
+          <a:lstStyle>
+            <a:lvl1pPr algn="l">
+              <a:defRPr sz="1200"/>
+            </a:lvl1pPr>
+          </a:lstStyle>
+          <a:p>
+            <a:endParaRPr lang="zh-CN" altLang="en-US"/>
+          </a:p>
+        </p:txBody>
+      </p:sp>
+      <p:sp>
+        <p:nvSpPr>
+          <p:cNvPr id="5" name="灯片编号占位符 4"/>
+          <p:cNvSpPr>
+            <a:spLocks noGrp="1"/>
+          </p:cNvSpPr>
+          <p:nvPr>
+            <p:ph type="sldNum" sz="quarter" idx="3"/>
+          </p:nvPr>
+        </p:nvSpPr>
+        <p:spPr>
+          <a:xfrm>
+            <a:off x="5796717" y="6746635"/>
+            <a:ext cx="4435610" cy="355840"/>
+          </a:xfrm>
+          <a:prstGeom prst="rect">
+            <a:avLst/>
+          </a:prstGeom>
+        </p:spPr>
+        <p:txBody>
+          <a:bodyPr vert="horz" lIns="91440" tIns="45720" rIns="91440" bIns="45720" rtlCol="0" anchor="b"/>
+          <a:lstStyle>
+            <a:lvl1pPr algn="r">
+              <a:defRPr sz="1200"/>
+            </a:lvl1pPr>
+          </a:lstStyle>
+          <a:p>
+            <a:fld id="{5373993D-AECE-475A-8039-0C5309466B02}" type="slidenum">
+              <a:rPr lang="zh-CN" altLang="en-US" smtClean="0"/>
+              <a:t>‹#›</a:t>
+            </a:fld>
+            <a:endParaRPr lang="zh-CN" altLang="en-US"/>
+          </a:p>
+        </p:txBody>
+      </p:sp>
+    </p:spTree>
+    <p:extLst>
+      <p:ext uri="{BB962C8B-B14F-4D97-AF65-F5344CB8AC3E}">
+        <p14:creationId xmlns:p14="http://schemas.microsoft.com/office/powerpoint/2010/main" val="383203523"/>
+      </p:ext>
+    </p:extLst>
+  </p:cSld>
+  <p:clrMap bg1="lt1" tx1="dk1" bg2="lt2" tx2="dk2" accent1="accent1" accent2="accent2" accent3="accent3" accent4="accent4" accent5="accent5" accent6="accent6" hlink="hlink" folHlink="folHlink"/>
+  <p:hf sldNum="0" hdr="0" ftr="0" dt="0"/>
+</p:handoutMaster>
+</file>
+
 <file path=ppt/notesMasters/notesMaster1.xml><?xml version="1.0" encoding="utf-8"?>
 <p:notesMaster xmlns:a="http://schemas.openxmlformats.org/drawingml/2006/main" xmlns:r="http://schemas.openxmlformats.org/officeDocument/2006/relationships" xmlns:p="http://schemas.openxmlformats.org/presentationml/2006/main">
   <p:cSld>
@@ -164,18 +333,18 @@
         </p:nvSpPr>
         <p:spPr>
           <a:xfrm>
-            <a:off x="0" y="0"/>
-            <a:ext cx="2971800" cy="458788"/>
+            <a:off x="1" y="0"/>
+            <a:ext cx="4434999" cy="356357"/>
           </a:xfrm>
           <a:prstGeom prst="rect">
             <a:avLst/>
           </a:prstGeom>
         </p:spPr>
         <p:txBody>
-          <a:bodyPr vert="horz" lIns="91440" tIns="45720" rIns="91440" bIns="45720" rtlCol="0"/>
+          <a:bodyPr vert="horz" lIns="99066" tIns="49533" rIns="99066" bIns="49533" rtlCol="0"/>
           <a:lstStyle>
             <a:lvl1pPr algn="l">
-              <a:defRPr sz="1200"/>
+              <a:defRPr sz="1300"/>
             </a:lvl1pPr>
           </a:lstStyle>
           <a:p>
@@ -195,24 +364,24 @@
         </p:nvSpPr>
         <p:spPr>
           <a:xfrm>
-            <a:off x="3884613" y="0"/>
-            <a:ext cx="2971800" cy="458788"/>
+            <a:off x="5797246" y="0"/>
+            <a:ext cx="4434999" cy="356357"/>
           </a:xfrm>
           <a:prstGeom prst="rect">
             <a:avLst/>
           </a:prstGeom>
         </p:spPr>
         <p:txBody>
-          <a:bodyPr vert="horz" lIns="91440" tIns="45720" rIns="91440" bIns="45720" rtlCol="0"/>
+          <a:bodyPr vert="horz" lIns="99066" tIns="49533" rIns="99066" bIns="49533" rtlCol="0"/>
           <a:lstStyle>
             <a:lvl1pPr algn="r">
-              <a:defRPr sz="1200"/>
+              <a:defRPr sz="1300"/>
             </a:lvl1pPr>
           </a:lstStyle>
           <a:p>
             <a:fld id="{03B2909F-604E-47D0-B343-82CB8ECDE46A}" type="datetimeFigureOut">
               <a:rPr lang="en-US" smtClean="0"/>
-              <a:t>11/4/2016</a:t>
+              <a:t>11/5/2016</a:t>
             </a:fld>
             <a:endParaRPr lang="en-US"/>
           </a:p>
@@ -230,8 +399,8 @@
         </p:nvSpPr>
         <p:spPr>
           <a:xfrm>
-            <a:off x="685800" y="1143000"/>
-            <a:ext cx="5486400" cy="3086100"/>
+            <a:off x="2986088" y="887413"/>
+            <a:ext cx="4262437" cy="2397125"/>
           </a:xfrm>
           <a:prstGeom prst="rect">
             <a:avLst/>
@@ -244,7 +413,7 @@
           </a:ln>
         </p:spPr>
         <p:txBody>
-          <a:bodyPr vert="horz" lIns="91440" tIns="45720" rIns="91440" bIns="45720" rtlCol="0" anchor="ctr"/>
+          <a:bodyPr vert="horz" lIns="99066" tIns="49533" rIns="99066" bIns="49533" rtlCol="0" anchor="ctr"/>
           <a:lstStyle/>
           <a:p>
             <a:endParaRPr lang="en-US"/>
@@ -263,15 +432,15 @@
         </p:nvSpPr>
         <p:spPr>
           <a:xfrm>
-            <a:off x="685800" y="4400550"/>
-            <a:ext cx="5486400" cy="3600450"/>
+            <a:off x="1023462" y="3418066"/>
+            <a:ext cx="8187690" cy="2796600"/>
           </a:xfrm>
           <a:prstGeom prst="rect">
             <a:avLst/>
           </a:prstGeom>
         </p:spPr>
         <p:txBody>
-          <a:bodyPr vert="horz" lIns="91440" tIns="45720" rIns="91440" bIns="45720" rtlCol="0"/>
+          <a:bodyPr vert="horz" lIns="99066" tIns="49533" rIns="99066" bIns="49533" rtlCol="0"/>
           <a:lstStyle/>
           <a:p>
             <a:pPr lvl="0"/>
@@ -322,18 +491,18 @@
         </p:nvSpPr>
         <p:spPr>
           <a:xfrm>
-            <a:off x="0" y="8685213"/>
-            <a:ext cx="2971800" cy="458787"/>
+            <a:off x="1" y="6746120"/>
+            <a:ext cx="4434999" cy="356356"/>
           </a:xfrm>
           <a:prstGeom prst="rect">
             <a:avLst/>
           </a:prstGeom>
         </p:spPr>
         <p:txBody>
-          <a:bodyPr vert="horz" lIns="91440" tIns="45720" rIns="91440" bIns="45720" rtlCol="0" anchor="b"/>
+          <a:bodyPr vert="horz" lIns="99066" tIns="49533" rIns="99066" bIns="49533" rtlCol="0" anchor="b"/>
           <a:lstStyle>
             <a:lvl1pPr algn="l">
-              <a:defRPr sz="1200"/>
+              <a:defRPr sz="1300"/>
             </a:lvl1pPr>
           </a:lstStyle>
           <a:p>
@@ -353,18 +522,18 @@
         </p:nvSpPr>
         <p:spPr>
           <a:xfrm>
-            <a:off x="3884613" y="8685213"/>
-            <a:ext cx="2971800" cy="458787"/>
+            <a:off x="5797246" y="6746120"/>
+            <a:ext cx="4434999" cy="356356"/>
           </a:xfrm>
           <a:prstGeom prst="rect">
             <a:avLst/>
           </a:prstGeom>
         </p:spPr>
         <p:txBody>
-          <a:bodyPr vert="horz" lIns="91440" tIns="45720" rIns="91440" bIns="45720" rtlCol="0" anchor="b"/>
+          <a:bodyPr vert="horz" lIns="99066" tIns="49533" rIns="99066" bIns="49533" rtlCol="0" anchor="b"/>
           <a:lstStyle>
             <a:lvl1pPr algn="r">
-              <a:defRPr sz="1200"/>
+              <a:defRPr sz="1300"/>
             </a:lvl1pPr>
           </a:lstStyle>
           <a:p>
@@ -384,6 +553,7 @@
     </p:extLst>
   </p:cSld>
   <p:clrMap bg1="lt1" tx1="dk1" bg2="lt2" tx2="dk2" accent1="accent1" accent2="accent2" accent3="accent3" accent4="accent4" accent5="accent5" accent6="accent6" hlink="hlink" folHlink="folHlink"/>
+  <p:hf sldNum="0" hdr="0" ftr="0" dt="0"/>
   <p:notesStyle>
     <a:lvl1pPr marL="0" algn="l" defTabSz="914400" rtl="0" eaLnBrk="1" latinLnBrk="0" hangingPunct="1">
       <a:defRPr sz="1200" kern="1200">
@@ -606,9 +776,9 @@
           <a:bodyPr/>
           <a:lstStyle/>
           <a:p>
-            <a:fld id="{7885E78B-F158-45BF-ABF4-79D2FE211D83}" type="datetimeFigureOut">
-              <a:rPr lang="en-US" smtClean="0"/>
-              <a:t>11/4/2016</a:t>
+            <a:fld id="{0B5A95A3-987E-4AF8-9783-EF568CAD7ABC}" type="datetime1">
+              <a:rPr lang="en-US" altLang="zh-CN" smtClean="0"/>
+              <a:t>11/5/2016</a:t>
             </a:fld>
             <a:endParaRPr lang="en-US"/>
           </a:p>
@@ -774,9 +944,9 @@
           <a:bodyPr/>
           <a:lstStyle/>
           <a:p>
-            <a:fld id="{7885E78B-F158-45BF-ABF4-79D2FE211D83}" type="datetimeFigureOut">
-              <a:rPr lang="en-US" smtClean="0"/>
-              <a:t>11/4/2016</a:t>
+            <a:fld id="{76F58666-E663-4CDC-9C26-ED95A1361FEF}" type="datetime1">
+              <a:rPr lang="en-US" altLang="zh-CN" smtClean="0"/>
+              <a:t>11/5/2016</a:t>
             </a:fld>
             <a:endParaRPr lang="en-US"/>
           </a:p>
@@ -952,9 +1122,9 @@
           <a:bodyPr/>
           <a:lstStyle/>
           <a:p>
-            <a:fld id="{7885E78B-F158-45BF-ABF4-79D2FE211D83}" type="datetimeFigureOut">
-              <a:rPr lang="en-US" smtClean="0"/>
-              <a:t>11/4/2016</a:t>
+            <a:fld id="{410BB41B-7875-451E-ADEC-E67AF1A482DD}" type="datetime1">
+              <a:rPr lang="en-US" altLang="zh-CN" smtClean="0"/>
+              <a:t>11/5/2016</a:t>
             </a:fld>
             <a:endParaRPr lang="en-US"/>
           </a:p>
@@ -1120,9 +1290,9 @@
           <a:bodyPr/>
           <a:lstStyle/>
           <a:p>
-            <a:fld id="{7885E78B-F158-45BF-ABF4-79D2FE211D83}" type="datetimeFigureOut">
-              <a:rPr lang="en-US" smtClean="0"/>
-              <a:t>11/4/2016</a:t>
+            <a:fld id="{C8FD43E0-F1EC-4F5F-92E9-1C7EFF8AA242}" type="datetime1">
+              <a:rPr lang="en-US" altLang="zh-CN" smtClean="0"/>
+              <a:t>11/5/2016</a:t>
             </a:fld>
             <a:endParaRPr lang="en-US"/>
           </a:p>
@@ -1365,9 +1535,9 @@
           <a:bodyPr/>
           <a:lstStyle/>
           <a:p>
-            <a:fld id="{7885E78B-F158-45BF-ABF4-79D2FE211D83}" type="datetimeFigureOut">
-              <a:rPr lang="en-US" smtClean="0"/>
-              <a:t>11/4/2016</a:t>
+            <a:fld id="{64F38D16-F81E-49E5-B3FB-DC053A8ED5F6}" type="datetime1">
+              <a:rPr lang="en-US" altLang="zh-CN" smtClean="0"/>
+              <a:t>11/5/2016</a:t>
             </a:fld>
             <a:endParaRPr lang="en-US"/>
           </a:p>
@@ -1594,9 +1764,9 @@
           <a:bodyPr/>
           <a:lstStyle/>
           <a:p>
-            <a:fld id="{7885E78B-F158-45BF-ABF4-79D2FE211D83}" type="datetimeFigureOut">
-              <a:rPr lang="en-US" smtClean="0"/>
-              <a:t>11/4/2016</a:t>
+            <a:fld id="{367F854D-1093-478C-A020-BFA105FB17D1}" type="datetime1">
+              <a:rPr lang="en-US" altLang="zh-CN" smtClean="0"/>
+              <a:t>11/5/2016</a:t>
             </a:fld>
             <a:endParaRPr lang="en-US"/>
           </a:p>
@@ -1958,9 +2128,9 @@
           <a:bodyPr/>
           <a:lstStyle/>
           <a:p>
-            <a:fld id="{7885E78B-F158-45BF-ABF4-79D2FE211D83}" type="datetimeFigureOut">
-              <a:rPr lang="en-US" smtClean="0"/>
-              <a:t>11/4/2016</a:t>
+            <a:fld id="{2F69398B-974E-43F0-BE40-49D8519AEB99}" type="datetime1">
+              <a:rPr lang="en-US" altLang="zh-CN" smtClean="0"/>
+              <a:t>11/5/2016</a:t>
             </a:fld>
             <a:endParaRPr lang="en-US"/>
           </a:p>
@@ -2075,9 +2245,9 @@
           <a:bodyPr/>
           <a:lstStyle/>
           <a:p>
-            <a:fld id="{7885E78B-F158-45BF-ABF4-79D2FE211D83}" type="datetimeFigureOut">
-              <a:rPr lang="en-US" smtClean="0"/>
-              <a:t>11/4/2016</a:t>
+            <a:fld id="{827CF29C-8417-4C0B-929F-35AF3F17CBE4}" type="datetime1">
+              <a:rPr lang="en-US" altLang="zh-CN" smtClean="0"/>
+              <a:t>11/5/2016</a:t>
             </a:fld>
             <a:endParaRPr lang="en-US"/>
           </a:p>
@@ -2170,9 +2340,9 @@
           <a:bodyPr/>
           <a:lstStyle/>
           <a:p>
-            <a:fld id="{7885E78B-F158-45BF-ABF4-79D2FE211D83}" type="datetimeFigureOut">
-              <a:rPr lang="en-US" smtClean="0"/>
-              <a:t>11/4/2016</a:t>
+            <a:fld id="{074218F0-B902-4D5B-893A-A91CC9EC6134}" type="datetime1">
+              <a:rPr lang="en-US" altLang="zh-CN" smtClean="0"/>
+              <a:t>11/5/2016</a:t>
             </a:fld>
             <a:endParaRPr lang="en-US"/>
           </a:p>
@@ -2445,9 +2615,9 @@
           <a:bodyPr/>
           <a:lstStyle/>
           <a:p>
-            <a:fld id="{7885E78B-F158-45BF-ABF4-79D2FE211D83}" type="datetimeFigureOut">
-              <a:rPr lang="en-US" smtClean="0"/>
-              <a:t>11/4/2016</a:t>
+            <a:fld id="{086CF1C3-9602-4052-8E67-6E5338F75420}" type="datetime1">
+              <a:rPr lang="en-US" altLang="zh-CN" smtClean="0"/>
+              <a:t>11/5/2016</a:t>
             </a:fld>
             <a:endParaRPr lang="en-US"/>
           </a:p>
@@ -2697,9 +2867,9 @@
           <a:bodyPr/>
           <a:lstStyle/>
           <a:p>
-            <a:fld id="{7885E78B-F158-45BF-ABF4-79D2FE211D83}" type="datetimeFigureOut">
-              <a:rPr lang="en-US" smtClean="0"/>
-              <a:t>11/4/2016</a:t>
+            <a:fld id="{1BC1025B-225B-4CD6-B76F-47183BC90FC1}" type="datetime1">
+              <a:rPr lang="en-US" altLang="zh-CN" smtClean="0"/>
+              <a:t>11/5/2016</a:t>
             </a:fld>
             <a:endParaRPr lang="en-US"/>
           </a:p>
@@ -2908,9 +3078,9 @@
             </a:lvl1pPr>
           </a:lstStyle>
           <a:p>
-            <a:fld id="{7885E78B-F158-45BF-ABF4-79D2FE211D83}" type="datetimeFigureOut">
-              <a:rPr lang="en-US" smtClean="0"/>
-              <a:t>11/4/2016</a:t>
+            <a:fld id="{22022C8B-30C2-4468-9AB1-1C03386FA471}" type="datetime1">
+              <a:rPr lang="en-US" altLang="zh-CN" smtClean="0"/>
+              <a:t>11/5/2016</a:t>
             </a:fld>
             <a:endParaRPr lang="en-US"/>
           </a:p>
@@ -3015,6 +3185,7 @@
     <p:sldLayoutId id="2147483658" r:id="rId10"/>
     <p:sldLayoutId id="2147483659" r:id="rId11"/>
   </p:sldLayoutIdLst>
+  <p:hf sldNum="0" hdr="0" ftr="0" dt="0"/>
   <p:txStyles>
     <p:titleStyle>
       <a:lvl1pPr algn="l" defTabSz="914400" rtl="0" eaLnBrk="1" latinLnBrk="0" hangingPunct="1">
@@ -5230,19 +5401,29 @@
           <a:prstGeom prst="rect">
             <a:avLst/>
           </a:prstGeom>
+          <a:noFill/>
+          <a:ln w="9525" cap="flat" cmpd="sng" algn="ctr">
+            <a:solidFill>
+              <a:schemeClr val="accent2"/>
+            </a:solidFill>
+            <a:prstDash val="solid"/>
+            <a:round/>
+            <a:headEnd type="none" w="med" len="med"/>
+            <a:tailEnd type="none" w="med" len="med"/>
+          </a:ln>
         </p:spPr>
         <p:style>
-          <a:lnRef idx="2">
-            <a:schemeClr val="dk1"/>
+          <a:lnRef idx="0">
+            <a:scrgbClr r="0" g="0" b="0"/>
           </a:lnRef>
-          <a:fillRef idx="1">
-            <a:schemeClr val="lt1"/>
+          <a:fillRef idx="0">
+            <a:scrgbClr r="0" g="0" b="0"/>
           </a:fillRef>
           <a:effectRef idx="0">
-            <a:schemeClr val="dk1"/>
+            <a:scrgbClr r="0" g="0" b="0"/>
           </a:effectRef>
           <a:fontRef idx="minor">
-            <a:schemeClr val="dk1"/>
+            <a:schemeClr val="accent2"/>
           </a:fontRef>
         </p:style>
         <p:txBody>
@@ -5567,193 +5748,6 @@
       </p:grpSp>
       <p:grpSp>
         <p:nvGrpSpPr>
-          <p:cNvPr id="100" name="组合 99"/>
-          <p:cNvGrpSpPr/>
-          <p:nvPr/>
-        </p:nvGrpSpPr>
-        <p:grpSpPr>
-          <a:xfrm>
-            <a:off x="7158262" y="3293251"/>
-            <a:ext cx="1532956" cy="1554862"/>
-            <a:chOff x="7839161" y="160467"/>
-            <a:chExt cx="2150238" cy="2180967"/>
-          </a:xfrm>
-        </p:grpSpPr>
-        <p:sp>
-          <p:nvSpPr>
-            <p:cNvPr id="82" name="Rectangle 68"/>
-            <p:cNvSpPr/>
-            <p:nvPr/>
-          </p:nvSpPr>
-          <p:spPr>
-            <a:xfrm>
-              <a:off x="7839161" y="160467"/>
-              <a:ext cx="2150076" cy="2180967"/>
-            </a:xfrm>
-            <a:prstGeom prst="rect">
-              <a:avLst/>
-            </a:prstGeom>
-            <a:noFill/>
-            <a:ln>
-              <a:solidFill>
-                <a:schemeClr val="tx1"/>
-              </a:solidFill>
-            </a:ln>
-          </p:spPr>
-          <p:style>
-            <a:lnRef idx="2">
-              <a:schemeClr val="accent1">
-                <a:shade val="50000"/>
-              </a:schemeClr>
-            </a:lnRef>
-            <a:fillRef idx="1">
-              <a:schemeClr val="accent1"/>
-            </a:fillRef>
-            <a:effectRef idx="0">
-              <a:schemeClr val="accent1"/>
-            </a:effectRef>
-            <a:fontRef idx="minor">
-              <a:schemeClr val="lt1"/>
-            </a:fontRef>
-          </p:style>
-          <p:txBody>
-            <a:bodyPr rtlCol="0" anchor="ctr"/>
-            <a:lstStyle/>
-            <a:p>
-              <a:pPr algn="ctr"/>
-              <a:endParaRPr lang="en-US" sz="1200"/>
-            </a:p>
-          </p:txBody>
-        </p:sp>
-        <p:sp>
-          <p:nvSpPr>
-            <p:cNvPr id="83" name="TextBox 69"/>
-            <p:cNvSpPr txBox="1"/>
-            <p:nvPr/>
-          </p:nvSpPr>
-          <p:spPr>
-            <a:xfrm>
-              <a:off x="7840822" y="546395"/>
-              <a:ext cx="841128" cy="340455"/>
-            </a:xfrm>
-            <a:prstGeom prst="rect">
-              <a:avLst/>
-            </a:prstGeom>
-            <a:noFill/>
-          </p:spPr>
-          <p:txBody>
-            <a:bodyPr wrap="none" rtlCol="0">
-              <a:spAutoFit/>
-            </a:bodyPr>
-            <a:lstStyle/>
-            <a:p>
-              <a:r>
-                <a:rPr lang="en-US" sz="1200" dirty="0"/>
-                <a:t>Address</a:t>
-              </a:r>
-            </a:p>
-          </p:txBody>
-        </p:sp>
-        <p:sp>
-          <p:nvSpPr>
-            <p:cNvPr id="84" name="TextBox 70"/>
-            <p:cNvSpPr txBox="1"/>
-            <p:nvPr/>
-          </p:nvSpPr>
-          <p:spPr>
-            <a:xfrm>
-              <a:off x="7855858" y="1317690"/>
-              <a:ext cx="583499" cy="567423"/>
-            </a:xfrm>
-            <a:prstGeom prst="rect">
-              <a:avLst/>
-            </a:prstGeom>
-            <a:noFill/>
-          </p:spPr>
-          <p:txBody>
-            <a:bodyPr wrap="none" rtlCol="0">
-              <a:spAutoFit/>
-            </a:bodyPr>
-            <a:lstStyle/>
-            <a:p>
-              <a:r>
-                <a:rPr lang="en-US" sz="1200" dirty="0" err="1"/>
-                <a:t>Wrt</a:t>
-              </a:r>
-              <a:r>
-                <a:rPr lang="en-US" sz="1200" dirty="0"/>
-                <a:t> </a:t>
-              </a:r>
-            </a:p>
-            <a:p>
-              <a:r>
-                <a:rPr lang="en-US" sz="1200" dirty="0"/>
-                <a:t>Data</a:t>
-              </a:r>
-            </a:p>
-          </p:txBody>
-        </p:sp>
-        <p:sp>
-          <p:nvSpPr>
-            <p:cNvPr id="85" name="TextBox 71"/>
-            <p:cNvSpPr txBox="1"/>
-            <p:nvPr/>
-          </p:nvSpPr>
-          <p:spPr>
-            <a:xfrm>
-              <a:off x="8837090" y="1477843"/>
-              <a:ext cx="1152309" cy="388540"/>
-            </a:xfrm>
-            <a:prstGeom prst="rect">
-              <a:avLst/>
-            </a:prstGeom>
-            <a:noFill/>
-          </p:spPr>
-          <p:txBody>
-            <a:bodyPr wrap="none" rtlCol="0">
-              <a:spAutoFit/>
-            </a:bodyPr>
-            <a:lstStyle/>
-            <a:p>
-              <a:r>
-                <a:rPr lang="en-US" sz="1200" dirty="0"/>
-                <a:t>Read Data</a:t>
-              </a:r>
-            </a:p>
-          </p:txBody>
-        </p:sp>
-        <p:sp>
-          <p:nvSpPr>
-            <p:cNvPr id="86" name="TextBox 73"/>
-            <p:cNvSpPr txBox="1"/>
-            <p:nvPr/>
-          </p:nvSpPr>
-          <p:spPr>
-            <a:xfrm>
-              <a:off x="8286943" y="1997285"/>
-              <a:ext cx="1309880" cy="340454"/>
-            </a:xfrm>
-            <a:prstGeom prst="rect">
-              <a:avLst/>
-            </a:prstGeom>
-            <a:noFill/>
-          </p:spPr>
-          <p:txBody>
-            <a:bodyPr wrap="none" rtlCol="0">
-              <a:spAutoFit/>
-            </a:bodyPr>
-            <a:lstStyle/>
-            <a:p>
-              <a:r>
-                <a:rPr lang="en-US" sz="1200" b="1" dirty="0"/>
-                <a:t>Data Memory</a:t>
-              </a:r>
-            </a:p>
-          </p:txBody>
-        </p:sp>
-      </p:grpSp>
-      <p:grpSp>
-        <p:nvGrpSpPr>
           <p:cNvPr id="115" name="组合 114"/>
           <p:cNvGrpSpPr/>
           <p:nvPr/>
@@ -5869,7 +5863,7 @@
             <a:p>
               <a:r>
                 <a:rPr lang="en-US" sz="1200" dirty="0"/>
-                <a:t>Op2</a:t>
+                <a:t>Op1</a:t>
               </a:r>
             </a:p>
           </p:txBody>
@@ -5898,7 +5892,7 @@
             <a:p>
               <a:r>
                 <a:rPr lang="en-US" sz="1200" dirty="0"/>
-                <a:t>Op1</a:t>
+                <a:t>Op2</a:t>
               </a:r>
             </a:p>
           </p:txBody>
@@ -5911,7 +5905,7 @@
           </p:nvSpPr>
           <p:spPr>
             <a:xfrm>
-              <a:off x="11042680" y="1212962"/>
+              <a:off x="11042680" y="1245704"/>
               <a:ext cx="596176" cy="376910"/>
             </a:xfrm>
             <a:prstGeom prst="rect">
@@ -5933,120 +5927,6 @@
           </p:txBody>
         </p:sp>
       </p:grpSp>
-      <p:grpSp>
-        <p:nvGrpSpPr>
-          <p:cNvPr id="119" name="组合 118"/>
-          <p:cNvGrpSpPr/>
-          <p:nvPr/>
-        </p:nvGrpSpPr>
-        <p:grpSpPr>
-          <a:xfrm>
-            <a:off x="11001696" y="2600049"/>
-            <a:ext cx="301971" cy="2862803"/>
-            <a:chOff x="1350100" y="1479665"/>
-            <a:chExt cx="553999" cy="4018202"/>
-          </a:xfrm>
-        </p:grpSpPr>
-        <p:sp>
-          <p:nvSpPr>
-            <p:cNvPr id="120" name="Rectangle 3"/>
-            <p:cNvSpPr/>
-            <p:nvPr/>
-          </p:nvSpPr>
-          <p:spPr>
-            <a:xfrm>
-              <a:off x="1350100" y="1479665"/>
-              <a:ext cx="553999" cy="4018202"/>
-            </a:xfrm>
-            <a:prstGeom prst="rect">
-              <a:avLst/>
-            </a:prstGeom>
-            <a:noFill/>
-            <a:ln>
-              <a:solidFill>
-                <a:schemeClr val="tx1"/>
-              </a:solidFill>
-            </a:ln>
-          </p:spPr>
-          <p:style>
-            <a:lnRef idx="2">
-              <a:schemeClr val="accent1">
-                <a:shade val="50000"/>
-              </a:schemeClr>
-            </a:lnRef>
-            <a:fillRef idx="1">
-              <a:schemeClr val="accent1"/>
-            </a:fillRef>
-            <a:effectRef idx="0">
-              <a:schemeClr val="accent1"/>
-            </a:effectRef>
-            <a:fontRef idx="minor">
-              <a:schemeClr val="lt1"/>
-            </a:fontRef>
-          </p:style>
-          <p:txBody>
-            <a:bodyPr vert="vert270" rtlCol="0" anchor="ctr" anchorCtr="0"/>
-            <a:lstStyle/>
-            <a:p>
-              <a:pPr algn="ctr"/>
-              <a:r>
-                <a:rPr lang="en-US" altLang="zh-CN" sz="1200" b="1" dirty="0">
-                  <a:solidFill>
-                    <a:schemeClr val="tx1"/>
-                  </a:solidFill>
-                </a:rPr>
-                <a:t>FLIP-FLOP</a:t>
-              </a:r>
-            </a:p>
-          </p:txBody>
-        </p:sp>
-        <p:sp>
-          <p:nvSpPr>
-            <p:cNvPr id="121" name="Isosceles Triangle 5"/>
-            <p:cNvSpPr/>
-            <p:nvPr/>
-          </p:nvSpPr>
-          <p:spPr>
-            <a:xfrm>
-              <a:off x="1571204" y="5280509"/>
-              <a:ext cx="155391" cy="217358"/>
-            </a:xfrm>
-            <a:prstGeom prst="triangle">
-              <a:avLst/>
-            </a:prstGeom>
-            <a:noFill/>
-            <a:ln>
-              <a:solidFill>
-                <a:schemeClr val="tx1"/>
-              </a:solidFill>
-            </a:ln>
-          </p:spPr>
-          <p:style>
-            <a:lnRef idx="2">
-              <a:schemeClr val="accent1">
-                <a:shade val="50000"/>
-              </a:schemeClr>
-            </a:lnRef>
-            <a:fillRef idx="1">
-              <a:schemeClr val="accent1"/>
-            </a:fillRef>
-            <a:effectRef idx="0">
-              <a:schemeClr val="accent1"/>
-            </a:effectRef>
-            <a:fontRef idx="minor">
-              <a:schemeClr val="lt1"/>
-            </a:fontRef>
-          </p:style>
-          <p:txBody>
-            <a:bodyPr rtlCol="0" anchor="ctr"/>
-            <a:lstStyle/>
-            <a:p>
-              <a:pPr algn="ctr"/>
-              <a:endParaRPr lang="en-US" sz="1200"/>
-            </a:p>
-          </p:txBody>
-        </p:sp>
-      </p:grpSp>
       <p:cxnSp>
         <p:nvCxnSpPr>
           <p:cNvPr id="132" name="直接箭头连接符 131"/>
@@ -6090,8 +5970,8 @@
         </p:nvCxnSpPr>
         <p:spPr>
           <a:xfrm>
-            <a:off x="6275315" y="3689747"/>
-            <a:ext cx="884131" cy="0"/>
+            <a:off x="6366130" y="3691547"/>
+            <a:ext cx="804036" cy="1"/>
           </a:xfrm>
           <a:prstGeom prst="straightConnector1">
             <a:avLst/>
@@ -6384,7 +6264,7 @@
           </a:xfrm>
           <a:prstGeom prst="bentConnector3">
             <a:avLst>
-              <a:gd name="adj1" fmla="val 24968"/>
+              <a:gd name="adj1" fmla="val 24114"/>
             </a:avLst>
           </a:prstGeom>
           <a:ln w="28575">
@@ -6456,41 +6336,6 @@
           <a:xfrm>
             <a:off x="9741937" y="3563618"/>
             <a:ext cx="183976" cy="2128"/>
-          </a:xfrm>
-          <a:prstGeom prst="straightConnector1">
-            <a:avLst/>
-          </a:prstGeom>
-          <a:ln w="28575">
-            <a:tailEnd type="triangle"/>
-          </a:ln>
-        </p:spPr>
-        <p:style>
-          <a:lnRef idx="1">
-            <a:schemeClr val="accent1"/>
-          </a:lnRef>
-          <a:fillRef idx="0">
-            <a:schemeClr val="accent1"/>
-          </a:fillRef>
-          <a:effectRef idx="0">
-            <a:schemeClr val="accent1"/>
-          </a:effectRef>
-          <a:fontRef idx="minor">
-            <a:schemeClr val="tx1"/>
-          </a:fontRef>
-        </p:style>
-      </p:cxnSp>
-      <p:cxnSp>
-        <p:nvCxnSpPr>
-          <p:cNvPr id="276" name="直接箭头连接符 275"/>
-          <p:cNvCxnSpPr>
-            <a:stCxn id="101" idx="0"/>
-          </p:cNvCxnSpPr>
-          <p:nvPr/>
-        </p:nvCxnSpPr>
-        <p:spPr>
-          <a:xfrm>
-            <a:off x="10772753" y="4023700"/>
-            <a:ext cx="228943" cy="0"/>
           </a:xfrm>
           <a:prstGeom prst="straightConnector1">
             <a:avLst/>
@@ -7113,6 +6958,900 @@
           </a:p>
         </p:txBody>
       </p:sp>
+      <p:cxnSp>
+        <p:nvCxnSpPr>
+          <p:cNvPr id="98" name="直接箭头连接符 97"/>
+          <p:cNvCxnSpPr>
+            <a:endCxn id="75" idx="1"/>
+          </p:cNvCxnSpPr>
+          <p:nvPr/>
+        </p:nvCxnSpPr>
+        <p:spPr>
+          <a:xfrm>
+            <a:off x="4144616" y="4213017"/>
+            <a:ext cx="487045" cy="3009"/>
+          </a:xfrm>
+          <a:prstGeom prst="straightConnector1">
+            <a:avLst/>
+          </a:prstGeom>
+          <a:ln w="28575">
+            <a:tailEnd type="triangle"/>
+          </a:ln>
+        </p:spPr>
+        <p:style>
+          <a:lnRef idx="1">
+            <a:schemeClr val="accent1"/>
+          </a:lnRef>
+          <a:fillRef idx="0">
+            <a:schemeClr val="accent1"/>
+          </a:fillRef>
+          <a:effectRef idx="0">
+            <a:schemeClr val="accent1"/>
+          </a:effectRef>
+          <a:fontRef idx="minor">
+            <a:schemeClr val="tx1"/>
+          </a:fontRef>
+        </p:style>
+      </p:cxnSp>
+      <p:cxnSp>
+        <p:nvCxnSpPr>
+          <p:cNvPr id="105" name="连接符: 肘形 104"/>
+          <p:cNvCxnSpPr>
+            <a:endCxn id="72" idx="0"/>
+          </p:cNvCxnSpPr>
+          <p:nvPr/>
+        </p:nvCxnSpPr>
+        <p:spPr>
+          <a:xfrm rot="16200000" flipH="1">
+            <a:off x="4979218" y="2892241"/>
+            <a:ext cx="430494" cy="406731"/>
+          </a:xfrm>
+          <a:prstGeom prst="bentConnector3">
+            <a:avLst>
+              <a:gd name="adj1" fmla="val 438"/>
+            </a:avLst>
+          </a:prstGeom>
+          <a:ln w="28575">
+            <a:tailEnd type="triangle"/>
+          </a:ln>
+        </p:spPr>
+        <p:style>
+          <a:lnRef idx="1">
+            <a:schemeClr val="accent1"/>
+          </a:lnRef>
+          <a:fillRef idx="0">
+            <a:schemeClr val="accent1"/>
+          </a:fillRef>
+          <a:effectRef idx="0">
+            <a:schemeClr val="accent1"/>
+          </a:effectRef>
+          <a:fontRef idx="minor">
+            <a:schemeClr val="tx1"/>
+          </a:fontRef>
+        </p:style>
+      </p:cxnSp>
+      <p:cxnSp>
+        <p:nvCxnSpPr>
+          <p:cNvPr id="106" name="直接箭头连接符 105"/>
+          <p:cNvCxnSpPr>
+            <a:stCxn id="92" idx="5"/>
+          </p:cNvCxnSpPr>
+          <p:nvPr/>
+        </p:nvCxnSpPr>
+        <p:spPr>
+          <a:xfrm>
+            <a:off x="4369756" y="2879626"/>
+            <a:ext cx="400364" cy="734"/>
+          </a:xfrm>
+          <a:prstGeom prst="straightConnector1">
+            <a:avLst/>
+          </a:prstGeom>
+          <a:ln w="28575">
+            <a:tailEnd type="triangle"/>
+          </a:ln>
+        </p:spPr>
+        <p:style>
+          <a:lnRef idx="1">
+            <a:schemeClr val="accent1"/>
+          </a:lnRef>
+          <a:fillRef idx="0">
+            <a:schemeClr val="accent1"/>
+          </a:fillRef>
+          <a:effectRef idx="0">
+            <a:schemeClr val="accent1"/>
+          </a:effectRef>
+          <a:fontRef idx="minor">
+            <a:schemeClr val="tx1"/>
+          </a:fontRef>
+        </p:style>
+      </p:cxnSp>
+      <p:sp>
+        <p:nvSpPr>
+          <p:cNvPr id="107" name="TextBox 46"/>
+          <p:cNvSpPr txBox="1"/>
+          <p:nvPr/>
+        </p:nvSpPr>
+        <p:spPr>
+          <a:xfrm>
+            <a:off x="5397831" y="2973370"/>
+            <a:ext cx="877484" cy="276999"/>
+          </a:xfrm>
+          <a:prstGeom prst="rect">
+            <a:avLst/>
+          </a:prstGeom>
+          <a:noFill/>
+        </p:spPr>
+        <p:txBody>
+          <a:bodyPr wrap="none" rtlCol="0">
+            <a:spAutoFit/>
+          </a:bodyPr>
+          <a:lstStyle/>
+          <a:p>
+            <a:r>
+              <a:rPr lang="en-US" sz="1200" dirty="0" err="1">
+                <a:solidFill>
+                  <a:schemeClr val="accent2"/>
+                </a:solidFill>
+              </a:rPr>
+              <a:t>Wrt</a:t>
+            </a:r>
+            <a:r>
+              <a:rPr lang="en-US" sz="1200" dirty="0">
+                <a:solidFill>
+                  <a:schemeClr val="accent2"/>
+                </a:solidFill>
+              </a:rPr>
+              <a:t> Enable</a:t>
+            </a:r>
+          </a:p>
+        </p:txBody>
+      </p:sp>
+      <p:cxnSp>
+        <p:nvCxnSpPr>
+          <p:cNvPr id="20" name="连接符: 肘形 19"/>
+          <p:cNvCxnSpPr>
+            <a:stCxn id="92" idx="7"/>
+            <a:endCxn id="82" idx="0"/>
+          </p:cNvCxnSpPr>
+          <p:nvPr/>
+        </p:nvCxnSpPr>
+        <p:spPr>
+          <a:xfrm rot="16200000" flipH="1">
+            <a:off x="5617546" y="986115"/>
+            <a:ext cx="1059346" cy="3554927"/>
+          </a:xfrm>
+          <a:prstGeom prst="bentConnector3">
+            <a:avLst>
+              <a:gd name="adj1" fmla="val -130"/>
+            </a:avLst>
+          </a:prstGeom>
+          <a:ln w="28575">
+            <a:tailEnd type="triangle"/>
+          </a:ln>
+        </p:spPr>
+        <p:style>
+          <a:lnRef idx="1">
+            <a:schemeClr val="accent1"/>
+          </a:lnRef>
+          <a:fillRef idx="0">
+            <a:schemeClr val="accent1"/>
+          </a:fillRef>
+          <a:effectRef idx="0">
+            <a:schemeClr val="accent1"/>
+          </a:effectRef>
+          <a:fontRef idx="minor">
+            <a:schemeClr val="tx1"/>
+          </a:fontRef>
+        </p:style>
+      </p:cxnSp>
+      <p:sp>
+        <p:nvSpPr>
+          <p:cNvPr id="128" name="TextBox 90"/>
+          <p:cNvSpPr txBox="1"/>
+          <p:nvPr/>
+        </p:nvSpPr>
+        <p:spPr>
+          <a:xfrm>
+            <a:off x="7906538" y="2216303"/>
+            <a:ext cx="715260" cy="276999"/>
+          </a:xfrm>
+          <a:prstGeom prst="rect">
+            <a:avLst/>
+          </a:prstGeom>
+          <a:noFill/>
+        </p:spPr>
+        <p:txBody>
+          <a:bodyPr wrap="none" rtlCol="0">
+            <a:spAutoFit/>
+          </a:bodyPr>
+          <a:lstStyle/>
+          <a:p>
+            <a:r>
+              <a:rPr lang="en-US" sz="1200" dirty="0">
+                <a:solidFill>
+                  <a:schemeClr val="accent2"/>
+                </a:solidFill>
+              </a:rPr>
+              <a:t>Rd Mem</a:t>
+            </a:r>
+          </a:p>
+        </p:txBody>
+      </p:sp>
+      <p:cxnSp>
+        <p:nvCxnSpPr>
+          <p:cNvPr id="226" name="连接符: 肘形 225"/>
+          <p:cNvCxnSpPr>
+            <a:stCxn id="114" idx="3"/>
+          </p:cNvCxnSpPr>
+          <p:nvPr/>
+        </p:nvCxnSpPr>
+        <p:spPr>
+          <a:xfrm flipH="1">
+            <a:off x="3924125" y="4011300"/>
+            <a:ext cx="6848632" cy="559484"/>
+          </a:xfrm>
+          <a:prstGeom prst="bentConnector5">
+            <a:avLst>
+              <a:gd name="adj1" fmla="val -3338"/>
+              <a:gd name="adj2" fmla="val 245707"/>
+              <a:gd name="adj3" fmla="val 103338"/>
+            </a:avLst>
+          </a:prstGeom>
+          <a:ln w="28575">
+            <a:tailEnd type="triangle"/>
+          </a:ln>
+        </p:spPr>
+        <p:style>
+          <a:lnRef idx="1">
+            <a:schemeClr val="accent1"/>
+          </a:lnRef>
+          <a:fillRef idx="0">
+            <a:schemeClr val="accent1"/>
+          </a:fillRef>
+          <a:effectRef idx="0">
+            <a:schemeClr val="accent1"/>
+          </a:effectRef>
+          <a:fontRef idx="minor">
+            <a:schemeClr val="tx1"/>
+          </a:fontRef>
+        </p:style>
+      </p:cxnSp>
+      <p:cxnSp>
+        <p:nvCxnSpPr>
+          <p:cNvPr id="229" name="连接符: 肘形 228"/>
+          <p:cNvCxnSpPr/>
+          <p:nvPr/>
+        </p:nvCxnSpPr>
+        <p:spPr>
+          <a:xfrm>
+            <a:off x="7709320" y="2233714"/>
+            <a:ext cx="1914507" cy="1124919"/>
+          </a:xfrm>
+          <a:prstGeom prst="bentConnector2">
+            <a:avLst/>
+          </a:prstGeom>
+          <a:ln w="28575">
+            <a:tailEnd type="triangle"/>
+          </a:ln>
+        </p:spPr>
+        <p:style>
+          <a:lnRef idx="1">
+            <a:schemeClr val="accent1"/>
+          </a:lnRef>
+          <a:fillRef idx="0">
+            <a:schemeClr val="accent1"/>
+          </a:fillRef>
+          <a:effectRef idx="0">
+            <a:schemeClr val="accent1"/>
+          </a:effectRef>
+          <a:fontRef idx="minor">
+            <a:schemeClr val="tx1"/>
+          </a:fontRef>
+        </p:style>
+      </p:cxnSp>
+      <p:sp>
+        <p:nvSpPr>
+          <p:cNvPr id="129" name="文本框 128"/>
+          <p:cNvSpPr txBox="1"/>
+          <p:nvPr/>
+        </p:nvSpPr>
+        <p:spPr>
+          <a:xfrm>
+            <a:off x="5657998" y="844116"/>
+            <a:ext cx="1234633" cy="1200329"/>
+          </a:xfrm>
+          <a:prstGeom prst="rect">
+            <a:avLst/>
+          </a:prstGeom>
+        </p:spPr>
+        <p:style>
+          <a:lnRef idx="2">
+            <a:schemeClr val="accent2"/>
+          </a:lnRef>
+          <a:fillRef idx="1">
+            <a:schemeClr val="lt1"/>
+          </a:fillRef>
+          <a:effectRef idx="0">
+            <a:schemeClr val="accent2"/>
+          </a:effectRef>
+          <a:fontRef idx="minor">
+            <a:schemeClr val="dk1"/>
+          </a:fontRef>
+        </p:style>
+        <p:txBody>
+          <a:bodyPr wrap="none" rtlCol="0">
+            <a:spAutoFit/>
+          </a:bodyPr>
+          <a:lstStyle/>
+          <a:p>
+            <a:r>
+              <a:rPr lang="en-US" altLang="zh-CN" sz="1200" dirty="0">
+                <a:solidFill>
+                  <a:schemeClr val="accent2"/>
+                </a:solidFill>
+              </a:rPr>
+              <a:t>If Ins[7:6] == ‘00’</a:t>
+            </a:r>
+          </a:p>
+          <a:p>
+            <a:r>
+              <a:rPr lang="en-US" altLang="zh-CN" sz="1200" dirty="0">
+                <a:solidFill>
+                  <a:schemeClr val="accent2"/>
+                </a:solidFill>
+              </a:rPr>
+              <a:t>    </a:t>
+            </a:r>
+            <a:r>
+              <a:rPr lang="en-US" altLang="zh-CN" sz="1200" dirty="0" err="1">
+                <a:solidFill>
+                  <a:schemeClr val="accent2"/>
+                </a:solidFill>
+              </a:rPr>
+              <a:t>WrtEnable</a:t>
+            </a:r>
+            <a:r>
+              <a:rPr lang="en-US" altLang="zh-CN" sz="1200" dirty="0">
+                <a:solidFill>
+                  <a:schemeClr val="accent2"/>
+                </a:solidFill>
+              </a:rPr>
+              <a:t> = 1</a:t>
+            </a:r>
+          </a:p>
+          <a:p>
+            <a:r>
+              <a:rPr lang="en-US" altLang="zh-CN" sz="1200" dirty="0">
+                <a:solidFill>
+                  <a:schemeClr val="accent2"/>
+                </a:solidFill>
+              </a:rPr>
+              <a:t>    </a:t>
+            </a:r>
+            <a:r>
+              <a:rPr lang="en-US" altLang="zh-CN" sz="1200" dirty="0" err="1">
+                <a:solidFill>
+                  <a:schemeClr val="accent2"/>
+                </a:solidFill>
+              </a:rPr>
+              <a:t>RdMem</a:t>
+            </a:r>
+            <a:r>
+              <a:rPr lang="en-US" altLang="zh-CN" sz="1200" dirty="0">
+                <a:solidFill>
+                  <a:schemeClr val="accent2"/>
+                </a:solidFill>
+              </a:rPr>
+              <a:t> = 0</a:t>
+            </a:r>
+          </a:p>
+          <a:p>
+            <a:r>
+              <a:rPr lang="en-US" altLang="zh-CN" sz="1200" dirty="0">
+                <a:solidFill>
+                  <a:schemeClr val="accent2"/>
+                </a:solidFill>
+              </a:rPr>
+              <a:t>If Ins[7:6] == ‘01’</a:t>
+            </a:r>
+          </a:p>
+          <a:p>
+            <a:r>
+              <a:rPr lang="en-US" altLang="zh-CN" sz="1200" dirty="0">
+                <a:solidFill>
+                  <a:schemeClr val="accent2"/>
+                </a:solidFill>
+              </a:rPr>
+              <a:t>    </a:t>
+            </a:r>
+            <a:r>
+              <a:rPr lang="en-US" altLang="zh-CN" sz="1200" dirty="0" err="1">
+                <a:solidFill>
+                  <a:schemeClr val="accent2"/>
+                </a:solidFill>
+              </a:rPr>
+              <a:t>WrtEnable</a:t>
+            </a:r>
+            <a:r>
+              <a:rPr lang="en-US" altLang="zh-CN" sz="1200" dirty="0">
+                <a:solidFill>
+                  <a:schemeClr val="accent2"/>
+                </a:solidFill>
+              </a:rPr>
+              <a:t> = 1</a:t>
+            </a:r>
+          </a:p>
+          <a:p>
+            <a:r>
+              <a:rPr lang="en-US" altLang="zh-CN" sz="1200" dirty="0">
+                <a:solidFill>
+                  <a:schemeClr val="accent2"/>
+                </a:solidFill>
+              </a:rPr>
+              <a:t>    </a:t>
+            </a:r>
+            <a:r>
+              <a:rPr lang="en-US" altLang="zh-CN" sz="1200" dirty="0" err="1">
+                <a:solidFill>
+                  <a:schemeClr val="accent2"/>
+                </a:solidFill>
+              </a:rPr>
+              <a:t>RdMem</a:t>
+            </a:r>
+            <a:r>
+              <a:rPr lang="en-US" altLang="zh-CN" sz="1200" dirty="0">
+                <a:solidFill>
+                  <a:schemeClr val="accent2"/>
+                </a:solidFill>
+              </a:rPr>
+              <a:t> = 1</a:t>
+            </a:r>
+          </a:p>
+        </p:txBody>
+      </p:sp>
+      <p:sp>
+        <p:nvSpPr>
+          <p:cNvPr id="130" name="梯形 129"/>
+          <p:cNvSpPr/>
+          <p:nvPr/>
+        </p:nvSpPr>
+        <p:spPr>
+          <a:xfrm rot="5400000">
+            <a:off x="1339416" y="2218923"/>
+            <a:ext cx="694113" cy="345158"/>
+          </a:xfrm>
+          <a:prstGeom prst="trapezoid">
+            <a:avLst/>
+          </a:prstGeom>
+          <a:noFill/>
+          <a:ln w="9525" cap="flat" cmpd="sng" algn="ctr">
+            <a:solidFill>
+              <a:schemeClr val="dk1"/>
+            </a:solidFill>
+            <a:prstDash val="solid"/>
+            <a:round/>
+            <a:headEnd type="none" w="med" len="med"/>
+            <a:tailEnd type="none" w="med" len="med"/>
+          </a:ln>
+        </p:spPr>
+        <p:style>
+          <a:lnRef idx="0">
+            <a:scrgbClr r="0" g="0" b="0"/>
+          </a:lnRef>
+          <a:fillRef idx="0">
+            <a:scrgbClr r="0" g="0" b="0"/>
+          </a:fillRef>
+          <a:effectRef idx="0">
+            <a:scrgbClr r="0" g="0" b="0"/>
+          </a:effectRef>
+          <a:fontRef idx="minor">
+            <a:schemeClr val="dk1"/>
+          </a:fontRef>
+        </p:style>
+        <p:txBody>
+          <a:bodyPr lIns="0" rIns="0" rtlCol="0" anchor="ctr" anchorCtr="1"/>
+          <a:lstStyle/>
+          <a:p>
+            <a:pPr algn="ctr"/>
+            <a:r>
+              <a:rPr lang="en-US" altLang="zh-CN" sz="1200" dirty="0"/>
+              <a:t>Adder</a:t>
+            </a:r>
+            <a:endParaRPr lang="zh-CN" altLang="en-US" sz="1200" dirty="0"/>
+          </a:p>
+        </p:txBody>
+      </p:sp>
+      <p:cxnSp>
+        <p:nvCxnSpPr>
+          <p:cNvPr id="131" name="连接符: 肘形 130"/>
+          <p:cNvCxnSpPr/>
+          <p:nvPr/>
+        </p:nvCxnSpPr>
+        <p:spPr>
+          <a:xfrm flipV="1">
+            <a:off x="1076303" y="2587343"/>
+            <a:ext cx="432000" cy="1044000"/>
+          </a:xfrm>
+          <a:prstGeom prst="bentConnector3">
+            <a:avLst>
+              <a:gd name="adj1" fmla="val 38363"/>
+            </a:avLst>
+          </a:prstGeom>
+          <a:ln w="28575">
+            <a:tailEnd type="triangle"/>
+          </a:ln>
+        </p:spPr>
+        <p:style>
+          <a:lnRef idx="1">
+            <a:schemeClr val="accent1"/>
+          </a:lnRef>
+          <a:fillRef idx="0">
+            <a:schemeClr val="accent1"/>
+          </a:fillRef>
+          <a:effectRef idx="0">
+            <a:schemeClr val="accent1"/>
+          </a:effectRef>
+          <a:fontRef idx="minor">
+            <a:schemeClr val="tx1"/>
+          </a:fontRef>
+        </p:style>
+      </p:cxnSp>
+      <p:cxnSp>
+        <p:nvCxnSpPr>
+          <p:cNvPr id="133" name="直接箭头连接符 132"/>
+          <p:cNvCxnSpPr/>
+          <p:nvPr/>
+        </p:nvCxnSpPr>
+        <p:spPr>
+          <a:xfrm>
+            <a:off x="1231679" y="2235675"/>
+            <a:ext cx="276624" cy="0"/>
+          </a:xfrm>
+          <a:prstGeom prst="straightConnector1">
+            <a:avLst/>
+          </a:prstGeom>
+          <a:ln w="28575">
+            <a:tailEnd type="triangle"/>
+          </a:ln>
+        </p:spPr>
+        <p:style>
+          <a:lnRef idx="1">
+            <a:schemeClr val="accent1"/>
+          </a:lnRef>
+          <a:fillRef idx="0">
+            <a:schemeClr val="accent1"/>
+          </a:fillRef>
+          <a:effectRef idx="0">
+            <a:schemeClr val="accent1"/>
+          </a:effectRef>
+          <a:fontRef idx="minor">
+            <a:schemeClr val="tx1"/>
+          </a:fontRef>
+        </p:style>
+      </p:cxnSp>
+      <p:sp>
+        <p:nvSpPr>
+          <p:cNvPr id="135" name="文本框 134"/>
+          <p:cNvSpPr txBox="1"/>
+          <p:nvPr/>
+        </p:nvSpPr>
+        <p:spPr>
+          <a:xfrm>
+            <a:off x="953698" y="2089860"/>
+            <a:ext cx="348899" cy="276999"/>
+          </a:xfrm>
+          <a:prstGeom prst="rect">
+            <a:avLst/>
+          </a:prstGeom>
+          <a:noFill/>
+        </p:spPr>
+        <p:txBody>
+          <a:bodyPr wrap="square" rtlCol="0">
+            <a:spAutoFit/>
+          </a:bodyPr>
+          <a:lstStyle/>
+          <a:p>
+            <a:r>
+              <a:rPr lang="en-US" altLang="zh-CN" sz="1200" dirty="0"/>
+              <a:t>+1</a:t>
+            </a:r>
+            <a:endParaRPr lang="zh-CN" altLang="en-US" sz="1200" dirty="0"/>
+          </a:p>
+        </p:txBody>
+      </p:sp>
+      <p:cxnSp>
+        <p:nvCxnSpPr>
+          <p:cNvPr id="136" name="连接符: 肘形 135"/>
+          <p:cNvCxnSpPr/>
+          <p:nvPr/>
+        </p:nvCxnSpPr>
+        <p:spPr>
+          <a:xfrm flipH="1">
+            <a:off x="754202" y="2364599"/>
+            <a:ext cx="1096790" cy="1260000"/>
+          </a:xfrm>
+          <a:prstGeom prst="bentConnector5">
+            <a:avLst>
+              <a:gd name="adj1" fmla="val -26054"/>
+              <a:gd name="adj2" fmla="val -56541"/>
+              <a:gd name="adj3" fmla="val 129776"/>
+            </a:avLst>
+          </a:prstGeom>
+          <a:ln w="28575">
+            <a:tailEnd type="triangle"/>
+          </a:ln>
+        </p:spPr>
+        <p:style>
+          <a:lnRef idx="1">
+            <a:schemeClr val="accent1"/>
+          </a:lnRef>
+          <a:fillRef idx="0">
+            <a:schemeClr val="accent1"/>
+          </a:fillRef>
+          <a:effectRef idx="0">
+            <a:schemeClr val="accent1"/>
+          </a:effectRef>
+          <a:fontRef idx="minor">
+            <a:schemeClr val="tx1"/>
+          </a:fontRef>
+        </p:style>
+      </p:cxnSp>
+      <p:sp>
+        <p:nvSpPr>
+          <p:cNvPr id="234" name="文本框 233"/>
+          <p:cNvSpPr txBox="1"/>
+          <p:nvPr/>
+        </p:nvSpPr>
+        <p:spPr>
+          <a:xfrm>
+            <a:off x="9934137" y="4740305"/>
+            <a:ext cx="813043" cy="276999"/>
+          </a:xfrm>
+          <a:prstGeom prst="rect">
+            <a:avLst/>
+          </a:prstGeom>
+          <a:noFill/>
+        </p:spPr>
+        <p:txBody>
+          <a:bodyPr wrap="none" rtlCol="0">
+            <a:spAutoFit/>
+          </a:bodyPr>
+          <a:lstStyle/>
+          <a:p>
+            <a:r>
+              <a:rPr lang="en-US" altLang="zh-CN" sz="1200" dirty="0">
+                <a:solidFill>
+                  <a:schemeClr val="accent2"/>
+                </a:solidFill>
+              </a:rPr>
+              <a:t>op2 – op1</a:t>
+            </a:r>
+            <a:endParaRPr lang="zh-CN" altLang="en-US" sz="1200" dirty="0">
+              <a:solidFill>
+                <a:schemeClr val="accent2"/>
+              </a:solidFill>
+            </a:endParaRPr>
+          </a:p>
+        </p:txBody>
+      </p:sp>
+      <p:grpSp>
+        <p:nvGrpSpPr>
+          <p:cNvPr id="240" name="组合 239"/>
+          <p:cNvGrpSpPr/>
+          <p:nvPr/>
+        </p:nvGrpSpPr>
+        <p:grpSpPr>
+          <a:xfrm>
+            <a:off x="7156760" y="3293251"/>
+            <a:ext cx="1534458" cy="1554862"/>
+            <a:chOff x="7156760" y="3293251"/>
+            <a:chExt cx="1534458" cy="1554862"/>
+          </a:xfrm>
+        </p:grpSpPr>
+        <p:sp>
+          <p:nvSpPr>
+            <p:cNvPr id="82" name="Rectangle 68"/>
+            <p:cNvSpPr/>
+            <p:nvPr/>
+          </p:nvSpPr>
+          <p:spPr>
+            <a:xfrm>
+              <a:off x="7158262" y="3293251"/>
+              <a:ext cx="1532841" cy="1554862"/>
+            </a:xfrm>
+            <a:prstGeom prst="rect">
+              <a:avLst/>
+            </a:prstGeom>
+            <a:noFill/>
+            <a:ln>
+              <a:solidFill>
+                <a:schemeClr val="tx1"/>
+              </a:solidFill>
+            </a:ln>
+          </p:spPr>
+          <p:style>
+            <a:lnRef idx="2">
+              <a:schemeClr val="accent1">
+                <a:shade val="50000"/>
+              </a:schemeClr>
+            </a:lnRef>
+            <a:fillRef idx="1">
+              <a:schemeClr val="accent1"/>
+            </a:fillRef>
+            <a:effectRef idx="0">
+              <a:schemeClr val="accent1"/>
+            </a:effectRef>
+            <a:fontRef idx="minor">
+              <a:schemeClr val="lt1"/>
+            </a:fontRef>
+          </p:style>
+          <p:txBody>
+            <a:bodyPr rtlCol="0" anchor="ctr"/>
+            <a:lstStyle/>
+            <a:p>
+              <a:pPr algn="ctr"/>
+              <a:endParaRPr lang="en-US" sz="1200"/>
+            </a:p>
+          </p:txBody>
+        </p:sp>
+        <p:sp>
+          <p:nvSpPr>
+            <p:cNvPr id="83" name="TextBox 69"/>
+            <p:cNvSpPr txBox="1"/>
+            <p:nvPr/>
+          </p:nvSpPr>
+          <p:spPr>
+            <a:xfrm>
+              <a:off x="7170166" y="3553048"/>
+              <a:ext cx="847861" cy="276999"/>
+            </a:xfrm>
+            <a:prstGeom prst="rect">
+              <a:avLst/>
+            </a:prstGeom>
+            <a:noFill/>
+          </p:spPr>
+          <p:txBody>
+            <a:bodyPr wrap="none" rtlCol="0">
+              <a:spAutoFit/>
+            </a:bodyPr>
+            <a:lstStyle/>
+            <a:p>
+              <a:r>
+                <a:rPr lang="en-US" sz="1200" dirty="0" err="1"/>
+                <a:t>RdAddress</a:t>
+              </a:r>
+              <a:endParaRPr lang="en-US" sz="1200" dirty="0"/>
+            </a:p>
+          </p:txBody>
+        </p:sp>
+        <p:sp>
+          <p:nvSpPr>
+            <p:cNvPr id="84" name="TextBox 70"/>
+            <p:cNvSpPr txBox="1"/>
+            <p:nvPr/>
+          </p:nvSpPr>
+          <p:spPr>
+            <a:xfrm>
+              <a:off x="7170166" y="4118262"/>
+              <a:ext cx="415990" cy="404529"/>
+            </a:xfrm>
+            <a:prstGeom prst="rect">
+              <a:avLst/>
+            </a:prstGeom>
+            <a:noFill/>
+          </p:spPr>
+          <p:txBody>
+            <a:bodyPr wrap="none" rtlCol="0">
+              <a:spAutoFit/>
+            </a:bodyPr>
+            <a:lstStyle/>
+            <a:p>
+              <a:r>
+                <a:rPr lang="en-US" sz="1200" dirty="0" err="1"/>
+                <a:t>Wrt</a:t>
+              </a:r>
+              <a:r>
+                <a:rPr lang="en-US" sz="1200" dirty="0"/>
+                <a:t> </a:t>
+              </a:r>
+            </a:p>
+            <a:p>
+              <a:r>
+                <a:rPr lang="en-US" sz="1200" dirty="0"/>
+                <a:t>Data</a:t>
+              </a:r>
+            </a:p>
+          </p:txBody>
+        </p:sp>
+        <p:sp>
+          <p:nvSpPr>
+            <p:cNvPr id="85" name="TextBox 71"/>
+            <p:cNvSpPr txBox="1"/>
+            <p:nvPr/>
+          </p:nvSpPr>
+          <p:spPr>
+            <a:xfrm>
+              <a:off x="7869709" y="4232439"/>
+              <a:ext cx="821509" cy="276999"/>
+            </a:xfrm>
+            <a:prstGeom prst="rect">
+              <a:avLst/>
+            </a:prstGeom>
+            <a:noFill/>
+          </p:spPr>
+          <p:txBody>
+            <a:bodyPr wrap="none" rtlCol="0">
+              <a:spAutoFit/>
+            </a:bodyPr>
+            <a:lstStyle/>
+            <a:p>
+              <a:r>
+                <a:rPr lang="en-US" sz="1200" dirty="0"/>
+                <a:t>Read Data</a:t>
+              </a:r>
+            </a:p>
+          </p:txBody>
+        </p:sp>
+        <p:sp>
+          <p:nvSpPr>
+            <p:cNvPr id="86" name="TextBox 73"/>
+            <p:cNvSpPr txBox="1"/>
+            <p:nvPr/>
+          </p:nvSpPr>
+          <p:spPr>
+            <a:xfrm>
+              <a:off x="7477496" y="4602761"/>
+              <a:ext cx="933845" cy="242718"/>
+            </a:xfrm>
+            <a:prstGeom prst="rect">
+              <a:avLst/>
+            </a:prstGeom>
+            <a:noFill/>
+          </p:spPr>
+          <p:txBody>
+            <a:bodyPr wrap="none" rtlCol="0">
+              <a:spAutoFit/>
+            </a:bodyPr>
+            <a:lstStyle/>
+            <a:p>
+              <a:r>
+                <a:rPr lang="en-US" sz="1200" b="1" dirty="0"/>
+                <a:t>Data Memory</a:t>
+              </a:r>
+            </a:p>
+          </p:txBody>
+        </p:sp>
+        <p:sp>
+          <p:nvSpPr>
+            <p:cNvPr id="78" name="TextBox 69"/>
+            <p:cNvSpPr txBox="1"/>
+            <p:nvPr/>
+          </p:nvSpPr>
+          <p:spPr>
+            <a:xfrm>
+              <a:off x="7156760" y="3873126"/>
+              <a:ext cx="920317" cy="276999"/>
+            </a:xfrm>
+            <a:prstGeom prst="rect">
+              <a:avLst/>
+            </a:prstGeom>
+            <a:noFill/>
+          </p:spPr>
+          <p:txBody>
+            <a:bodyPr wrap="none" rtlCol="0">
+              <a:spAutoFit/>
+            </a:bodyPr>
+            <a:lstStyle/>
+            <a:p>
+              <a:r>
+                <a:rPr lang="en-US" sz="1200" dirty="0" err="1"/>
+                <a:t>WrtAddress</a:t>
+              </a:r>
+              <a:endParaRPr lang="en-US" sz="1200" dirty="0"/>
+            </a:p>
+          </p:txBody>
+        </p:sp>
+      </p:grpSp>
       <p:grpSp>
         <p:nvGrpSpPr>
           <p:cNvPr id="95" name="组合 94"/>
@@ -7121,8 +7860,8 @@
         </p:nvGrpSpPr>
         <p:grpSpPr>
           <a:xfrm>
-            <a:off x="3924125" y="3975247"/>
-            <a:ext cx="211958" cy="733341"/>
+            <a:off x="3924125" y="4007332"/>
+            <a:ext cx="211958" cy="838148"/>
             <a:chOff x="1350100" y="1479665"/>
             <a:chExt cx="553999" cy="4018202"/>
           </a:xfrm>
@@ -7234,16 +7973,14 @@
       </p:grpSp>
       <p:cxnSp>
         <p:nvCxnSpPr>
-          <p:cNvPr id="98" name="直接箭头连接符 97"/>
-          <p:cNvCxnSpPr>
-            <a:endCxn id="75" idx="1"/>
-          </p:cNvCxnSpPr>
+          <p:cNvPr id="18" name="直接箭头连接符 17"/>
+          <p:cNvCxnSpPr/>
           <p:nvPr/>
         </p:nvCxnSpPr>
         <p:spPr>
           <a:xfrm>
-            <a:off x="4144616" y="4213017"/>
-            <a:ext cx="487045" cy="3009"/>
+            <a:off x="4144616" y="4570677"/>
+            <a:ext cx="487044" cy="0"/>
           </a:xfrm>
           <a:prstGeom prst="straightConnector1">
             <a:avLst/>
@@ -7269,27 +8006,27 @@
       </p:cxnSp>
       <p:grpSp>
         <p:nvGrpSpPr>
-          <p:cNvPr id="99" name="组合 98"/>
+          <p:cNvPr id="116" name="组合 115"/>
           <p:cNvGrpSpPr/>
           <p:nvPr/>
         </p:nvGrpSpPr>
         <p:grpSpPr>
           <a:xfrm>
-            <a:off x="4783936" y="2085883"/>
-            <a:ext cx="211958" cy="944969"/>
-            <a:chOff x="1350099" y="1479665"/>
+            <a:off x="4761489" y="2363120"/>
+            <a:ext cx="211958" cy="838148"/>
+            <a:chOff x="1350100" y="1479665"/>
             <a:chExt cx="553999" cy="4018202"/>
           </a:xfrm>
         </p:grpSpPr>
         <p:sp>
           <p:nvSpPr>
-            <p:cNvPr id="103" name="Rectangle 3"/>
+            <p:cNvPr id="117" name="Rectangle 3"/>
             <p:cNvSpPr/>
             <p:nvPr/>
           </p:nvSpPr>
           <p:spPr>
             <a:xfrm>
-              <a:off x="1350099" y="1479665"/>
+              <a:off x="1350100" y="1479665"/>
               <a:ext cx="553999" cy="4018202"/>
             </a:xfrm>
             <a:prstGeom prst="rect">
@@ -7341,7 +8078,7 @@
         </p:sp>
         <p:sp>
           <p:nvSpPr>
-            <p:cNvPr id="104" name="Isosceles Triangle 5"/>
+            <p:cNvPr id="118" name="Isosceles Triangle 5"/>
             <p:cNvSpPr/>
             <p:nvPr/>
           </p:nvSpPr>
@@ -7386,649 +8123,6 @@
           </p:txBody>
         </p:sp>
       </p:grpSp>
-      <p:cxnSp>
-        <p:nvCxnSpPr>
-          <p:cNvPr id="105" name="连接符: 肘形 104"/>
-          <p:cNvCxnSpPr>
-            <a:endCxn id="72" idx="0"/>
-          </p:cNvCxnSpPr>
-          <p:nvPr/>
-        </p:nvCxnSpPr>
-        <p:spPr>
-          <a:xfrm rot="16200000" flipH="1">
-            <a:off x="4948525" y="2861548"/>
-            <a:ext cx="501842" cy="396770"/>
-          </a:xfrm>
-          <a:prstGeom prst="bentConnector3">
-            <a:avLst>
-              <a:gd name="adj1" fmla="val 3182"/>
-            </a:avLst>
-          </a:prstGeom>
-          <a:ln w="28575">
-            <a:tailEnd type="triangle"/>
-          </a:ln>
-        </p:spPr>
-        <p:style>
-          <a:lnRef idx="1">
-            <a:schemeClr val="accent1"/>
-          </a:lnRef>
-          <a:fillRef idx="0">
-            <a:schemeClr val="accent1"/>
-          </a:fillRef>
-          <a:effectRef idx="0">
-            <a:schemeClr val="accent1"/>
-          </a:effectRef>
-          <a:fontRef idx="minor">
-            <a:schemeClr val="tx1"/>
-          </a:fontRef>
-        </p:style>
-      </p:cxnSp>
-      <p:cxnSp>
-        <p:nvCxnSpPr>
-          <p:cNvPr id="106" name="直接箭头连接符 105"/>
-          <p:cNvCxnSpPr>
-            <a:stCxn id="92" idx="6"/>
-            <a:endCxn id="103" idx="1"/>
-          </p:cNvCxnSpPr>
-          <p:nvPr/>
-        </p:nvCxnSpPr>
-        <p:spPr>
-          <a:xfrm>
-            <a:off x="4490730" y="2556766"/>
-            <a:ext cx="293206" cy="1602"/>
-          </a:xfrm>
-          <a:prstGeom prst="straightConnector1">
-            <a:avLst/>
-          </a:prstGeom>
-          <a:ln w="28575">
-            <a:tailEnd type="triangle"/>
-          </a:ln>
-        </p:spPr>
-        <p:style>
-          <a:lnRef idx="1">
-            <a:schemeClr val="accent1"/>
-          </a:lnRef>
-          <a:fillRef idx="0">
-            <a:schemeClr val="accent1"/>
-          </a:fillRef>
-          <a:effectRef idx="0">
-            <a:schemeClr val="accent1"/>
-          </a:effectRef>
-          <a:fontRef idx="minor">
-            <a:schemeClr val="tx1"/>
-          </a:fontRef>
-        </p:style>
-      </p:cxnSp>
-      <p:sp>
-        <p:nvSpPr>
-          <p:cNvPr id="107" name="TextBox 46"/>
-          <p:cNvSpPr txBox="1"/>
-          <p:nvPr/>
-        </p:nvSpPr>
-        <p:spPr>
-          <a:xfrm>
-            <a:off x="5397831" y="2973370"/>
-            <a:ext cx="877484" cy="276999"/>
-          </a:xfrm>
-          <a:prstGeom prst="rect">
-            <a:avLst/>
-          </a:prstGeom>
-          <a:noFill/>
-        </p:spPr>
-        <p:txBody>
-          <a:bodyPr wrap="none" rtlCol="0">
-            <a:spAutoFit/>
-          </a:bodyPr>
-          <a:lstStyle/>
-          <a:p>
-            <a:r>
-              <a:rPr lang="en-US" sz="1200" dirty="0" err="1">
-                <a:solidFill>
-                  <a:schemeClr val="accent2"/>
-                </a:solidFill>
-              </a:rPr>
-              <a:t>Wrt</a:t>
-            </a:r>
-            <a:r>
-              <a:rPr lang="en-US" sz="1200" dirty="0">
-                <a:solidFill>
-                  <a:schemeClr val="accent2"/>
-                </a:solidFill>
-              </a:rPr>
-              <a:t> Enable</a:t>
-            </a:r>
-          </a:p>
-        </p:txBody>
-      </p:sp>
-      <p:cxnSp>
-        <p:nvCxnSpPr>
-          <p:cNvPr id="20" name="连接符: 肘形 19"/>
-          <p:cNvCxnSpPr>
-            <a:stCxn id="103" idx="3"/>
-            <a:endCxn id="82" idx="0"/>
-          </p:cNvCxnSpPr>
-          <p:nvPr/>
-        </p:nvCxnSpPr>
-        <p:spPr>
-          <a:xfrm>
-            <a:off x="4995894" y="2558368"/>
-            <a:ext cx="2928789" cy="734883"/>
-          </a:xfrm>
-          <a:prstGeom prst="bentConnector2">
-            <a:avLst/>
-          </a:prstGeom>
-          <a:ln w="28575">
-            <a:tailEnd type="triangle"/>
-          </a:ln>
-        </p:spPr>
-        <p:style>
-          <a:lnRef idx="1">
-            <a:schemeClr val="accent1"/>
-          </a:lnRef>
-          <a:fillRef idx="0">
-            <a:schemeClr val="accent1"/>
-          </a:fillRef>
-          <a:effectRef idx="0">
-            <a:schemeClr val="accent1"/>
-          </a:effectRef>
-          <a:fontRef idx="minor">
-            <a:schemeClr val="tx1"/>
-          </a:fontRef>
-        </p:style>
-      </p:cxnSp>
-      <p:sp>
-        <p:nvSpPr>
-          <p:cNvPr id="128" name="TextBox 90"/>
-          <p:cNvSpPr txBox="1"/>
-          <p:nvPr/>
-        </p:nvSpPr>
-        <p:spPr>
-          <a:xfrm>
-            <a:off x="7899050" y="2612981"/>
-            <a:ext cx="715260" cy="276999"/>
-          </a:xfrm>
-          <a:prstGeom prst="rect">
-            <a:avLst/>
-          </a:prstGeom>
-          <a:noFill/>
-        </p:spPr>
-        <p:txBody>
-          <a:bodyPr wrap="none" rtlCol="0">
-            <a:spAutoFit/>
-          </a:bodyPr>
-          <a:lstStyle/>
-          <a:p>
-            <a:r>
-              <a:rPr lang="en-US" sz="1200" dirty="0">
-                <a:solidFill>
-                  <a:schemeClr val="accent2"/>
-                </a:solidFill>
-              </a:rPr>
-              <a:t>Rd Mem</a:t>
-            </a:r>
-          </a:p>
-        </p:txBody>
-      </p:sp>
-      <p:cxnSp>
-        <p:nvCxnSpPr>
-          <p:cNvPr id="226" name="连接符: 肘形 225"/>
-          <p:cNvCxnSpPr>
-            <a:stCxn id="120" idx="3"/>
-            <a:endCxn id="76" idx="1"/>
-          </p:cNvCxnSpPr>
-          <p:nvPr/>
-        </p:nvCxnSpPr>
-        <p:spPr>
-          <a:xfrm flipH="1">
-            <a:off x="4645002" y="4031451"/>
-            <a:ext cx="6658665" cy="511068"/>
-          </a:xfrm>
-          <a:prstGeom prst="bentConnector5">
-            <a:avLst>
-              <a:gd name="adj1" fmla="val -3433"/>
-              <a:gd name="adj2" fmla="val 324810"/>
-              <a:gd name="adj3" fmla="val 103433"/>
-            </a:avLst>
-          </a:prstGeom>
-          <a:ln w="28575">
-            <a:tailEnd type="triangle"/>
-          </a:ln>
-        </p:spPr>
-        <p:style>
-          <a:lnRef idx="1">
-            <a:schemeClr val="accent1"/>
-          </a:lnRef>
-          <a:fillRef idx="0">
-            <a:schemeClr val="accent1"/>
-          </a:fillRef>
-          <a:effectRef idx="0">
-            <a:schemeClr val="accent1"/>
-          </a:effectRef>
-          <a:fontRef idx="minor">
-            <a:schemeClr val="tx1"/>
-          </a:fontRef>
-        </p:style>
-      </p:cxnSp>
-      <p:cxnSp>
-        <p:nvCxnSpPr>
-          <p:cNvPr id="229" name="连接符: 肘形 228"/>
-          <p:cNvCxnSpPr>
-            <a:endCxn id="216" idx="1"/>
-          </p:cNvCxnSpPr>
-          <p:nvPr/>
-        </p:nvCxnSpPr>
-        <p:spPr>
-          <a:xfrm>
-            <a:off x="7924682" y="2556765"/>
-            <a:ext cx="1699145" cy="796513"/>
-          </a:xfrm>
-          <a:prstGeom prst="bentConnector2">
-            <a:avLst/>
-          </a:prstGeom>
-          <a:ln w="28575">
-            <a:tailEnd type="triangle"/>
-          </a:ln>
-        </p:spPr>
-        <p:style>
-          <a:lnRef idx="1">
-            <a:schemeClr val="accent1"/>
-          </a:lnRef>
-          <a:fillRef idx="0">
-            <a:schemeClr val="accent1"/>
-          </a:fillRef>
-          <a:effectRef idx="0">
-            <a:schemeClr val="accent1"/>
-          </a:effectRef>
-          <a:fontRef idx="minor">
-            <a:schemeClr val="tx1"/>
-          </a:fontRef>
-        </p:style>
-      </p:cxnSp>
-      <p:sp>
-        <p:nvSpPr>
-          <p:cNvPr id="129" name="文本框 128"/>
-          <p:cNvSpPr txBox="1"/>
-          <p:nvPr/>
-        </p:nvSpPr>
-        <p:spPr>
-          <a:xfrm>
-            <a:off x="5754979" y="1108687"/>
-            <a:ext cx="1234633" cy="1200329"/>
-          </a:xfrm>
-          <a:prstGeom prst="rect">
-            <a:avLst/>
-          </a:prstGeom>
-        </p:spPr>
-        <p:style>
-          <a:lnRef idx="2">
-            <a:schemeClr val="accent2"/>
-          </a:lnRef>
-          <a:fillRef idx="1">
-            <a:schemeClr val="lt1"/>
-          </a:fillRef>
-          <a:effectRef idx="0">
-            <a:schemeClr val="accent2"/>
-          </a:effectRef>
-          <a:fontRef idx="minor">
-            <a:schemeClr val="dk1"/>
-          </a:fontRef>
-        </p:style>
-        <p:txBody>
-          <a:bodyPr wrap="none" rtlCol="0">
-            <a:spAutoFit/>
-          </a:bodyPr>
-          <a:lstStyle/>
-          <a:p>
-            <a:r>
-              <a:rPr lang="en-US" altLang="zh-CN" sz="1200" dirty="0">
-                <a:solidFill>
-                  <a:schemeClr val="accent2"/>
-                </a:solidFill>
-              </a:rPr>
-              <a:t>If Ins[7:6] == ‘00’</a:t>
-            </a:r>
-          </a:p>
-          <a:p>
-            <a:r>
-              <a:rPr lang="en-US" altLang="zh-CN" sz="1200" dirty="0">
-                <a:solidFill>
-                  <a:schemeClr val="accent2"/>
-                </a:solidFill>
-              </a:rPr>
-              <a:t>    </a:t>
-            </a:r>
-            <a:r>
-              <a:rPr lang="en-US" altLang="zh-CN" sz="1200" dirty="0" err="1">
-                <a:solidFill>
-                  <a:schemeClr val="accent2"/>
-                </a:solidFill>
-              </a:rPr>
-              <a:t>WrtEnable</a:t>
-            </a:r>
-            <a:r>
-              <a:rPr lang="en-US" altLang="zh-CN" sz="1200" dirty="0">
-                <a:solidFill>
-                  <a:schemeClr val="accent2"/>
-                </a:solidFill>
-              </a:rPr>
-              <a:t> = 1</a:t>
-            </a:r>
-          </a:p>
-          <a:p>
-            <a:r>
-              <a:rPr lang="en-US" altLang="zh-CN" sz="1200" dirty="0">
-                <a:solidFill>
-                  <a:schemeClr val="accent2"/>
-                </a:solidFill>
-              </a:rPr>
-              <a:t>    </a:t>
-            </a:r>
-            <a:r>
-              <a:rPr lang="en-US" altLang="zh-CN" sz="1200" dirty="0" err="1">
-                <a:solidFill>
-                  <a:schemeClr val="accent2"/>
-                </a:solidFill>
-              </a:rPr>
-              <a:t>RdMem</a:t>
-            </a:r>
-            <a:r>
-              <a:rPr lang="en-US" altLang="zh-CN" sz="1200" dirty="0">
-                <a:solidFill>
-                  <a:schemeClr val="accent2"/>
-                </a:solidFill>
-              </a:rPr>
-              <a:t> = 0</a:t>
-            </a:r>
-          </a:p>
-          <a:p>
-            <a:r>
-              <a:rPr lang="en-US" altLang="zh-CN" sz="1200" dirty="0">
-                <a:solidFill>
-                  <a:schemeClr val="accent2"/>
-                </a:solidFill>
-              </a:rPr>
-              <a:t>If Ins[7:6] == ‘01’</a:t>
-            </a:r>
-          </a:p>
-          <a:p>
-            <a:r>
-              <a:rPr lang="en-US" altLang="zh-CN" sz="1200" dirty="0">
-                <a:solidFill>
-                  <a:schemeClr val="accent2"/>
-                </a:solidFill>
-              </a:rPr>
-              <a:t>    </a:t>
-            </a:r>
-            <a:r>
-              <a:rPr lang="en-US" altLang="zh-CN" sz="1200" dirty="0" err="1">
-                <a:solidFill>
-                  <a:schemeClr val="accent2"/>
-                </a:solidFill>
-              </a:rPr>
-              <a:t>WrtEnable</a:t>
-            </a:r>
-            <a:r>
-              <a:rPr lang="en-US" altLang="zh-CN" sz="1200" dirty="0">
-                <a:solidFill>
-                  <a:schemeClr val="accent2"/>
-                </a:solidFill>
-              </a:rPr>
-              <a:t> = 1</a:t>
-            </a:r>
-          </a:p>
-          <a:p>
-            <a:r>
-              <a:rPr lang="en-US" altLang="zh-CN" sz="1200" dirty="0">
-                <a:solidFill>
-                  <a:schemeClr val="accent2"/>
-                </a:solidFill>
-              </a:rPr>
-              <a:t>    </a:t>
-            </a:r>
-            <a:r>
-              <a:rPr lang="en-US" altLang="zh-CN" sz="1200" dirty="0" err="1">
-                <a:solidFill>
-                  <a:schemeClr val="accent2"/>
-                </a:solidFill>
-              </a:rPr>
-              <a:t>RdMem</a:t>
-            </a:r>
-            <a:r>
-              <a:rPr lang="en-US" altLang="zh-CN" sz="1200" dirty="0">
-                <a:solidFill>
-                  <a:schemeClr val="accent2"/>
-                </a:solidFill>
-              </a:rPr>
-              <a:t> = 1</a:t>
-            </a:r>
-          </a:p>
-        </p:txBody>
-      </p:sp>
-      <p:sp>
-        <p:nvSpPr>
-          <p:cNvPr id="130" name="梯形 129"/>
-          <p:cNvSpPr/>
-          <p:nvPr/>
-        </p:nvSpPr>
-        <p:spPr>
-          <a:xfrm rot="5400000">
-            <a:off x="1339416" y="2218923"/>
-            <a:ext cx="694113" cy="345158"/>
-          </a:xfrm>
-          <a:prstGeom prst="trapezoid">
-            <a:avLst/>
-          </a:prstGeom>
-          <a:noFill/>
-          <a:ln w="9525" cap="flat" cmpd="sng" algn="ctr">
-            <a:solidFill>
-              <a:schemeClr val="dk1"/>
-            </a:solidFill>
-            <a:prstDash val="solid"/>
-            <a:round/>
-            <a:headEnd type="none" w="med" len="med"/>
-            <a:tailEnd type="none" w="med" len="med"/>
-          </a:ln>
-        </p:spPr>
-        <p:style>
-          <a:lnRef idx="0">
-            <a:scrgbClr r="0" g="0" b="0"/>
-          </a:lnRef>
-          <a:fillRef idx="0">
-            <a:scrgbClr r="0" g="0" b="0"/>
-          </a:fillRef>
-          <a:effectRef idx="0">
-            <a:scrgbClr r="0" g="0" b="0"/>
-          </a:effectRef>
-          <a:fontRef idx="minor">
-            <a:schemeClr val="dk1"/>
-          </a:fontRef>
-        </p:style>
-        <p:txBody>
-          <a:bodyPr lIns="0" rIns="0" rtlCol="0" anchor="ctr" anchorCtr="1"/>
-          <a:lstStyle/>
-          <a:p>
-            <a:pPr algn="ctr"/>
-            <a:r>
-              <a:rPr lang="en-US" altLang="zh-CN" sz="1200" dirty="0"/>
-              <a:t>Adder</a:t>
-            </a:r>
-            <a:endParaRPr lang="zh-CN" altLang="en-US" sz="1200" dirty="0"/>
-          </a:p>
-        </p:txBody>
-      </p:sp>
-      <p:cxnSp>
-        <p:nvCxnSpPr>
-          <p:cNvPr id="131" name="连接符: 肘形 130"/>
-          <p:cNvCxnSpPr/>
-          <p:nvPr/>
-        </p:nvCxnSpPr>
-        <p:spPr>
-          <a:xfrm flipV="1">
-            <a:off x="1076303" y="2587343"/>
-            <a:ext cx="432000" cy="1044000"/>
-          </a:xfrm>
-          <a:prstGeom prst="bentConnector3">
-            <a:avLst>
-              <a:gd name="adj1" fmla="val 38363"/>
-            </a:avLst>
-          </a:prstGeom>
-          <a:ln w="28575">
-            <a:tailEnd type="triangle"/>
-          </a:ln>
-        </p:spPr>
-        <p:style>
-          <a:lnRef idx="1">
-            <a:schemeClr val="accent1"/>
-          </a:lnRef>
-          <a:fillRef idx="0">
-            <a:schemeClr val="accent1"/>
-          </a:fillRef>
-          <a:effectRef idx="0">
-            <a:schemeClr val="accent1"/>
-          </a:effectRef>
-          <a:fontRef idx="minor">
-            <a:schemeClr val="tx1"/>
-          </a:fontRef>
-        </p:style>
-      </p:cxnSp>
-      <p:cxnSp>
-        <p:nvCxnSpPr>
-          <p:cNvPr id="133" name="直接箭头连接符 132"/>
-          <p:cNvCxnSpPr/>
-          <p:nvPr/>
-        </p:nvCxnSpPr>
-        <p:spPr>
-          <a:xfrm>
-            <a:off x="1231679" y="2235675"/>
-            <a:ext cx="276624" cy="0"/>
-          </a:xfrm>
-          <a:prstGeom prst="straightConnector1">
-            <a:avLst/>
-          </a:prstGeom>
-          <a:ln w="28575">
-            <a:tailEnd type="triangle"/>
-          </a:ln>
-        </p:spPr>
-        <p:style>
-          <a:lnRef idx="1">
-            <a:schemeClr val="accent1"/>
-          </a:lnRef>
-          <a:fillRef idx="0">
-            <a:schemeClr val="accent1"/>
-          </a:fillRef>
-          <a:effectRef idx="0">
-            <a:schemeClr val="accent1"/>
-          </a:effectRef>
-          <a:fontRef idx="minor">
-            <a:schemeClr val="tx1"/>
-          </a:fontRef>
-        </p:style>
-      </p:cxnSp>
-      <p:sp>
-        <p:nvSpPr>
-          <p:cNvPr id="135" name="文本框 134"/>
-          <p:cNvSpPr txBox="1"/>
-          <p:nvPr/>
-        </p:nvSpPr>
-        <p:spPr>
-          <a:xfrm>
-            <a:off x="953698" y="2089860"/>
-            <a:ext cx="348899" cy="276999"/>
-          </a:xfrm>
-          <a:prstGeom prst="rect">
-            <a:avLst/>
-          </a:prstGeom>
-          <a:noFill/>
-        </p:spPr>
-        <p:txBody>
-          <a:bodyPr wrap="square" rtlCol="0">
-            <a:spAutoFit/>
-          </a:bodyPr>
-          <a:lstStyle/>
-          <a:p>
-            <a:r>
-              <a:rPr lang="en-US" altLang="zh-CN" sz="1200" dirty="0"/>
-              <a:t>+1</a:t>
-            </a:r>
-            <a:endParaRPr lang="zh-CN" altLang="en-US" sz="1200" dirty="0"/>
-          </a:p>
-        </p:txBody>
-      </p:sp>
-      <p:cxnSp>
-        <p:nvCxnSpPr>
-          <p:cNvPr id="136" name="连接符: 肘形 135"/>
-          <p:cNvCxnSpPr/>
-          <p:nvPr/>
-        </p:nvCxnSpPr>
-        <p:spPr>
-          <a:xfrm flipH="1">
-            <a:off x="754202" y="2364599"/>
-            <a:ext cx="1096790" cy="1260000"/>
-          </a:xfrm>
-          <a:prstGeom prst="bentConnector5">
-            <a:avLst>
-              <a:gd name="adj1" fmla="val -26054"/>
-              <a:gd name="adj2" fmla="val -56541"/>
-              <a:gd name="adj3" fmla="val 129776"/>
-            </a:avLst>
-          </a:prstGeom>
-          <a:ln w="28575">
-            <a:tailEnd type="triangle"/>
-          </a:ln>
-        </p:spPr>
-        <p:style>
-          <a:lnRef idx="1">
-            <a:schemeClr val="accent1"/>
-          </a:lnRef>
-          <a:fillRef idx="0">
-            <a:schemeClr val="accent1"/>
-          </a:fillRef>
-          <a:effectRef idx="0">
-            <a:schemeClr val="accent1"/>
-          </a:effectRef>
-          <a:fontRef idx="minor">
-            <a:schemeClr val="tx1"/>
-          </a:fontRef>
-        </p:style>
-      </p:cxnSp>
-      <p:sp>
-        <p:nvSpPr>
-          <p:cNvPr id="234" name="文本框 233"/>
-          <p:cNvSpPr txBox="1"/>
-          <p:nvPr/>
-        </p:nvSpPr>
-        <p:spPr>
-          <a:xfrm>
-            <a:off x="9934137" y="4740305"/>
-            <a:ext cx="813043" cy="276999"/>
-          </a:xfrm>
-          <a:prstGeom prst="rect">
-            <a:avLst/>
-          </a:prstGeom>
-          <a:noFill/>
-        </p:spPr>
-        <p:txBody>
-          <a:bodyPr wrap="none" rtlCol="0">
-            <a:spAutoFit/>
-          </a:bodyPr>
-          <a:lstStyle/>
-          <a:p>
-            <a:r>
-              <a:rPr lang="en-US" altLang="zh-CN" sz="1200" dirty="0">
-                <a:solidFill>
-                  <a:schemeClr val="accent2"/>
-                </a:solidFill>
-              </a:rPr>
-              <a:t>op1 – op2</a:t>
-            </a:r>
-            <a:endParaRPr lang="zh-CN" altLang="en-US" sz="1200" dirty="0">
-              <a:solidFill>
-                <a:schemeClr val="accent2"/>
-              </a:solidFill>
-            </a:endParaRPr>
-          </a:p>
-        </p:txBody>
-      </p:sp>
     </p:spTree>
     <p:extLst>
       <p:ext uri="{BB962C8B-B14F-4D97-AF65-F5344CB8AC3E}">
@@ -8321,488 +8415,6 @@
           </p:txBody>
         </p:sp>
       </p:grpSp>
-      <p:grpSp>
-        <p:nvGrpSpPr>
-          <p:cNvPr id="100" name="组合 99"/>
-          <p:cNvGrpSpPr/>
-          <p:nvPr/>
-        </p:nvGrpSpPr>
-        <p:grpSpPr>
-          <a:xfrm>
-            <a:off x="7158262" y="3674251"/>
-            <a:ext cx="1532956" cy="1554862"/>
-            <a:chOff x="7839161" y="160467"/>
-            <a:chExt cx="2150238" cy="2180967"/>
-          </a:xfrm>
-        </p:grpSpPr>
-        <p:sp>
-          <p:nvSpPr>
-            <p:cNvPr id="82" name="Rectangle 68"/>
-            <p:cNvSpPr/>
-            <p:nvPr/>
-          </p:nvSpPr>
-          <p:spPr>
-            <a:xfrm>
-              <a:off x="7839161" y="160467"/>
-              <a:ext cx="2150076" cy="2180967"/>
-            </a:xfrm>
-            <a:prstGeom prst="rect">
-              <a:avLst/>
-            </a:prstGeom>
-            <a:noFill/>
-            <a:ln>
-              <a:solidFill>
-                <a:schemeClr val="tx1"/>
-              </a:solidFill>
-            </a:ln>
-          </p:spPr>
-          <p:style>
-            <a:lnRef idx="2">
-              <a:schemeClr val="accent1">
-                <a:shade val="50000"/>
-              </a:schemeClr>
-            </a:lnRef>
-            <a:fillRef idx="1">
-              <a:schemeClr val="accent1"/>
-            </a:fillRef>
-            <a:effectRef idx="0">
-              <a:schemeClr val="accent1"/>
-            </a:effectRef>
-            <a:fontRef idx="minor">
-              <a:schemeClr val="lt1"/>
-            </a:fontRef>
-          </p:style>
-          <p:txBody>
-            <a:bodyPr rtlCol="0" anchor="ctr"/>
-            <a:lstStyle/>
-            <a:p>
-              <a:pPr algn="ctr"/>
-              <a:endParaRPr lang="en-US" sz="1200"/>
-            </a:p>
-          </p:txBody>
-        </p:sp>
-        <p:sp>
-          <p:nvSpPr>
-            <p:cNvPr id="83" name="TextBox 69"/>
-            <p:cNvSpPr txBox="1"/>
-            <p:nvPr/>
-          </p:nvSpPr>
-          <p:spPr>
-            <a:xfrm>
-              <a:off x="7840822" y="546395"/>
-              <a:ext cx="841128" cy="340455"/>
-            </a:xfrm>
-            <a:prstGeom prst="rect">
-              <a:avLst/>
-            </a:prstGeom>
-            <a:noFill/>
-          </p:spPr>
-          <p:txBody>
-            <a:bodyPr wrap="none" rtlCol="0">
-              <a:spAutoFit/>
-            </a:bodyPr>
-            <a:lstStyle/>
-            <a:p>
-              <a:r>
-                <a:rPr lang="en-US" sz="1200" dirty="0"/>
-                <a:t>Address</a:t>
-              </a:r>
-            </a:p>
-          </p:txBody>
-        </p:sp>
-        <p:sp>
-          <p:nvSpPr>
-            <p:cNvPr id="84" name="TextBox 70"/>
-            <p:cNvSpPr txBox="1"/>
-            <p:nvPr/>
-          </p:nvSpPr>
-          <p:spPr>
-            <a:xfrm>
-              <a:off x="7855858" y="1317690"/>
-              <a:ext cx="583499" cy="567423"/>
-            </a:xfrm>
-            <a:prstGeom prst="rect">
-              <a:avLst/>
-            </a:prstGeom>
-            <a:noFill/>
-          </p:spPr>
-          <p:txBody>
-            <a:bodyPr wrap="none" rtlCol="0">
-              <a:spAutoFit/>
-            </a:bodyPr>
-            <a:lstStyle/>
-            <a:p>
-              <a:r>
-                <a:rPr lang="en-US" sz="1200" dirty="0" err="1"/>
-                <a:t>Wrt</a:t>
-              </a:r>
-              <a:r>
-                <a:rPr lang="en-US" sz="1200" dirty="0"/>
-                <a:t> </a:t>
-              </a:r>
-            </a:p>
-            <a:p>
-              <a:r>
-                <a:rPr lang="en-US" sz="1200" dirty="0"/>
-                <a:t>Data</a:t>
-              </a:r>
-            </a:p>
-          </p:txBody>
-        </p:sp>
-        <p:sp>
-          <p:nvSpPr>
-            <p:cNvPr id="85" name="TextBox 71"/>
-            <p:cNvSpPr txBox="1"/>
-            <p:nvPr/>
-          </p:nvSpPr>
-          <p:spPr>
-            <a:xfrm>
-              <a:off x="8837090" y="1477843"/>
-              <a:ext cx="1152309" cy="388540"/>
-            </a:xfrm>
-            <a:prstGeom prst="rect">
-              <a:avLst/>
-            </a:prstGeom>
-            <a:noFill/>
-          </p:spPr>
-          <p:txBody>
-            <a:bodyPr wrap="none" rtlCol="0">
-              <a:spAutoFit/>
-            </a:bodyPr>
-            <a:lstStyle/>
-            <a:p>
-              <a:r>
-                <a:rPr lang="en-US" sz="1200" dirty="0"/>
-                <a:t>Read Data</a:t>
-              </a:r>
-            </a:p>
-          </p:txBody>
-        </p:sp>
-        <p:sp>
-          <p:nvSpPr>
-            <p:cNvPr id="86" name="TextBox 73"/>
-            <p:cNvSpPr txBox="1"/>
-            <p:nvPr/>
-          </p:nvSpPr>
-          <p:spPr>
-            <a:xfrm>
-              <a:off x="8286943" y="1997285"/>
-              <a:ext cx="1309880" cy="340454"/>
-            </a:xfrm>
-            <a:prstGeom prst="rect">
-              <a:avLst/>
-            </a:prstGeom>
-            <a:noFill/>
-          </p:spPr>
-          <p:txBody>
-            <a:bodyPr wrap="none" rtlCol="0">
-              <a:spAutoFit/>
-            </a:bodyPr>
-            <a:lstStyle/>
-            <a:p>
-              <a:r>
-                <a:rPr lang="en-US" sz="1200" b="1" dirty="0"/>
-                <a:t>Data Memory</a:t>
-              </a:r>
-            </a:p>
-          </p:txBody>
-        </p:sp>
-      </p:grpSp>
-      <p:grpSp>
-        <p:nvGrpSpPr>
-          <p:cNvPr id="115" name="组合 114"/>
-          <p:cNvGrpSpPr/>
-          <p:nvPr/>
-        </p:nvGrpSpPr>
-        <p:grpSpPr>
-          <a:xfrm>
-            <a:off x="9925913" y="3691855"/>
-            <a:ext cx="846844" cy="1425690"/>
-            <a:chOff x="10486562" y="481071"/>
-            <a:chExt cx="1152294" cy="1939922"/>
-          </a:xfrm>
-        </p:grpSpPr>
-        <p:sp>
-          <p:nvSpPr>
-            <p:cNvPr id="101" name="Trapezoid 92"/>
-            <p:cNvSpPr/>
-            <p:nvPr/>
-          </p:nvSpPr>
-          <p:spPr>
-            <a:xfrm rot="5400000">
-              <a:off x="10096660" y="878803"/>
-              <a:ext cx="1939922" cy="1144458"/>
-            </a:xfrm>
-            <a:prstGeom prst="trapezoid">
-              <a:avLst/>
-            </a:prstGeom>
-            <a:noFill/>
-            <a:ln>
-              <a:solidFill>
-                <a:schemeClr val="tx1"/>
-              </a:solidFill>
-            </a:ln>
-          </p:spPr>
-          <p:style>
-            <a:lnRef idx="2">
-              <a:schemeClr val="accent1">
-                <a:shade val="50000"/>
-              </a:schemeClr>
-            </a:lnRef>
-            <a:fillRef idx="1">
-              <a:schemeClr val="accent1"/>
-            </a:fillRef>
-            <a:effectRef idx="0">
-              <a:schemeClr val="accent1"/>
-            </a:effectRef>
-            <a:fontRef idx="minor">
-              <a:schemeClr val="lt1"/>
-            </a:fontRef>
-          </p:style>
-          <p:txBody>
-            <a:bodyPr rtlCol="0" anchor="ctr"/>
-            <a:lstStyle/>
-            <a:p>
-              <a:pPr algn="ctr"/>
-              <a:endParaRPr lang="en-US" sz="1200"/>
-            </a:p>
-          </p:txBody>
-        </p:sp>
-        <p:sp>
-          <p:nvSpPr>
-            <p:cNvPr id="102" name="TextBox 93"/>
-            <p:cNvSpPr txBox="1"/>
-            <p:nvPr/>
-          </p:nvSpPr>
-          <p:spPr>
-            <a:xfrm>
-              <a:off x="10523636" y="1227099"/>
-              <a:ext cx="475836" cy="276998"/>
-            </a:xfrm>
-            <a:prstGeom prst="rect">
-              <a:avLst/>
-            </a:prstGeom>
-            <a:noFill/>
-          </p:spPr>
-          <p:txBody>
-            <a:bodyPr wrap="none" rtlCol="0">
-              <a:spAutoFit/>
-            </a:bodyPr>
-            <a:lstStyle/>
-            <a:p>
-              <a:r>
-                <a:rPr lang="en-US" sz="1200" dirty="0"/>
-                <a:t> </a:t>
-              </a:r>
-              <a:r>
-                <a:rPr lang="en-US" sz="1200" b="1" dirty="0"/>
-                <a:t>ALU</a:t>
-              </a:r>
-            </a:p>
-          </p:txBody>
-        </p:sp>
-        <p:sp>
-          <p:nvSpPr>
-            <p:cNvPr id="109" name="TextBox 101"/>
-            <p:cNvSpPr txBox="1"/>
-            <p:nvPr/>
-          </p:nvSpPr>
-          <p:spPr>
-            <a:xfrm>
-              <a:off x="10486562" y="639443"/>
-              <a:ext cx="710310" cy="376910"/>
-            </a:xfrm>
-            <a:prstGeom prst="rect">
-              <a:avLst/>
-            </a:prstGeom>
-            <a:noFill/>
-          </p:spPr>
-          <p:txBody>
-            <a:bodyPr wrap="square" rtlCol="0">
-              <a:spAutoFit/>
-            </a:bodyPr>
-            <a:lstStyle/>
-            <a:p>
-              <a:r>
-                <a:rPr lang="en-US" sz="1200" dirty="0"/>
-                <a:t>Op2</a:t>
-              </a:r>
-            </a:p>
-          </p:txBody>
-        </p:sp>
-        <p:sp>
-          <p:nvSpPr>
-            <p:cNvPr id="110" name="TextBox 102"/>
-            <p:cNvSpPr txBox="1"/>
-            <p:nvPr/>
-          </p:nvSpPr>
-          <p:spPr>
-            <a:xfrm>
-              <a:off x="10489923" y="1913763"/>
-              <a:ext cx="706951" cy="376910"/>
-            </a:xfrm>
-            <a:prstGeom prst="rect">
-              <a:avLst/>
-            </a:prstGeom>
-            <a:noFill/>
-          </p:spPr>
-          <p:txBody>
-            <a:bodyPr wrap="square" rtlCol="0">
-              <a:spAutoFit/>
-            </a:bodyPr>
-            <a:lstStyle/>
-            <a:p>
-              <a:r>
-                <a:rPr lang="en-US" sz="1200" dirty="0"/>
-                <a:t>Op1</a:t>
-              </a:r>
-            </a:p>
-          </p:txBody>
-        </p:sp>
-        <p:sp>
-          <p:nvSpPr>
-            <p:cNvPr id="114" name="TextBox 106"/>
-            <p:cNvSpPr txBox="1"/>
-            <p:nvPr/>
-          </p:nvSpPr>
-          <p:spPr>
-            <a:xfrm>
-              <a:off x="11042680" y="1212962"/>
-              <a:ext cx="596176" cy="376910"/>
-            </a:xfrm>
-            <a:prstGeom prst="rect">
-              <a:avLst/>
-            </a:prstGeom>
-            <a:noFill/>
-          </p:spPr>
-          <p:txBody>
-            <a:bodyPr wrap="square" rtlCol="0">
-              <a:spAutoFit/>
-            </a:bodyPr>
-            <a:lstStyle/>
-            <a:p>
-              <a:r>
-                <a:rPr lang="en-US" sz="1200" dirty="0"/>
-                <a:t>Res</a:t>
-              </a:r>
-            </a:p>
-          </p:txBody>
-        </p:sp>
-      </p:grpSp>
-      <p:grpSp>
-        <p:nvGrpSpPr>
-          <p:cNvPr id="119" name="组合 118"/>
-          <p:cNvGrpSpPr/>
-          <p:nvPr/>
-        </p:nvGrpSpPr>
-        <p:grpSpPr>
-          <a:xfrm>
-            <a:off x="11001696" y="2981049"/>
-            <a:ext cx="301971" cy="2862803"/>
-            <a:chOff x="1350100" y="1479665"/>
-            <a:chExt cx="553999" cy="4018202"/>
-          </a:xfrm>
-        </p:grpSpPr>
-        <p:sp>
-          <p:nvSpPr>
-            <p:cNvPr id="120" name="Rectangle 3"/>
-            <p:cNvSpPr/>
-            <p:nvPr/>
-          </p:nvSpPr>
-          <p:spPr>
-            <a:xfrm>
-              <a:off x="1350100" y="1479665"/>
-              <a:ext cx="553999" cy="4018202"/>
-            </a:xfrm>
-            <a:prstGeom prst="rect">
-              <a:avLst/>
-            </a:prstGeom>
-            <a:noFill/>
-            <a:ln>
-              <a:solidFill>
-                <a:schemeClr val="tx1"/>
-              </a:solidFill>
-            </a:ln>
-          </p:spPr>
-          <p:style>
-            <a:lnRef idx="2">
-              <a:schemeClr val="accent1">
-                <a:shade val="50000"/>
-              </a:schemeClr>
-            </a:lnRef>
-            <a:fillRef idx="1">
-              <a:schemeClr val="accent1"/>
-            </a:fillRef>
-            <a:effectRef idx="0">
-              <a:schemeClr val="accent1"/>
-            </a:effectRef>
-            <a:fontRef idx="minor">
-              <a:schemeClr val="lt1"/>
-            </a:fontRef>
-          </p:style>
-          <p:txBody>
-            <a:bodyPr vert="vert270" rtlCol="0" anchor="ctr" anchorCtr="0"/>
-            <a:lstStyle/>
-            <a:p>
-              <a:pPr algn="ctr"/>
-              <a:r>
-                <a:rPr lang="en-US" altLang="zh-CN" sz="1200" b="1" dirty="0">
-                  <a:solidFill>
-                    <a:schemeClr val="tx1"/>
-                  </a:solidFill>
-                </a:rPr>
-                <a:t>FLIP-FLOP</a:t>
-              </a:r>
-            </a:p>
-          </p:txBody>
-        </p:sp>
-        <p:sp>
-          <p:nvSpPr>
-            <p:cNvPr id="121" name="Isosceles Triangle 5"/>
-            <p:cNvSpPr/>
-            <p:nvPr/>
-          </p:nvSpPr>
-          <p:spPr>
-            <a:xfrm>
-              <a:off x="1571204" y="5280509"/>
-              <a:ext cx="155391" cy="217358"/>
-            </a:xfrm>
-            <a:prstGeom prst="triangle">
-              <a:avLst/>
-            </a:prstGeom>
-            <a:noFill/>
-            <a:ln>
-              <a:solidFill>
-                <a:schemeClr val="tx1"/>
-              </a:solidFill>
-            </a:ln>
-          </p:spPr>
-          <p:style>
-            <a:lnRef idx="2">
-              <a:schemeClr val="accent1">
-                <a:shade val="50000"/>
-              </a:schemeClr>
-            </a:lnRef>
-            <a:fillRef idx="1">
-              <a:schemeClr val="accent1"/>
-            </a:fillRef>
-            <a:effectRef idx="0">
-              <a:schemeClr val="accent1"/>
-            </a:effectRef>
-            <a:fontRef idx="minor">
-              <a:schemeClr val="lt1"/>
-            </a:fontRef>
-          </p:style>
-          <p:txBody>
-            <a:bodyPr rtlCol="0" anchor="ctr"/>
-            <a:lstStyle/>
-            <a:p>
-              <a:pPr algn="ctr"/>
-              <a:endParaRPr lang="en-US" sz="1200"/>
-            </a:p>
-          </p:txBody>
-        </p:sp>
-      </p:grpSp>
       <p:cxnSp>
         <p:nvCxnSpPr>
           <p:cNvPr id="132" name="直接箭头连接符 131"/>
@@ -8840,55 +8452,20 @@
         <p:nvCxnSpPr>
           <p:cNvPr id="200" name="直接箭头连接符 199"/>
           <p:cNvCxnSpPr>
-            <a:endCxn id="83" idx="1"/>
+            <a:endCxn id="150" idx="1"/>
           </p:cNvCxnSpPr>
           <p:nvPr/>
         </p:nvCxnSpPr>
         <p:spPr>
           <a:xfrm>
             <a:off x="6275315" y="4070747"/>
-            <a:ext cx="884131" cy="0"/>
+            <a:ext cx="1236438" cy="1801"/>
           </a:xfrm>
           <a:prstGeom prst="straightConnector1">
             <a:avLst/>
           </a:prstGeom>
           <a:ln w="28575">
             <a:tailEnd type="triangle"/>
-          </a:ln>
-        </p:spPr>
-        <p:style>
-          <a:lnRef idx="1">
-            <a:schemeClr val="accent1"/>
-          </a:lnRef>
-          <a:fillRef idx="0">
-            <a:schemeClr val="accent1"/>
-          </a:fillRef>
-          <a:effectRef idx="0">
-            <a:schemeClr val="accent1"/>
-          </a:effectRef>
-          <a:fontRef idx="minor">
-            <a:schemeClr val="tx1"/>
-          </a:fontRef>
-        </p:style>
-      </p:cxnSp>
-      <p:cxnSp>
-        <p:nvCxnSpPr>
-          <p:cNvPr id="212" name="直接箭头连接符 211"/>
-          <p:cNvCxnSpPr>
-            <a:stCxn id="85" idx="3"/>
-          </p:cNvCxnSpPr>
-          <p:nvPr/>
-        </p:nvCxnSpPr>
-        <p:spPr>
-          <a:xfrm flipV="1">
-            <a:off x="8691218" y="4751938"/>
-            <a:ext cx="251563" cy="1"/>
-          </a:xfrm>
-          <a:prstGeom prst="straightConnector1">
-            <a:avLst/>
-          </a:prstGeom>
-          <a:ln w="28575">
-            <a:tailEnd type="none"/>
           </a:ln>
         </p:spPr>
         <p:style>
@@ -8914,7 +8491,7 @@
         </p:nvSpPr>
         <p:spPr>
           <a:xfrm rot="5400000">
-            <a:off x="9383959" y="3826508"/>
+            <a:off x="9383959" y="3826506"/>
             <a:ext cx="479736" cy="236220"/>
           </a:xfrm>
           <a:prstGeom prst="trapezoid">
@@ -8973,7 +8550,7 @@
           </a:xfrm>
           <a:prstGeom prst="bentConnector3">
             <a:avLst>
-              <a:gd name="adj1" fmla="val 25024"/>
+              <a:gd name="adj1" fmla="val 36852"/>
             </a:avLst>
           </a:prstGeom>
           <a:ln w="28575">
@@ -9003,8 +8580,8 @@
         </p:nvCxnSpPr>
         <p:spPr>
           <a:xfrm flipV="1">
-            <a:off x="8701481" y="4072965"/>
-            <a:ext cx="808665" cy="678973"/>
+            <a:off x="9032805" y="4068441"/>
+            <a:ext cx="472912" cy="683498"/>
           </a:xfrm>
           <a:prstGeom prst="bentConnector3">
             <a:avLst>
@@ -9043,7 +8620,7 @@
           </a:xfrm>
           <a:prstGeom prst="bentConnector3">
             <a:avLst>
-              <a:gd name="adj1" fmla="val 50000"/>
+              <a:gd name="adj1" fmla="val 70803"/>
             </a:avLst>
           </a:prstGeom>
           <a:ln w="28575">
@@ -9140,7 +8717,7 @@
           </a:xfrm>
           <a:prstGeom prst="bentConnector3">
             <a:avLst>
-              <a:gd name="adj1" fmla="val 24968"/>
+              <a:gd name="adj1" fmla="val 21814"/>
             </a:avLst>
           </a:prstGeom>
           <a:ln w="28575">
@@ -9165,9 +8742,7 @@
       <p:cxnSp>
         <p:nvCxnSpPr>
           <p:cNvPr id="268" name="连接符: 肘形 267"/>
-          <p:cNvCxnSpPr>
-            <a:endCxn id="110" idx="1"/>
-          </p:cNvCxnSpPr>
+          <p:cNvCxnSpPr/>
           <p:nvPr/>
         </p:nvCxnSpPr>
         <p:spPr>
@@ -9177,7 +8752,7 @@
           </a:xfrm>
           <a:prstGeom prst="bentConnector3">
             <a:avLst>
-              <a:gd name="adj1" fmla="val 50000"/>
+              <a:gd name="adj1" fmla="val 67915"/>
             </a:avLst>
           </a:prstGeom>
           <a:ln w="28575">
@@ -9210,43 +8785,8 @@
         </p:nvCxnSpPr>
         <p:spPr>
           <a:xfrm>
-            <a:off x="9741937" y="3944618"/>
-            <a:ext cx="183976" cy="2128"/>
-          </a:xfrm>
-          <a:prstGeom prst="straightConnector1">
-            <a:avLst/>
-          </a:prstGeom>
-          <a:ln w="28575">
-            <a:tailEnd type="triangle"/>
-          </a:ln>
-        </p:spPr>
-        <p:style>
-          <a:lnRef idx="1">
-            <a:schemeClr val="accent1"/>
-          </a:lnRef>
-          <a:fillRef idx="0">
-            <a:schemeClr val="accent1"/>
-          </a:fillRef>
-          <a:effectRef idx="0">
-            <a:schemeClr val="accent1"/>
-          </a:effectRef>
-          <a:fontRef idx="minor">
-            <a:schemeClr val="tx1"/>
-          </a:fontRef>
-        </p:style>
-      </p:cxnSp>
-      <p:cxnSp>
-        <p:nvCxnSpPr>
-          <p:cNvPr id="276" name="直接箭头连接符 275"/>
-          <p:cNvCxnSpPr>
-            <a:stCxn id="101" idx="0"/>
-          </p:cNvCxnSpPr>
-          <p:nvPr/>
-        </p:nvCxnSpPr>
-        <p:spPr>
-          <a:xfrm>
-            <a:off x="10772753" y="4404700"/>
-            <a:ext cx="228943" cy="0"/>
+            <a:off x="9741937" y="3944616"/>
+            <a:ext cx="183976" cy="2189"/>
           </a:xfrm>
           <a:prstGeom prst="straightConnector1">
             <a:avLst/>
@@ -9869,23 +9409,895 @@
           </a:p>
         </p:txBody>
       </p:sp>
+      <p:sp>
+        <p:nvSpPr>
+          <p:cNvPr id="107" name="TextBox 46"/>
+          <p:cNvSpPr txBox="1"/>
+          <p:nvPr/>
+        </p:nvSpPr>
+        <p:spPr>
+          <a:xfrm>
+            <a:off x="5397831" y="3354370"/>
+            <a:ext cx="877484" cy="276999"/>
+          </a:xfrm>
+          <a:prstGeom prst="rect">
+            <a:avLst/>
+          </a:prstGeom>
+          <a:noFill/>
+        </p:spPr>
+        <p:txBody>
+          <a:bodyPr wrap="none" rtlCol="0">
+            <a:spAutoFit/>
+          </a:bodyPr>
+          <a:lstStyle/>
+          <a:p>
+            <a:r>
+              <a:rPr lang="en-US" sz="1200" dirty="0" err="1">
+                <a:solidFill>
+                  <a:schemeClr val="accent2"/>
+                </a:solidFill>
+              </a:rPr>
+              <a:t>Wrt</a:t>
+            </a:r>
+            <a:r>
+              <a:rPr lang="en-US" sz="1200" dirty="0">
+                <a:solidFill>
+                  <a:schemeClr val="accent2"/>
+                </a:solidFill>
+              </a:rPr>
+              <a:t> Enable</a:t>
+            </a:r>
+          </a:p>
+        </p:txBody>
+      </p:sp>
+      <p:sp>
+        <p:nvSpPr>
+          <p:cNvPr id="129" name="文本框 128"/>
+          <p:cNvSpPr txBox="1"/>
+          <p:nvPr/>
+        </p:nvSpPr>
+        <p:spPr>
+          <a:xfrm>
+            <a:off x="5220185" y="652405"/>
+            <a:ext cx="3159642" cy="1569660"/>
+          </a:xfrm>
+          <a:prstGeom prst="rect">
+            <a:avLst/>
+          </a:prstGeom>
+        </p:spPr>
+        <p:style>
+          <a:lnRef idx="2">
+            <a:schemeClr val="accent2"/>
+          </a:lnRef>
+          <a:fillRef idx="1">
+            <a:schemeClr val="lt1"/>
+          </a:fillRef>
+          <a:effectRef idx="0">
+            <a:schemeClr val="accent2"/>
+          </a:effectRef>
+          <a:fontRef idx="minor">
+            <a:schemeClr val="dk1"/>
+          </a:fontRef>
+        </p:style>
+        <p:txBody>
+          <a:bodyPr wrap="square" numCol="2" spcCol="72000" rtlCol="0">
+            <a:spAutoFit/>
+          </a:bodyPr>
+          <a:lstStyle/>
+          <a:p>
+            <a:r>
+              <a:rPr lang="en-US" altLang="zh-CN" sz="1200" dirty="0">
+                <a:solidFill>
+                  <a:schemeClr val="accent2"/>
+                </a:solidFill>
+              </a:rPr>
+              <a:t>If Ins[7:6] == ‘00’</a:t>
+            </a:r>
+          </a:p>
+          <a:p>
+            <a:r>
+              <a:rPr lang="en-US" altLang="zh-CN" sz="1200" dirty="0">
+                <a:solidFill>
+                  <a:schemeClr val="accent2"/>
+                </a:solidFill>
+              </a:rPr>
+              <a:t>    </a:t>
+            </a:r>
+            <a:r>
+              <a:rPr lang="en-US" altLang="zh-CN" sz="1200" dirty="0" err="1">
+                <a:solidFill>
+                  <a:schemeClr val="accent2"/>
+                </a:solidFill>
+              </a:rPr>
+              <a:t>WrtEnable</a:t>
+            </a:r>
+            <a:r>
+              <a:rPr lang="en-US" altLang="zh-CN" sz="1200" dirty="0">
+                <a:solidFill>
+                  <a:schemeClr val="accent2"/>
+                </a:solidFill>
+              </a:rPr>
+              <a:t> = 1</a:t>
+            </a:r>
+          </a:p>
+          <a:p>
+            <a:r>
+              <a:rPr lang="en-US" altLang="zh-CN" sz="1200" dirty="0">
+                <a:solidFill>
+                  <a:schemeClr val="accent2"/>
+                </a:solidFill>
+              </a:rPr>
+              <a:t>    </a:t>
+            </a:r>
+            <a:r>
+              <a:rPr lang="en-US" altLang="zh-CN" sz="1200" dirty="0" err="1">
+                <a:solidFill>
+                  <a:schemeClr val="accent2"/>
+                </a:solidFill>
+              </a:rPr>
+              <a:t>RdMem</a:t>
+            </a:r>
+            <a:r>
+              <a:rPr lang="en-US" altLang="zh-CN" sz="1200" dirty="0">
+                <a:solidFill>
+                  <a:schemeClr val="accent2"/>
+                </a:solidFill>
+              </a:rPr>
+              <a:t> = 0</a:t>
+            </a:r>
+          </a:p>
+          <a:p>
+            <a:r>
+              <a:rPr lang="en-US" altLang="zh-CN" sz="1200" dirty="0">
+                <a:solidFill>
+                  <a:schemeClr val="accent2"/>
+                </a:solidFill>
+              </a:rPr>
+              <a:t>    </a:t>
+            </a:r>
+            <a:r>
+              <a:rPr lang="en-US" altLang="zh-CN" sz="1200" dirty="0" err="1">
+                <a:solidFill>
+                  <a:schemeClr val="accent2"/>
+                </a:solidFill>
+              </a:rPr>
+              <a:t>WrtMem</a:t>
+            </a:r>
+            <a:r>
+              <a:rPr lang="en-US" altLang="zh-CN" sz="1200" dirty="0">
+                <a:solidFill>
+                  <a:schemeClr val="accent2"/>
+                </a:solidFill>
+              </a:rPr>
+              <a:t> = 0</a:t>
+            </a:r>
+          </a:p>
+          <a:p>
+            <a:r>
+              <a:rPr lang="en-US" altLang="zh-CN" sz="1200" dirty="0">
+                <a:solidFill>
+                  <a:schemeClr val="accent2"/>
+                </a:solidFill>
+              </a:rPr>
+              <a:t>If Ins[7:6] == ‘01’</a:t>
+            </a:r>
+          </a:p>
+          <a:p>
+            <a:r>
+              <a:rPr lang="en-US" altLang="zh-CN" sz="1200" dirty="0">
+                <a:solidFill>
+                  <a:schemeClr val="accent2"/>
+                </a:solidFill>
+              </a:rPr>
+              <a:t>    </a:t>
+            </a:r>
+            <a:r>
+              <a:rPr lang="en-US" altLang="zh-CN" sz="1200" dirty="0" err="1">
+                <a:solidFill>
+                  <a:schemeClr val="accent2"/>
+                </a:solidFill>
+              </a:rPr>
+              <a:t>WrtEnable</a:t>
+            </a:r>
+            <a:r>
+              <a:rPr lang="en-US" altLang="zh-CN" sz="1200" dirty="0">
+                <a:solidFill>
+                  <a:schemeClr val="accent2"/>
+                </a:solidFill>
+              </a:rPr>
+              <a:t> = 1</a:t>
+            </a:r>
+          </a:p>
+          <a:p>
+            <a:r>
+              <a:rPr lang="en-US" altLang="zh-CN" sz="1200" dirty="0">
+                <a:solidFill>
+                  <a:schemeClr val="accent2"/>
+                </a:solidFill>
+              </a:rPr>
+              <a:t>    </a:t>
+            </a:r>
+            <a:r>
+              <a:rPr lang="en-US" altLang="zh-CN" sz="1200" dirty="0" err="1">
+                <a:solidFill>
+                  <a:schemeClr val="accent2"/>
+                </a:solidFill>
+              </a:rPr>
+              <a:t>RdMem</a:t>
+            </a:r>
+            <a:r>
+              <a:rPr lang="en-US" altLang="zh-CN" sz="1200" dirty="0">
+                <a:solidFill>
+                  <a:schemeClr val="accent2"/>
+                </a:solidFill>
+              </a:rPr>
+              <a:t> = 1</a:t>
+            </a:r>
+          </a:p>
+          <a:p>
+            <a:r>
+              <a:rPr lang="en-US" altLang="zh-CN" sz="1200" dirty="0">
+                <a:solidFill>
+                  <a:schemeClr val="accent2"/>
+                </a:solidFill>
+              </a:rPr>
+              <a:t>    </a:t>
+            </a:r>
+            <a:r>
+              <a:rPr lang="en-US" altLang="zh-CN" sz="1200" dirty="0" err="1">
+                <a:solidFill>
+                  <a:schemeClr val="accent2"/>
+                </a:solidFill>
+              </a:rPr>
+              <a:t>WrtMem</a:t>
+            </a:r>
+            <a:r>
+              <a:rPr lang="en-US" altLang="zh-CN" sz="1200" dirty="0">
+                <a:solidFill>
+                  <a:schemeClr val="accent2"/>
+                </a:solidFill>
+              </a:rPr>
+              <a:t> = 0</a:t>
+            </a:r>
+          </a:p>
+          <a:p>
+            <a:r>
+              <a:rPr lang="en-US" altLang="zh-CN" sz="1200" dirty="0">
+                <a:solidFill>
+                  <a:schemeClr val="accent2"/>
+                </a:solidFill>
+              </a:rPr>
+              <a:t>If Ins[7:6] == ‘01’</a:t>
+            </a:r>
+          </a:p>
+          <a:p>
+            <a:r>
+              <a:rPr lang="en-US" altLang="zh-CN" sz="1200" dirty="0">
+                <a:solidFill>
+                  <a:schemeClr val="accent2"/>
+                </a:solidFill>
+              </a:rPr>
+              <a:t>    </a:t>
+            </a:r>
+            <a:r>
+              <a:rPr lang="en-US" altLang="zh-CN" sz="1200" dirty="0" err="1">
+                <a:solidFill>
+                  <a:schemeClr val="accent2"/>
+                </a:solidFill>
+              </a:rPr>
+              <a:t>WrtEnable</a:t>
+            </a:r>
+            <a:r>
+              <a:rPr lang="en-US" altLang="zh-CN" sz="1200" dirty="0">
+                <a:solidFill>
+                  <a:schemeClr val="accent2"/>
+                </a:solidFill>
+              </a:rPr>
+              <a:t> = 0</a:t>
+            </a:r>
+          </a:p>
+          <a:p>
+            <a:r>
+              <a:rPr lang="en-US" altLang="zh-CN" sz="1200" dirty="0">
+                <a:solidFill>
+                  <a:schemeClr val="accent2"/>
+                </a:solidFill>
+              </a:rPr>
+              <a:t>    </a:t>
+            </a:r>
+            <a:r>
+              <a:rPr lang="en-US" altLang="zh-CN" sz="1200" dirty="0" err="1">
+                <a:solidFill>
+                  <a:schemeClr val="accent2"/>
+                </a:solidFill>
+              </a:rPr>
+              <a:t>RdMem</a:t>
+            </a:r>
+            <a:r>
+              <a:rPr lang="en-US" altLang="zh-CN" sz="1200" dirty="0">
+                <a:solidFill>
+                  <a:schemeClr val="accent2"/>
+                </a:solidFill>
+              </a:rPr>
+              <a:t> = 0</a:t>
+            </a:r>
+          </a:p>
+          <a:p>
+            <a:r>
+              <a:rPr lang="en-US" altLang="zh-CN" sz="1200" dirty="0">
+                <a:solidFill>
+                  <a:schemeClr val="accent2"/>
+                </a:solidFill>
+              </a:rPr>
+              <a:t>    </a:t>
+            </a:r>
+            <a:r>
+              <a:rPr lang="en-US" altLang="zh-CN" sz="1200" dirty="0" err="1">
+                <a:solidFill>
+                  <a:schemeClr val="accent2"/>
+                </a:solidFill>
+              </a:rPr>
+              <a:t>WrtMem</a:t>
+            </a:r>
+            <a:r>
+              <a:rPr lang="en-US" altLang="zh-CN" sz="1200" dirty="0">
+                <a:solidFill>
+                  <a:schemeClr val="accent2"/>
+                </a:solidFill>
+              </a:rPr>
+              <a:t> = 1</a:t>
+            </a:r>
+          </a:p>
+          <a:p>
+            <a:endParaRPr lang="en-US" altLang="zh-CN" sz="1200" dirty="0">
+              <a:solidFill>
+                <a:schemeClr val="accent2"/>
+              </a:solidFill>
+            </a:endParaRPr>
+          </a:p>
+        </p:txBody>
+      </p:sp>
+      <p:sp>
+        <p:nvSpPr>
+          <p:cNvPr id="130" name="梯形 129"/>
+          <p:cNvSpPr/>
+          <p:nvPr/>
+        </p:nvSpPr>
+        <p:spPr>
+          <a:xfrm rot="5400000">
+            <a:off x="1339416" y="2599923"/>
+            <a:ext cx="694113" cy="345158"/>
+          </a:xfrm>
+          <a:prstGeom prst="trapezoid">
+            <a:avLst/>
+          </a:prstGeom>
+          <a:noFill/>
+          <a:ln w="9525" cap="flat" cmpd="sng" algn="ctr">
+            <a:solidFill>
+              <a:schemeClr val="dk1"/>
+            </a:solidFill>
+            <a:prstDash val="solid"/>
+            <a:round/>
+            <a:headEnd type="none" w="med" len="med"/>
+            <a:tailEnd type="none" w="med" len="med"/>
+          </a:ln>
+        </p:spPr>
+        <p:style>
+          <a:lnRef idx="0">
+            <a:scrgbClr r="0" g="0" b="0"/>
+          </a:lnRef>
+          <a:fillRef idx="0">
+            <a:scrgbClr r="0" g="0" b="0"/>
+          </a:fillRef>
+          <a:effectRef idx="0">
+            <a:scrgbClr r="0" g="0" b="0"/>
+          </a:effectRef>
+          <a:fontRef idx="minor">
+            <a:schemeClr val="dk1"/>
+          </a:fontRef>
+        </p:style>
+        <p:txBody>
+          <a:bodyPr lIns="0" rIns="0" rtlCol="0" anchor="ctr" anchorCtr="1"/>
+          <a:lstStyle/>
+          <a:p>
+            <a:pPr algn="ctr"/>
+            <a:r>
+              <a:rPr lang="en-US" altLang="zh-CN" sz="1200" dirty="0"/>
+              <a:t>Adder</a:t>
+            </a:r>
+            <a:endParaRPr lang="zh-CN" altLang="en-US" sz="1200" dirty="0"/>
+          </a:p>
+        </p:txBody>
+      </p:sp>
+      <p:cxnSp>
+        <p:nvCxnSpPr>
+          <p:cNvPr id="131" name="连接符: 肘形 130"/>
+          <p:cNvCxnSpPr/>
+          <p:nvPr/>
+        </p:nvCxnSpPr>
+        <p:spPr>
+          <a:xfrm flipV="1">
+            <a:off x="1076303" y="2968343"/>
+            <a:ext cx="432000" cy="1044000"/>
+          </a:xfrm>
+          <a:prstGeom prst="bentConnector3">
+            <a:avLst>
+              <a:gd name="adj1" fmla="val 38363"/>
+            </a:avLst>
+          </a:prstGeom>
+          <a:ln w="28575">
+            <a:tailEnd type="triangle"/>
+          </a:ln>
+        </p:spPr>
+        <p:style>
+          <a:lnRef idx="1">
+            <a:schemeClr val="accent1"/>
+          </a:lnRef>
+          <a:fillRef idx="0">
+            <a:schemeClr val="accent1"/>
+          </a:fillRef>
+          <a:effectRef idx="0">
+            <a:schemeClr val="accent1"/>
+          </a:effectRef>
+          <a:fontRef idx="minor">
+            <a:schemeClr val="tx1"/>
+          </a:fontRef>
+        </p:style>
+      </p:cxnSp>
+      <p:cxnSp>
+        <p:nvCxnSpPr>
+          <p:cNvPr id="133" name="直接箭头连接符 132"/>
+          <p:cNvCxnSpPr/>
+          <p:nvPr/>
+        </p:nvCxnSpPr>
+        <p:spPr>
+          <a:xfrm>
+            <a:off x="1231679" y="2616675"/>
+            <a:ext cx="276624" cy="0"/>
+          </a:xfrm>
+          <a:prstGeom prst="straightConnector1">
+            <a:avLst/>
+          </a:prstGeom>
+          <a:ln w="28575">
+            <a:tailEnd type="triangle"/>
+          </a:ln>
+        </p:spPr>
+        <p:style>
+          <a:lnRef idx="1">
+            <a:schemeClr val="accent1"/>
+          </a:lnRef>
+          <a:fillRef idx="0">
+            <a:schemeClr val="accent1"/>
+          </a:fillRef>
+          <a:effectRef idx="0">
+            <a:schemeClr val="accent1"/>
+          </a:effectRef>
+          <a:fontRef idx="minor">
+            <a:schemeClr val="tx1"/>
+          </a:fontRef>
+        </p:style>
+      </p:cxnSp>
+      <p:sp>
+        <p:nvSpPr>
+          <p:cNvPr id="135" name="文本框 134"/>
+          <p:cNvSpPr txBox="1"/>
+          <p:nvPr/>
+        </p:nvSpPr>
+        <p:spPr>
+          <a:xfrm>
+            <a:off x="953698" y="2470860"/>
+            <a:ext cx="348899" cy="276999"/>
+          </a:xfrm>
+          <a:prstGeom prst="rect">
+            <a:avLst/>
+          </a:prstGeom>
+          <a:noFill/>
+        </p:spPr>
+        <p:txBody>
+          <a:bodyPr wrap="square" rtlCol="0">
+            <a:spAutoFit/>
+          </a:bodyPr>
+          <a:lstStyle/>
+          <a:p>
+            <a:r>
+              <a:rPr lang="en-US" altLang="zh-CN" sz="1200" dirty="0"/>
+              <a:t>+1</a:t>
+            </a:r>
+            <a:endParaRPr lang="zh-CN" altLang="en-US" sz="1200" dirty="0"/>
+          </a:p>
+        </p:txBody>
+      </p:sp>
+      <p:cxnSp>
+        <p:nvCxnSpPr>
+          <p:cNvPr id="136" name="连接符: 肘形 135"/>
+          <p:cNvCxnSpPr/>
+          <p:nvPr/>
+        </p:nvCxnSpPr>
+        <p:spPr>
+          <a:xfrm flipH="1">
+            <a:off x="754202" y="2745599"/>
+            <a:ext cx="1096790" cy="1260000"/>
+          </a:xfrm>
+          <a:prstGeom prst="bentConnector5">
+            <a:avLst>
+              <a:gd name="adj1" fmla="val -26054"/>
+              <a:gd name="adj2" fmla="val -56541"/>
+              <a:gd name="adj3" fmla="val 129776"/>
+            </a:avLst>
+          </a:prstGeom>
+          <a:ln w="28575">
+            <a:tailEnd type="triangle"/>
+          </a:ln>
+        </p:spPr>
+        <p:style>
+          <a:lnRef idx="1">
+            <a:schemeClr val="accent1"/>
+          </a:lnRef>
+          <a:fillRef idx="0">
+            <a:schemeClr val="accent1"/>
+          </a:fillRef>
+          <a:effectRef idx="0">
+            <a:schemeClr val="accent1"/>
+          </a:effectRef>
+          <a:fontRef idx="minor">
+            <a:schemeClr val="tx1"/>
+          </a:fontRef>
+        </p:style>
+      </p:cxnSp>
+      <p:sp>
+        <p:nvSpPr>
+          <p:cNvPr id="234" name="文本框 233"/>
+          <p:cNvSpPr txBox="1"/>
+          <p:nvPr/>
+        </p:nvSpPr>
+        <p:spPr>
+          <a:xfrm>
+            <a:off x="9934137" y="5121305"/>
+            <a:ext cx="813043" cy="276999"/>
+          </a:xfrm>
+          <a:prstGeom prst="rect">
+            <a:avLst/>
+          </a:prstGeom>
+          <a:noFill/>
+        </p:spPr>
+        <p:txBody>
+          <a:bodyPr wrap="none" rtlCol="0">
+            <a:spAutoFit/>
+          </a:bodyPr>
+          <a:lstStyle/>
+          <a:p>
+            <a:r>
+              <a:rPr lang="en-US" altLang="zh-CN" sz="1200" dirty="0">
+                <a:solidFill>
+                  <a:schemeClr val="accent2"/>
+                </a:solidFill>
+              </a:rPr>
+              <a:t>op1 – op2</a:t>
+            </a:r>
+            <a:endParaRPr lang="zh-CN" altLang="en-US" sz="1200" dirty="0">
+              <a:solidFill>
+                <a:schemeClr val="accent2"/>
+              </a:solidFill>
+            </a:endParaRPr>
+          </a:p>
+        </p:txBody>
+      </p:sp>
+      <p:sp>
+        <p:nvSpPr>
+          <p:cNvPr id="108" name="TextBox 90"/>
+          <p:cNvSpPr txBox="1"/>
+          <p:nvPr/>
+        </p:nvSpPr>
+        <p:spPr>
+          <a:xfrm>
+            <a:off x="7530825" y="5556966"/>
+            <a:ext cx="787716" cy="276999"/>
+          </a:xfrm>
+          <a:prstGeom prst="rect">
+            <a:avLst/>
+          </a:prstGeom>
+          <a:noFill/>
+        </p:spPr>
+        <p:txBody>
+          <a:bodyPr wrap="none" rtlCol="0">
+            <a:spAutoFit/>
+          </a:bodyPr>
+          <a:lstStyle/>
+          <a:p>
+            <a:r>
+              <a:rPr lang="en-US" sz="1200" dirty="0" err="1">
+                <a:solidFill>
+                  <a:schemeClr val="accent2"/>
+                </a:solidFill>
+              </a:rPr>
+              <a:t>Wrt</a:t>
+            </a:r>
+            <a:r>
+              <a:rPr lang="en-US" sz="1200" dirty="0">
+                <a:solidFill>
+                  <a:schemeClr val="accent2"/>
+                </a:solidFill>
+              </a:rPr>
+              <a:t> Mem</a:t>
+            </a:r>
+          </a:p>
+        </p:txBody>
+      </p:sp>
       <p:grpSp>
         <p:nvGrpSpPr>
-          <p:cNvPr id="95" name="组合 94"/>
+          <p:cNvPr id="111" name="组合 110"/>
           <p:cNvGrpSpPr/>
           <p:nvPr/>
         </p:nvGrpSpPr>
         <p:grpSpPr>
           <a:xfrm>
-            <a:off x="3924125" y="4356247"/>
-            <a:ext cx="211958" cy="733341"/>
-            <a:chOff x="1350100" y="1479665"/>
-            <a:chExt cx="553999" cy="4018202"/>
+            <a:off x="9925913" y="3691855"/>
+            <a:ext cx="846844" cy="1425690"/>
+            <a:chOff x="10486562" y="481071"/>
+            <a:chExt cx="1152294" cy="1939922"/>
           </a:xfrm>
         </p:grpSpPr>
         <p:sp>
           <p:nvSpPr>
-            <p:cNvPr id="96" name="Rectangle 3"/>
+            <p:cNvPr id="112" name="Trapezoid 92"/>
+            <p:cNvSpPr/>
+            <p:nvPr/>
+          </p:nvSpPr>
+          <p:spPr>
+            <a:xfrm rot="5400000">
+              <a:off x="10096660" y="878803"/>
+              <a:ext cx="1939922" cy="1144458"/>
+            </a:xfrm>
+            <a:prstGeom prst="trapezoid">
+              <a:avLst/>
+            </a:prstGeom>
+            <a:noFill/>
+            <a:ln>
+              <a:solidFill>
+                <a:schemeClr val="tx1"/>
+              </a:solidFill>
+            </a:ln>
+          </p:spPr>
+          <p:style>
+            <a:lnRef idx="2">
+              <a:schemeClr val="accent1">
+                <a:shade val="50000"/>
+              </a:schemeClr>
+            </a:lnRef>
+            <a:fillRef idx="1">
+              <a:schemeClr val="accent1"/>
+            </a:fillRef>
+            <a:effectRef idx="0">
+              <a:schemeClr val="accent1"/>
+            </a:effectRef>
+            <a:fontRef idx="minor">
+              <a:schemeClr val="lt1"/>
+            </a:fontRef>
+          </p:style>
+          <p:txBody>
+            <a:bodyPr rtlCol="0" anchor="ctr"/>
+            <a:lstStyle/>
+            <a:p>
+              <a:pPr algn="ctr"/>
+              <a:endParaRPr lang="en-US" sz="1200"/>
+            </a:p>
+          </p:txBody>
+        </p:sp>
+        <p:sp>
+          <p:nvSpPr>
+            <p:cNvPr id="113" name="TextBox 93"/>
+            <p:cNvSpPr txBox="1"/>
+            <p:nvPr/>
+          </p:nvSpPr>
+          <p:spPr>
+            <a:xfrm>
+              <a:off x="10523636" y="1227099"/>
+              <a:ext cx="475836" cy="276998"/>
+            </a:xfrm>
+            <a:prstGeom prst="rect">
+              <a:avLst/>
+            </a:prstGeom>
+            <a:noFill/>
+          </p:spPr>
+          <p:txBody>
+            <a:bodyPr wrap="none" rtlCol="0">
+              <a:spAutoFit/>
+            </a:bodyPr>
+            <a:lstStyle/>
+            <a:p>
+              <a:r>
+                <a:rPr lang="en-US" sz="1200" dirty="0"/>
+                <a:t> </a:t>
+              </a:r>
+              <a:r>
+                <a:rPr lang="en-US" sz="1200" b="1" dirty="0"/>
+                <a:t>ALU</a:t>
+              </a:r>
+            </a:p>
+          </p:txBody>
+        </p:sp>
+        <p:sp>
+          <p:nvSpPr>
+            <p:cNvPr id="116" name="TextBox 101"/>
+            <p:cNvSpPr txBox="1"/>
+            <p:nvPr/>
+          </p:nvSpPr>
+          <p:spPr>
+            <a:xfrm>
+              <a:off x="10486562" y="639443"/>
+              <a:ext cx="710310" cy="376910"/>
+            </a:xfrm>
+            <a:prstGeom prst="rect">
+              <a:avLst/>
+            </a:prstGeom>
+            <a:noFill/>
+          </p:spPr>
+          <p:txBody>
+            <a:bodyPr wrap="square" rtlCol="0">
+              <a:spAutoFit/>
+            </a:bodyPr>
+            <a:lstStyle/>
+            <a:p>
+              <a:r>
+                <a:rPr lang="en-US" sz="1200" dirty="0"/>
+                <a:t>Op1</a:t>
+              </a:r>
+            </a:p>
+          </p:txBody>
+        </p:sp>
+        <p:sp>
+          <p:nvSpPr>
+            <p:cNvPr id="117" name="TextBox 102"/>
+            <p:cNvSpPr txBox="1"/>
+            <p:nvPr/>
+          </p:nvSpPr>
+          <p:spPr>
+            <a:xfrm>
+              <a:off x="10489923" y="1913763"/>
+              <a:ext cx="706951" cy="376910"/>
+            </a:xfrm>
+            <a:prstGeom prst="rect">
+              <a:avLst/>
+            </a:prstGeom>
+            <a:noFill/>
+          </p:spPr>
+          <p:txBody>
+            <a:bodyPr wrap="square" rtlCol="0">
+              <a:spAutoFit/>
+            </a:bodyPr>
+            <a:lstStyle/>
+            <a:p>
+              <a:r>
+                <a:rPr lang="en-US" sz="1200" dirty="0"/>
+                <a:t>Op2</a:t>
+              </a:r>
+            </a:p>
+          </p:txBody>
+        </p:sp>
+        <p:sp>
+          <p:nvSpPr>
+            <p:cNvPr id="118" name="TextBox 106"/>
+            <p:cNvSpPr txBox="1"/>
+            <p:nvPr/>
+          </p:nvSpPr>
+          <p:spPr>
+            <a:xfrm>
+              <a:off x="11042680" y="1245704"/>
+              <a:ext cx="596176" cy="376910"/>
+            </a:xfrm>
+            <a:prstGeom prst="rect">
+              <a:avLst/>
+            </a:prstGeom>
+            <a:noFill/>
+          </p:spPr>
+          <p:txBody>
+            <a:bodyPr wrap="square" rtlCol="0">
+              <a:spAutoFit/>
+            </a:bodyPr>
+            <a:lstStyle/>
+            <a:p>
+              <a:r>
+                <a:rPr lang="en-US" sz="1200" dirty="0"/>
+                <a:t>Res</a:t>
+              </a:r>
+            </a:p>
+          </p:txBody>
+        </p:sp>
+      </p:grpSp>
+      <p:cxnSp>
+        <p:nvCxnSpPr>
+          <p:cNvPr id="122" name="直接箭头连接符 121"/>
+          <p:cNvCxnSpPr/>
+          <p:nvPr/>
+        </p:nvCxnSpPr>
+        <p:spPr>
+          <a:xfrm>
+            <a:off x="4144616" y="4594017"/>
+            <a:ext cx="487045" cy="3009"/>
+          </a:xfrm>
+          <a:prstGeom prst="straightConnector1">
+            <a:avLst/>
+          </a:prstGeom>
+          <a:ln w="28575">
+            <a:solidFill>
+              <a:schemeClr val="accent1">
+                <a:lumMod val="75000"/>
+              </a:schemeClr>
+            </a:solidFill>
+            <a:tailEnd type="triangle"/>
+          </a:ln>
+        </p:spPr>
+        <p:style>
+          <a:lnRef idx="1">
+            <a:schemeClr val="accent1"/>
+          </a:lnRef>
+          <a:fillRef idx="0">
+            <a:schemeClr val="accent1"/>
+          </a:fillRef>
+          <a:effectRef idx="0">
+            <a:schemeClr val="accent1"/>
+          </a:effectRef>
+          <a:fontRef idx="minor">
+            <a:schemeClr val="tx1"/>
+          </a:fontRef>
+        </p:style>
+      </p:cxnSp>
+      <p:cxnSp>
+        <p:nvCxnSpPr>
+          <p:cNvPr id="123" name="连接符: 肘形 122"/>
+          <p:cNvCxnSpPr>
+            <a:stCxn id="118" idx="3"/>
+          </p:cNvCxnSpPr>
+          <p:nvPr/>
+        </p:nvCxnSpPr>
+        <p:spPr>
+          <a:xfrm flipH="1">
+            <a:off x="3924125" y="4392300"/>
+            <a:ext cx="6848632" cy="559484"/>
+          </a:xfrm>
+          <a:prstGeom prst="bentConnector5">
+            <a:avLst>
+              <a:gd name="adj1" fmla="val -3338"/>
+              <a:gd name="adj2" fmla="val 304272"/>
+              <a:gd name="adj3" fmla="val 103338"/>
+            </a:avLst>
+          </a:prstGeom>
+          <a:ln w="28575">
+            <a:tailEnd type="triangle"/>
+          </a:ln>
+        </p:spPr>
+        <p:style>
+          <a:lnRef idx="1">
+            <a:schemeClr val="accent1"/>
+          </a:lnRef>
+          <a:fillRef idx="0">
+            <a:schemeClr val="accent1"/>
+          </a:fillRef>
+          <a:effectRef idx="0">
+            <a:schemeClr val="accent1"/>
+          </a:effectRef>
+          <a:fontRef idx="minor">
+            <a:schemeClr val="tx1"/>
+          </a:fontRef>
+        </p:style>
+      </p:cxnSp>
+      <p:grpSp>
+        <p:nvGrpSpPr>
+          <p:cNvPr id="124" name="组合 123"/>
+          <p:cNvGrpSpPr/>
+          <p:nvPr/>
+        </p:nvGrpSpPr>
+        <p:grpSpPr>
+          <a:xfrm>
+            <a:off x="3924125" y="4388332"/>
+            <a:ext cx="211958" cy="838148"/>
+            <a:chOff x="1350100" y="1479665"/>
+            <a:chExt cx="553999" cy="4018202"/>
+          </a:xfrm>
+        </p:grpSpPr>
+        <p:sp>
+          <p:nvSpPr>
+            <p:cNvPr id="125" name="Rectangle 3"/>
             <p:cNvSpPr/>
             <p:nvPr/>
           </p:nvSpPr>
@@ -9943,7 +10355,7 @@
         </p:sp>
         <p:sp>
           <p:nvSpPr>
-            <p:cNvPr id="97" name="Isosceles Triangle 5"/>
+            <p:cNvPr id="126" name="Isosceles Triangle 5"/>
             <p:cNvSpPr/>
             <p:nvPr/>
           </p:nvSpPr>
@@ -9990,18 +10402,195 @@
       </p:grpSp>
       <p:cxnSp>
         <p:nvCxnSpPr>
-          <p:cNvPr id="98" name="直接箭头连接符 97"/>
+          <p:cNvPr id="127" name="直接箭头连接符 126"/>
+          <p:cNvCxnSpPr/>
+          <p:nvPr/>
+        </p:nvCxnSpPr>
+        <p:spPr>
+          <a:xfrm>
+            <a:off x="4144616" y="4951677"/>
+            <a:ext cx="487044" cy="0"/>
+          </a:xfrm>
+          <a:prstGeom prst="straightConnector1">
+            <a:avLst/>
+          </a:prstGeom>
+          <a:ln w="28575">
+            <a:solidFill>
+              <a:schemeClr val="accent1">
+                <a:lumMod val="75000"/>
+              </a:schemeClr>
+            </a:solidFill>
+            <a:tailEnd type="triangle"/>
+          </a:ln>
+        </p:spPr>
+        <p:style>
+          <a:lnRef idx="1">
+            <a:schemeClr val="accent1"/>
+          </a:lnRef>
+          <a:fillRef idx="0">
+            <a:schemeClr val="accent1"/>
+          </a:fillRef>
+          <a:effectRef idx="0">
+            <a:schemeClr val="accent1"/>
+          </a:effectRef>
+          <a:fontRef idx="minor">
+            <a:schemeClr val="tx1"/>
+          </a:fontRef>
+        </p:style>
+      </p:cxnSp>
+      <p:cxnSp>
+        <p:nvCxnSpPr>
+          <p:cNvPr id="134" name="连接符: 肘形 133"/>
+          <p:cNvCxnSpPr/>
+          <p:nvPr/>
+        </p:nvCxnSpPr>
+        <p:spPr>
+          <a:xfrm rot="16200000" flipH="1">
+            <a:off x="4979218" y="3280861"/>
+            <a:ext cx="430494" cy="406731"/>
+          </a:xfrm>
+          <a:prstGeom prst="bentConnector3">
+            <a:avLst>
+              <a:gd name="adj1" fmla="val 438"/>
+            </a:avLst>
+          </a:prstGeom>
+          <a:ln w="28575">
+            <a:solidFill>
+              <a:schemeClr val="accent1">
+                <a:lumMod val="75000"/>
+              </a:schemeClr>
+            </a:solidFill>
+            <a:tailEnd type="triangle"/>
+          </a:ln>
+        </p:spPr>
+        <p:style>
+          <a:lnRef idx="1">
+            <a:schemeClr val="accent1"/>
+          </a:lnRef>
+          <a:fillRef idx="0">
+            <a:schemeClr val="accent1"/>
+          </a:fillRef>
+          <a:effectRef idx="0">
+            <a:schemeClr val="accent1"/>
+          </a:effectRef>
+          <a:fontRef idx="minor">
+            <a:schemeClr val="tx1"/>
+          </a:fontRef>
+        </p:style>
+      </p:cxnSp>
+      <p:cxnSp>
+        <p:nvCxnSpPr>
+          <p:cNvPr id="137" name="直接箭头连接符 136"/>
+          <p:cNvCxnSpPr/>
+          <p:nvPr/>
+        </p:nvCxnSpPr>
+        <p:spPr>
+          <a:xfrm>
+            <a:off x="4369756" y="3268246"/>
+            <a:ext cx="400364" cy="734"/>
+          </a:xfrm>
+          <a:prstGeom prst="straightConnector1">
+            <a:avLst/>
+          </a:prstGeom>
+          <a:ln w="28575">
+            <a:tailEnd type="triangle"/>
+          </a:ln>
+        </p:spPr>
+        <p:style>
+          <a:lnRef idx="1">
+            <a:schemeClr val="accent1"/>
+          </a:lnRef>
+          <a:fillRef idx="0">
+            <a:schemeClr val="accent1"/>
+          </a:fillRef>
+          <a:effectRef idx="0">
+            <a:schemeClr val="accent1"/>
+          </a:effectRef>
+          <a:fontRef idx="minor">
+            <a:schemeClr val="tx1"/>
+          </a:fontRef>
+        </p:style>
+      </p:cxnSp>
+      <p:cxnSp>
+        <p:nvCxnSpPr>
+          <p:cNvPr id="141" name="连接符: 肘形 140"/>
           <p:cNvCxnSpPr>
-            <a:endCxn id="75" idx="1"/>
+            <a:endCxn id="149" idx="0"/>
           </p:cNvCxnSpPr>
           <p:nvPr/>
         </p:nvCxnSpPr>
         <p:spPr>
           <a:xfrm>
-            <a:off x="4144616" y="4594017"/>
-            <a:ext cx="487045" cy="3009"/>
-          </a:xfrm>
-          <a:prstGeom prst="straightConnector1">
+            <a:off x="4369755" y="2614906"/>
+            <a:ext cx="3896515" cy="1059345"/>
+          </a:xfrm>
+          <a:prstGeom prst="bentConnector2">
+            <a:avLst/>
+          </a:prstGeom>
+          <a:ln w="28575">
+            <a:tailEnd type="triangle"/>
+          </a:ln>
+        </p:spPr>
+        <p:style>
+          <a:lnRef idx="1">
+            <a:schemeClr val="accent1"/>
+          </a:lnRef>
+          <a:fillRef idx="0">
+            <a:schemeClr val="accent1"/>
+          </a:fillRef>
+          <a:effectRef idx="0">
+            <a:schemeClr val="accent1"/>
+          </a:effectRef>
+          <a:fontRef idx="minor">
+            <a:schemeClr val="tx1"/>
+          </a:fontRef>
+        </p:style>
+      </p:cxnSp>
+      <p:sp>
+        <p:nvSpPr>
+          <p:cNvPr id="142" name="TextBox 90"/>
+          <p:cNvSpPr txBox="1"/>
+          <p:nvPr/>
+        </p:nvSpPr>
+        <p:spPr>
+          <a:xfrm>
+            <a:off x="7591210" y="2604538"/>
+            <a:ext cx="715260" cy="276999"/>
+          </a:xfrm>
+          <a:prstGeom prst="rect">
+            <a:avLst/>
+          </a:prstGeom>
+          <a:noFill/>
+        </p:spPr>
+        <p:txBody>
+          <a:bodyPr wrap="none" rtlCol="0">
+            <a:spAutoFit/>
+          </a:bodyPr>
+          <a:lstStyle/>
+          <a:p>
+            <a:r>
+              <a:rPr lang="en-US" sz="1200" dirty="0">
+                <a:solidFill>
+                  <a:schemeClr val="accent2"/>
+                </a:solidFill>
+              </a:rPr>
+              <a:t>Rd Mem</a:t>
+            </a:r>
+          </a:p>
+        </p:txBody>
+      </p:sp>
+      <p:cxnSp>
+        <p:nvCxnSpPr>
+          <p:cNvPr id="143" name="连接符: 肘形 142"/>
+          <p:cNvCxnSpPr/>
+          <p:nvPr/>
+        </p:nvCxnSpPr>
+        <p:spPr>
+          <a:xfrm>
+            <a:off x="7709320" y="2614714"/>
+            <a:ext cx="1914507" cy="1124919"/>
+          </a:xfrm>
+          <a:prstGeom prst="bentConnector2">
             <a:avLst/>
           </a:prstGeom>
           <a:ln w="28575">
@@ -10025,27 +10614,27 @@
       </p:cxnSp>
       <p:grpSp>
         <p:nvGrpSpPr>
-          <p:cNvPr id="99" name="组合 98"/>
+          <p:cNvPr id="144" name="组合 143"/>
           <p:cNvGrpSpPr/>
           <p:nvPr/>
         </p:nvGrpSpPr>
         <p:grpSpPr>
           <a:xfrm>
-            <a:off x="4783936" y="2937524"/>
-            <a:ext cx="258603" cy="640331"/>
-            <a:chOff x="1350099" y="1479665"/>
+            <a:off x="4767470" y="2743038"/>
+            <a:ext cx="211958" cy="838148"/>
+            <a:chOff x="1350100" y="1479665"/>
             <a:chExt cx="553999" cy="4018202"/>
           </a:xfrm>
         </p:grpSpPr>
         <p:sp>
           <p:nvSpPr>
-            <p:cNvPr id="103" name="Rectangle 3"/>
+            <p:cNvPr id="145" name="Rectangle 3"/>
             <p:cNvSpPr/>
             <p:nvPr/>
           </p:nvSpPr>
           <p:spPr>
             <a:xfrm>
-              <a:off x="1350099" y="1479665"/>
+              <a:off x="1350100" y="1479665"/>
               <a:ext cx="553999" cy="4018202"/>
             </a:xfrm>
             <a:prstGeom prst="rect">
@@ -10097,7 +10686,7 @@
         </p:sp>
         <p:sp>
           <p:nvSpPr>
-            <p:cNvPr id="104" name="Isosceles Triangle 5"/>
+            <p:cNvPr id="146" name="Isosceles Triangle 5"/>
             <p:cNvSpPr/>
             <p:nvPr/>
           </p:nvSpPr>
@@ -10144,19 +10733,18 @@
       </p:grpSp>
       <p:cxnSp>
         <p:nvCxnSpPr>
-          <p:cNvPr id="105" name="连接符: 肘形 104"/>
+          <p:cNvPr id="11" name="直接箭头连接符 10"/>
           <p:cNvCxnSpPr>
-            <a:stCxn id="103" idx="3"/>
-            <a:endCxn id="72" idx="0"/>
+            <a:stCxn id="92" idx="6"/>
           </p:cNvCxnSpPr>
           <p:nvPr/>
         </p:nvCxnSpPr>
         <p:spPr>
           <a:xfrm>
-            <a:off x="5042539" y="3257690"/>
-            <a:ext cx="355292" cy="434164"/>
-          </a:xfrm>
-          <a:prstGeom prst="bentConnector2">
+            <a:off x="4490730" y="2937766"/>
+            <a:ext cx="276740" cy="0"/>
+          </a:xfrm>
+          <a:prstGeom prst="straightConnector1">
             <a:avLst/>
           </a:prstGeom>
           <a:ln w="28575">
@@ -10180,23 +10768,27 @@
       </p:cxnSp>
       <p:cxnSp>
         <p:nvCxnSpPr>
-          <p:cNvPr id="106" name="直接箭头连接符 105"/>
-          <p:cNvCxnSpPr>
-            <a:stCxn id="92" idx="5"/>
-            <a:endCxn id="103" idx="1"/>
-          </p:cNvCxnSpPr>
+          <p:cNvPr id="15" name="连接符: 肘形 14"/>
+          <p:cNvCxnSpPr/>
           <p:nvPr/>
         </p:nvCxnSpPr>
         <p:spPr>
-          <a:xfrm flipV="1">
-            <a:off x="4369756" y="3257690"/>
-            <a:ext cx="414180" cy="2936"/>
-          </a:xfrm>
-          <a:prstGeom prst="straightConnector1">
-            <a:avLst/>
+          <a:xfrm>
+            <a:off x="4991099" y="2937766"/>
+            <a:ext cx="1456844" cy="996282"/>
+          </a:xfrm>
+          <a:prstGeom prst="bentConnector3">
+            <a:avLst>
+              <a:gd name="adj1" fmla="val 100540"/>
+            </a:avLst>
           </a:prstGeom>
           <a:ln w="28575">
-            <a:tailEnd type="triangle"/>
+            <a:solidFill>
+              <a:schemeClr val="accent1">
+                <a:lumMod val="75000"/>
+              </a:schemeClr>
+            </a:solidFill>
+            <a:tailEnd type="none"/>
           </a:ln>
         </p:spPr>
         <p:style>
@@ -10214,137 +10806,244 @@
           </a:fontRef>
         </p:style>
       </p:cxnSp>
-      <p:sp>
-        <p:nvSpPr>
-          <p:cNvPr id="107" name="TextBox 46"/>
-          <p:cNvSpPr txBox="1"/>
-          <p:nvPr/>
-        </p:nvSpPr>
-        <p:spPr>
+      <p:grpSp>
+        <p:nvGrpSpPr>
+          <p:cNvPr id="148" name="组合 147"/>
+          <p:cNvGrpSpPr/>
+          <p:nvPr/>
+        </p:nvGrpSpPr>
+        <p:grpSpPr>
           <a:xfrm>
-            <a:off x="5397831" y="3354370"/>
-            <a:ext cx="877484" cy="276999"/>
-          </a:xfrm>
-          <a:prstGeom prst="rect">
-            <a:avLst/>
-          </a:prstGeom>
-          <a:noFill/>
-        </p:spPr>
-        <p:txBody>
-          <a:bodyPr wrap="none" rtlCol="0">
-            <a:spAutoFit/>
-          </a:bodyPr>
-          <a:lstStyle/>
-          <a:p>
-            <a:r>
-              <a:rPr lang="en-US" sz="1200" dirty="0" err="1">
-                <a:solidFill>
-                  <a:schemeClr val="accent2"/>
-                </a:solidFill>
-              </a:rPr>
-              <a:t>Wrt</a:t>
-            </a:r>
-            <a:r>
-              <a:rPr lang="en-US" sz="1200" dirty="0">
-                <a:solidFill>
-                  <a:schemeClr val="accent2"/>
-                </a:solidFill>
-              </a:rPr>
-              <a:t> Enable</a:t>
-            </a:r>
-          </a:p>
-        </p:txBody>
-      </p:sp>
+            <a:off x="7498347" y="3674251"/>
+            <a:ext cx="1534458" cy="1554862"/>
+            <a:chOff x="7156760" y="3293251"/>
+            <a:chExt cx="1534458" cy="1554862"/>
+          </a:xfrm>
+        </p:grpSpPr>
+        <p:sp>
+          <p:nvSpPr>
+            <p:cNvPr id="149" name="Rectangle 68"/>
+            <p:cNvSpPr/>
+            <p:nvPr/>
+          </p:nvSpPr>
+          <p:spPr>
+            <a:xfrm>
+              <a:off x="7158262" y="3293251"/>
+              <a:ext cx="1532841" cy="1554862"/>
+            </a:xfrm>
+            <a:prstGeom prst="rect">
+              <a:avLst/>
+            </a:prstGeom>
+            <a:noFill/>
+            <a:ln>
+              <a:solidFill>
+                <a:schemeClr val="tx1"/>
+              </a:solidFill>
+            </a:ln>
+          </p:spPr>
+          <p:style>
+            <a:lnRef idx="2">
+              <a:schemeClr val="accent1">
+                <a:shade val="50000"/>
+              </a:schemeClr>
+            </a:lnRef>
+            <a:fillRef idx="1">
+              <a:schemeClr val="accent1"/>
+            </a:fillRef>
+            <a:effectRef idx="0">
+              <a:schemeClr val="accent1"/>
+            </a:effectRef>
+            <a:fontRef idx="minor">
+              <a:schemeClr val="lt1"/>
+            </a:fontRef>
+          </p:style>
+          <p:txBody>
+            <a:bodyPr rtlCol="0" anchor="ctr"/>
+            <a:lstStyle/>
+            <a:p>
+              <a:pPr algn="ctr"/>
+              <a:endParaRPr lang="en-US" sz="1200"/>
+            </a:p>
+          </p:txBody>
+        </p:sp>
+        <p:sp>
+          <p:nvSpPr>
+            <p:cNvPr id="150" name="TextBox 69"/>
+            <p:cNvSpPr txBox="1"/>
+            <p:nvPr/>
+          </p:nvSpPr>
+          <p:spPr>
+            <a:xfrm>
+              <a:off x="7170166" y="3553048"/>
+              <a:ext cx="847861" cy="276999"/>
+            </a:xfrm>
+            <a:prstGeom prst="rect">
+              <a:avLst/>
+            </a:prstGeom>
+            <a:noFill/>
+          </p:spPr>
+          <p:txBody>
+            <a:bodyPr wrap="none" rtlCol="0">
+              <a:spAutoFit/>
+            </a:bodyPr>
+            <a:lstStyle/>
+            <a:p>
+              <a:r>
+                <a:rPr lang="en-US" sz="1200" dirty="0" err="1"/>
+                <a:t>RdAddress</a:t>
+              </a:r>
+              <a:endParaRPr lang="en-US" sz="1200" dirty="0"/>
+            </a:p>
+          </p:txBody>
+        </p:sp>
+        <p:sp>
+          <p:nvSpPr>
+            <p:cNvPr id="151" name="TextBox 70"/>
+            <p:cNvSpPr txBox="1"/>
+            <p:nvPr/>
+          </p:nvSpPr>
+          <p:spPr>
+            <a:xfrm>
+              <a:off x="7170166" y="4118262"/>
+              <a:ext cx="415990" cy="404529"/>
+            </a:xfrm>
+            <a:prstGeom prst="rect">
+              <a:avLst/>
+            </a:prstGeom>
+            <a:noFill/>
+          </p:spPr>
+          <p:txBody>
+            <a:bodyPr wrap="none" rtlCol="0">
+              <a:spAutoFit/>
+            </a:bodyPr>
+            <a:lstStyle/>
+            <a:p>
+              <a:r>
+                <a:rPr lang="en-US" sz="1200" dirty="0" err="1"/>
+                <a:t>Wrt</a:t>
+              </a:r>
+              <a:r>
+                <a:rPr lang="en-US" sz="1200" dirty="0"/>
+                <a:t> </a:t>
+              </a:r>
+            </a:p>
+            <a:p>
+              <a:r>
+                <a:rPr lang="en-US" sz="1200" dirty="0"/>
+                <a:t>Data</a:t>
+              </a:r>
+            </a:p>
+          </p:txBody>
+        </p:sp>
+        <p:sp>
+          <p:nvSpPr>
+            <p:cNvPr id="152" name="TextBox 71"/>
+            <p:cNvSpPr txBox="1"/>
+            <p:nvPr/>
+          </p:nvSpPr>
+          <p:spPr>
+            <a:xfrm>
+              <a:off x="7869709" y="4232439"/>
+              <a:ext cx="821509" cy="276999"/>
+            </a:xfrm>
+            <a:prstGeom prst="rect">
+              <a:avLst/>
+            </a:prstGeom>
+            <a:noFill/>
+          </p:spPr>
+          <p:txBody>
+            <a:bodyPr wrap="none" rtlCol="0">
+              <a:spAutoFit/>
+            </a:bodyPr>
+            <a:lstStyle/>
+            <a:p>
+              <a:r>
+                <a:rPr lang="en-US" sz="1200" dirty="0"/>
+                <a:t>Read Data</a:t>
+              </a:r>
+            </a:p>
+          </p:txBody>
+        </p:sp>
+        <p:sp>
+          <p:nvSpPr>
+            <p:cNvPr id="153" name="TextBox 73"/>
+            <p:cNvSpPr txBox="1"/>
+            <p:nvPr/>
+          </p:nvSpPr>
+          <p:spPr>
+            <a:xfrm>
+              <a:off x="7477496" y="4602761"/>
+              <a:ext cx="933845" cy="242718"/>
+            </a:xfrm>
+            <a:prstGeom prst="rect">
+              <a:avLst/>
+            </a:prstGeom>
+            <a:noFill/>
+          </p:spPr>
+          <p:txBody>
+            <a:bodyPr wrap="none" rtlCol="0">
+              <a:spAutoFit/>
+            </a:bodyPr>
+            <a:lstStyle/>
+            <a:p>
+              <a:r>
+                <a:rPr lang="en-US" sz="1200" b="1" dirty="0"/>
+                <a:t>Data Memory</a:t>
+              </a:r>
+            </a:p>
+          </p:txBody>
+        </p:sp>
+        <p:sp>
+          <p:nvSpPr>
+            <p:cNvPr id="154" name="TextBox 69"/>
+            <p:cNvSpPr txBox="1"/>
+            <p:nvPr/>
+          </p:nvSpPr>
+          <p:spPr>
+            <a:xfrm>
+              <a:off x="7156760" y="3873126"/>
+              <a:ext cx="920317" cy="276999"/>
+            </a:xfrm>
+            <a:prstGeom prst="rect">
+              <a:avLst/>
+            </a:prstGeom>
+            <a:noFill/>
+          </p:spPr>
+          <p:txBody>
+            <a:bodyPr wrap="none" rtlCol="0">
+              <a:spAutoFit/>
+            </a:bodyPr>
+            <a:lstStyle/>
+            <a:p>
+              <a:r>
+                <a:rPr lang="en-US" sz="1200" dirty="0" err="1"/>
+                <a:t>WrtAddress</a:t>
+              </a:r>
+              <a:endParaRPr lang="en-US" sz="1200" dirty="0"/>
+            </a:p>
+          </p:txBody>
+        </p:sp>
+      </p:grpSp>
       <p:cxnSp>
         <p:nvCxnSpPr>
-          <p:cNvPr id="20" name="连接符: 肘形 19"/>
-          <p:cNvCxnSpPr>
-            <a:endCxn id="82" idx="0"/>
-          </p:cNvCxnSpPr>
+          <p:cNvPr id="239" name="直接箭头连接符 238"/>
+          <p:cNvCxnSpPr/>
           <p:nvPr/>
         </p:nvCxnSpPr>
         <p:spPr>
           <a:xfrm>
-            <a:off x="4464221" y="2785791"/>
-            <a:ext cx="3460462" cy="888460"/>
-          </a:xfrm>
-          <a:prstGeom prst="bentConnector2">
+            <a:off x="7180882" y="4389120"/>
+            <a:ext cx="324000" cy="0"/>
+          </a:xfrm>
+          <a:prstGeom prst="straightConnector1">
             <a:avLst/>
           </a:prstGeom>
           <a:ln w="28575">
-            <a:tailEnd type="triangle"/>
-          </a:ln>
-        </p:spPr>
-        <p:style>
-          <a:lnRef idx="1">
-            <a:schemeClr val="accent1"/>
-          </a:lnRef>
-          <a:fillRef idx="0">
-            <a:schemeClr val="accent1"/>
-          </a:fillRef>
-          <a:effectRef idx="0">
-            <a:schemeClr val="accent1"/>
-          </a:effectRef>
-          <a:fontRef idx="minor">
-            <a:schemeClr val="tx1"/>
-          </a:fontRef>
-        </p:style>
-      </p:cxnSp>
-      <p:sp>
-        <p:nvSpPr>
-          <p:cNvPr id="128" name="TextBox 90"/>
-          <p:cNvSpPr txBox="1"/>
-          <p:nvPr/>
-        </p:nvSpPr>
-        <p:spPr>
-          <a:xfrm>
-            <a:off x="7898357" y="2793645"/>
-            <a:ext cx="715260" cy="276999"/>
-          </a:xfrm>
-          <a:prstGeom prst="rect">
-            <a:avLst/>
-          </a:prstGeom>
-          <a:noFill/>
-        </p:spPr>
-        <p:txBody>
-          <a:bodyPr wrap="none" rtlCol="0">
-            <a:spAutoFit/>
-          </a:bodyPr>
-          <a:lstStyle/>
-          <a:p>
-            <a:r>
-              <a:rPr lang="en-US" sz="1200" dirty="0">
-                <a:solidFill>
-                  <a:schemeClr val="accent2"/>
-                </a:solidFill>
-              </a:rPr>
-              <a:t>Rd Mem</a:t>
-            </a:r>
-          </a:p>
-        </p:txBody>
-      </p:sp>
-      <p:cxnSp>
-        <p:nvCxnSpPr>
-          <p:cNvPr id="226" name="连接符: 肘形 225"/>
-          <p:cNvCxnSpPr>
-            <a:stCxn id="120" idx="3"/>
-            <a:endCxn id="76" idx="1"/>
-          </p:cNvCxnSpPr>
-          <p:nvPr/>
-        </p:nvCxnSpPr>
-        <p:spPr>
-          <a:xfrm flipH="1">
-            <a:off x="4645002" y="4412451"/>
-            <a:ext cx="6658665" cy="511068"/>
-          </a:xfrm>
-          <a:prstGeom prst="bentConnector5">
-            <a:avLst>
-              <a:gd name="adj1" fmla="val -3433"/>
-              <a:gd name="adj2" fmla="val 324810"/>
-              <a:gd name="adj3" fmla="val 103433"/>
-            </a:avLst>
-          </a:prstGeom>
-          <a:ln w="28575">
+            <a:solidFill>
+              <a:schemeClr val="accent1">
+                <a:lumMod val="75000"/>
+              </a:schemeClr>
+            </a:solidFill>
             <a:tailEnd type="triangle"/>
           </a:ln>
         </p:spPr>
@@ -10365,413 +11064,17 @@
       </p:cxnSp>
       <p:cxnSp>
         <p:nvCxnSpPr>
-          <p:cNvPr id="229" name="连接符: 肘形 228"/>
-          <p:cNvCxnSpPr>
-            <a:endCxn id="216" idx="1"/>
-          </p:cNvCxnSpPr>
+          <p:cNvPr id="243" name="直接箭头连接符 242"/>
+          <p:cNvCxnSpPr/>
           <p:nvPr/>
         </p:nvCxnSpPr>
         <p:spPr>
           <a:xfrm>
-            <a:off x="7927280" y="2786647"/>
-            <a:ext cx="1696547" cy="947631"/>
-          </a:xfrm>
-          <a:prstGeom prst="bentConnector2">
+            <a:off x="6159156" y="4693716"/>
+            <a:ext cx="812396" cy="0"/>
+          </a:xfrm>
+          <a:prstGeom prst="straightConnector1">
             <a:avLst/>
-          </a:prstGeom>
-          <a:ln w="28575">
-            <a:tailEnd type="triangle"/>
-          </a:ln>
-        </p:spPr>
-        <p:style>
-          <a:lnRef idx="1">
-            <a:schemeClr val="accent1"/>
-          </a:lnRef>
-          <a:fillRef idx="0">
-            <a:schemeClr val="accent1"/>
-          </a:fillRef>
-          <a:effectRef idx="0">
-            <a:schemeClr val="accent1"/>
-          </a:effectRef>
-          <a:fontRef idx="minor">
-            <a:schemeClr val="tx1"/>
-          </a:fontRef>
-        </p:style>
-      </p:cxnSp>
-      <p:sp>
-        <p:nvSpPr>
-          <p:cNvPr id="129" name="文本框 128"/>
-          <p:cNvSpPr txBox="1"/>
-          <p:nvPr/>
-        </p:nvSpPr>
-        <p:spPr>
-          <a:xfrm>
-            <a:off x="5220185" y="652405"/>
-            <a:ext cx="3159642" cy="1569660"/>
-          </a:xfrm>
-          <a:prstGeom prst="rect">
-            <a:avLst/>
-          </a:prstGeom>
-        </p:spPr>
-        <p:style>
-          <a:lnRef idx="2">
-            <a:schemeClr val="accent2"/>
-          </a:lnRef>
-          <a:fillRef idx="1">
-            <a:schemeClr val="lt1"/>
-          </a:fillRef>
-          <a:effectRef idx="0">
-            <a:schemeClr val="accent2"/>
-          </a:effectRef>
-          <a:fontRef idx="minor">
-            <a:schemeClr val="dk1"/>
-          </a:fontRef>
-        </p:style>
-        <p:txBody>
-          <a:bodyPr wrap="square" numCol="2" spcCol="72000" rtlCol="0">
-            <a:spAutoFit/>
-          </a:bodyPr>
-          <a:lstStyle/>
-          <a:p>
-            <a:r>
-              <a:rPr lang="en-US" altLang="zh-CN" sz="1200" dirty="0">
-                <a:solidFill>
-                  <a:schemeClr val="accent2"/>
-                </a:solidFill>
-              </a:rPr>
-              <a:t>If Ins[7:6] == ‘00’</a:t>
-            </a:r>
-          </a:p>
-          <a:p>
-            <a:r>
-              <a:rPr lang="en-US" altLang="zh-CN" sz="1200" dirty="0">
-                <a:solidFill>
-                  <a:schemeClr val="accent2"/>
-                </a:solidFill>
-              </a:rPr>
-              <a:t>    </a:t>
-            </a:r>
-            <a:r>
-              <a:rPr lang="en-US" altLang="zh-CN" sz="1200" dirty="0" err="1">
-                <a:solidFill>
-                  <a:schemeClr val="accent2"/>
-                </a:solidFill>
-              </a:rPr>
-              <a:t>WrtEnable</a:t>
-            </a:r>
-            <a:r>
-              <a:rPr lang="en-US" altLang="zh-CN" sz="1200" dirty="0">
-                <a:solidFill>
-                  <a:schemeClr val="accent2"/>
-                </a:solidFill>
-              </a:rPr>
-              <a:t> = 1</a:t>
-            </a:r>
-          </a:p>
-          <a:p>
-            <a:r>
-              <a:rPr lang="en-US" altLang="zh-CN" sz="1200" dirty="0">
-                <a:solidFill>
-                  <a:schemeClr val="accent2"/>
-                </a:solidFill>
-              </a:rPr>
-              <a:t>    </a:t>
-            </a:r>
-            <a:r>
-              <a:rPr lang="en-US" altLang="zh-CN" sz="1200" dirty="0" err="1">
-                <a:solidFill>
-                  <a:schemeClr val="accent2"/>
-                </a:solidFill>
-              </a:rPr>
-              <a:t>RdMem</a:t>
-            </a:r>
-            <a:r>
-              <a:rPr lang="en-US" altLang="zh-CN" sz="1200" dirty="0">
-                <a:solidFill>
-                  <a:schemeClr val="accent2"/>
-                </a:solidFill>
-              </a:rPr>
-              <a:t> = 0</a:t>
-            </a:r>
-          </a:p>
-          <a:p>
-            <a:r>
-              <a:rPr lang="en-US" altLang="zh-CN" sz="1200" dirty="0">
-                <a:solidFill>
-                  <a:schemeClr val="accent2"/>
-                </a:solidFill>
-              </a:rPr>
-              <a:t>    </a:t>
-            </a:r>
-            <a:r>
-              <a:rPr lang="en-US" altLang="zh-CN" sz="1200" dirty="0" err="1">
-                <a:solidFill>
-                  <a:schemeClr val="accent2"/>
-                </a:solidFill>
-              </a:rPr>
-              <a:t>WrtMem</a:t>
-            </a:r>
-            <a:r>
-              <a:rPr lang="en-US" altLang="zh-CN" sz="1200" dirty="0">
-                <a:solidFill>
-                  <a:schemeClr val="accent2"/>
-                </a:solidFill>
-              </a:rPr>
-              <a:t> = 0</a:t>
-            </a:r>
-          </a:p>
-          <a:p>
-            <a:r>
-              <a:rPr lang="en-US" altLang="zh-CN" sz="1200" dirty="0">
-                <a:solidFill>
-                  <a:schemeClr val="accent2"/>
-                </a:solidFill>
-              </a:rPr>
-              <a:t>If Ins[7:6] == ‘01’</a:t>
-            </a:r>
-          </a:p>
-          <a:p>
-            <a:r>
-              <a:rPr lang="en-US" altLang="zh-CN" sz="1200" dirty="0">
-                <a:solidFill>
-                  <a:schemeClr val="accent2"/>
-                </a:solidFill>
-              </a:rPr>
-              <a:t>    </a:t>
-            </a:r>
-            <a:r>
-              <a:rPr lang="en-US" altLang="zh-CN" sz="1200" dirty="0" err="1">
-                <a:solidFill>
-                  <a:schemeClr val="accent2"/>
-                </a:solidFill>
-              </a:rPr>
-              <a:t>WrtEnable</a:t>
-            </a:r>
-            <a:r>
-              <a:rPr lang="en-US" altLang="zh-CN" sz="1200" dirty="0">
-                <a:solidFill>
-                  <a:schemeClr val="accent2"/>
-                </a:solidFill>
-              </a:rPr>
-              <a:t> = 1</a:t>
-            </a:r>
-          </a:p>
-          <a:p>
-            <a:r>
-              <a:rPr lang="en-US" altLang="zh-CN" sz="1200" dirty="0">
-                <a:solidFill>
-                  <a:schemeClr val="accent2"/>
-                </a:solidFill>
-              </a:rPr>
-              <a:t>    </a:t>
-            </a:r>
-            <a:r>
-              <a:rPr lang="en-US" altLang="zh-CN" sz="1200" dirty="0" err="1">
-                <a:solidFill>
-                  <a:schemeClr val="accent2"/>
-                </a:solidFill>
-              </a:rPr>
-              <a:t>RdMem</a:t>
-            </a:r>
-            <a:r>
-              <a:rPr lang="en-US" altLang="zh-CN" sz="1200" dirty="0">
-                <a:solidFill>
-                  <a:schemeClr val="accent2"/>
-                </a:solidFill>
-              </a:rPr>
-              <a:t> = 1</a:t>
-            </a:r>
-          </a:p>
-          <a:p>
-            <a:r>
-              <a:rPr lang="en-US" altLang="zh-CN" sz="1200" dirty="0">
-                <a:solidFill>
-                  <a:schemeClr val="accent2"/>
-                </a:solidFill>
-              </a:rPr>
-              <a:t>    </a:t>
-            </a:r>
-            <a:r>
-              <a:rPr lang="en-US" altLang="zh-CN" sz="1200" dirty="0" err="1">
-                <a:solidFill>
-                  <a:schemeClr val="accent2"/>
-                </a:solidFill>
-              </a:rPr>
-              <a:t>WrtMem</a:t>
-            </a:r>
-            <a:r>
-              <a:rPr lang="en-US" altLang="zh-CN" sz="1200" dirty="0">
-                <a:solidFill>
-                  <a:schemeClr val="accent2"/>
-                </a:solidFill>
-              </a:rPr>
-              <a:t> = 0</a:t>
-            </a:r>
-          </a:p>
-          <a:p>
-            <a:r>
-              <a:rPr lang="en-US" altLang="zh-CN" sz="1200" dirty="0">
-                <a:solidFill>
-                  <a:schemeClr val="accent2"/>
-                </a:solidFill>
-              </a:rPr>
-              <a:t>If Ins[7:6] == ‘01’</a:t>
-            </a:r>
-          </a:p>
-          <a:p>
-            <a:r>
-              <a:rPr lang="en-US" altLang="zh-CN" sz="1200" dirty="0">
-                <a:solidFill>
-                  <a:schemeClr val="accent2"/>
-                </a:solidFill>
-              </a:rPr>
-              <a:t>    </a:t>
-            </a:r>
-            <a:r>
-              <a:rPr lang="en-US" altLang="zh-CN" sz="1200" dirty="0" err="1">
-                <a:solidFill>
-                  <a:schemeClr val="accent2"/>
-                </a:solidFill>
-              </a:rPr>
-              <a:t>WrtEnable</a:t>
-            </a:r>
-            <a:r>
-              <a:rPr lang="en-US" altLang="zh-CN" sz="1200" dirty="0">
-                <a:solidFill>
-                  <a:schemeClr val="accent2"/>
-                </a:solidFill>
-              </a:rPr>
-              <a:t> = 0</a:t>
-            </a:r>
-          </a:p>
-          <a:p>
-            <a:r>
-              <a:rPr lang="en-US" altLang="zh-CN" sz="1200" dirty="0">
-                <a:solidFill>
-                  <a:schemeClr val="accent2"/>
-                </a:solidFill>
-              </a:rPr>
-              <a:t>    </a:t>
-            </a:r>
-            <a:r>
-              <a:rPr lang="en-US" altLang="zh-CN" sz="1200" dirty="0" err="1">
-                <a:solidFill>
-                  <a:schemeClr val="accent2"/>
-                </a:solidFill>
-              </a:rPr>
-              <a:t>RdMem</a:t>
-            </a:r>
-            <a:r>
-              <a:rPr lang="en-US" altLang="zh-CN" sz="1200" dirty="0">
-                <a:solidFill>
-                  <a:schemeClr val="accent2"/>
-                </a:solidFill>
-              </a:rPr>
-              <a:t> = 0</a:t>
-            </a:r>
-          </a:p>
-          <a:p>
-            <a:r>
-              <a:rPr lang="en-US" altLang="zh-CN" sz="1200" dirty="0">
-                <a:solidFill>
-                  <a:schemeClr val="accent2"/>
-                </a:solidFill>
-              </a:rPr>
-              <a:t>    </a:t>
-            </a:r>
-            <a:r>
-              <a:rPr lang="en-US" altLang="zh-CN" sz="1200" dirty="0" err="1">
-                <a:solidFill>
-                  <a:schemeClr val="accent2"/>
-                </a:solidFill>
-              </a:rPr>
-              <a:t>WrtMem</a:t>
-            </a:r>
-            <a:r>
-              <a:rPr lang="en-US" altLang="zh-CN" sz="1200" dirty="0">
-                <a:solidFill>
-                  <a:schemeClr val="accent2"/>
-                </a:solidFill>
-              </a:rPr>
-              <a:t> = 1</a:t>
-            </a:r>
-          </a:p>
-          <a:p>
-            <a:endParaRPr lang="en-US" altLang="zh-CN" sz="1200" dirty="0">
-              <a:solidFill>
-                <a:schemeClr val="accent2"/>
-              </a:solidFill>
-            </a:endParaRPr>
-          </a:p>
-        </p:txBody>
-      </p:sp>
-      <p:sp>
-        <p:nvSpPr>
-          <p:cNvPr id="130" name="梯形 129"/>
-          <p:cNvSpPr/>
-          <p:nvPr/>
-        </p:nvSpPr>
-        <p:spPr>
-          <a:xfrm rot="5400000">
-            <a:off x="1339416" y="2599923"/>
-            <a:ext cx="694113" cy="345158"/>
-          </a:xfrm>
-          <a:prstGeom prst="trapezoid">
-            <a:avLst/>
-          </a:prstGeom>
-          <a:noFill/>
-          <a:ln w="9525" cap="flat" cmpd="sng" algn="ctr">
-            <a:solidFill>
-              <a:schemeClr val="dk1"/>
-            </a:solidFill>
-            <a:prstDash val="solid"/>
-            <a:round/>
-            <a:headEnd type="none" w="med" len="med"/>
-            <a:tailEnd type="none" w="med" len="med"/>
-          </a:ln>
-        </p:spPr>
-        <p:style>
-          <a:lnRef idx="0">
-            <a:scrgbClr r="0" g="0" b="0"/>
-          </a:lnRef>
-          <a:fillRef idx="0">
-            <a:scrgbClr r="0" g="0" b="0"/>
-          </a:fillRef>
-          <a:effectRef idx="0">
-            <a:scrgbClr r="0" g="0" b="0"/>
-          </a:effectRef>
-          <a:fontRef idx="minor">
-            <a:schemeClr val="dk1"/>
-          </a:fontRef>
-        </p:style>
-        <p:txBody>
-          <a:bodyPr lIns="0" rIns="0" rtlCol="0" anchor="ctr" anchorCtr="1"/>
-          <a:lstStyle/>
-          <a:p>
-            <a:pPr algn="ctr"/>
-            <a:r>
-              <a:rPr lang="en-US" altLang="zh-CN" sz="1200" dirty="0"/>
-              <a:t>Adder</a:t>
-            </a:r>
-            <a:endParaRPr lang="zh-CN" altLang="en-US" sz="1200" dirty="0"/>
-          </a:p>
-        </p:txBody>
-      </p:sp>
-      <p:cxnSp>
-        <p:nvCxnSpPr>
-          <p:cNvPr id="131" name="连接符: 肘形 130"/>
-          <p:cNvCxnSpPr/>
-          <p:nvPr/>
-        </p:nvCxnSpPr>
-        <p:spPr>
-          <a:xfrm flipV="1">
-            <a:off x="1076303" y="2968343"/>
-            <a:ext cx="432000" cy="1044000"/>
-          </a:xfrm>
-          <a:prstGeom prst="bentConnector3">
-            <a:avLst>
-              <a:gd name="adj1" fmla="val 38363"/>
-            </a:avLst>
           </a:prstGeom>
           <a:ln w="28575">
             <a:tailEnd type="triangle"/>
@@ -10794,19 +11097,24 @@
       </p:cxnSp>
       <p:cxnSp>
         <p:nvCxnSpPr>
-          <p:cNvPr id="133" name="直接箭头连接符 132"/>
+          <p:cNvPr id="245" name="直接箭头连接符 244"/>
           <p:cNvCxnSpPr/>
           <p:nvPr/>
         </p:nvCxnSpPr>
         <p:spPr>
           <a:xfrm>
-            <a:off x="1231679" y="2616675"/>
-            <a:ext cx="276624" cy="0"/>
+            <a:off x="7176404" y="4697583"/>
+            <a:ext cx="324000" cy="0"/>
           </a:xfrm>
           <a:prstGeom prst="straightConnector1">
             <a:avLst/>
           </a:prstGeom>
           <a:ln w="28575">
+            <a:solidFill>
+              <a:schemeClr val="accent1">
+                <a:lumMod val="75000"/>
+              </a:schemeClr>
+            </a:solidFill>
             <a:tailEnd type="triangle"/>
           </a:ln>
         </p:spPr>
@@ -10825,127 +11133,140 @@
           </a:fontRef>
         </p:style>
       </p:cxnSp>
-      <p:sp>
-        <p:nvSpPr>
-          <p:cNvPr id="135" name="文本框 134"/>
-          <p:cNvSpPr txBox="1"/>
-          <p:nvPr/>
-        </p:nvSpPr>
-        <p:spPr>
+      <p:grpSp>
+        <p:nvGrpSpPr>
+          <p:cNvPr id="155" name="组合 154"/>
+          <p:cNvGrpSpPr/>
+          <p:nvPr/>
+        </p:nvGrpSpPr>
+        <p:grpSpPr>
           <a:xfrm>
-            <a:off x="953698" y="2470860"/>
-            <a:ext cx="348899" cy="276999"/>
-          </a:xfrm>
-          <a:prstGeom prst="rect">
-            <a:avLst/>
-          </a:prstGeom>
-          <a:noFill/>
-        </p:spPr>
-        <p:txBody>
-          <a:bodyPr wrap="square" rtlCol="0">
-            <a:spAutoFit/>
-          </a:bodyPr>
-          <a:lstStyle/>
-          <a:p>
-            <a:r>
-              <a:rPr lang="en-US" altLang="zh-CN" sz="1200" dirty="0"/>
-              <a:t>+1</a:t>
-            </a:r>
-            <a:endParaRPr lang="zh-CN" altLang="en-US" sz="1200" dirty="0"/>
-          </a:p>
-        </p:txBody>
-      </p:sp>
+            <a:off x="6971552" y="4175009"/>
+            <a:ext cx="211958" cy="838148"/>
+            <a:chOff x="1350100" y="1479665"/>
+            <a:chExt cx="553999" cy="4018202"/>
+          </a:xfrm>
+        </p:grpSpPr>
+        <p:sp>
+          <p:nvSpPr>
+            <p:cNvPr id="156" name="Rectangle 3"/>
+            <p:cNvSpPr/>
+            <p:nvPr/>
+          </p:nvSpPr>
+          <p:spPr>
+            <a:xfrm>
+              <a:off x="1350100" y="1479665"/>
+              <a:ext cx="553999" cy="4018202"/>
+            </a:xfrm>
+            <a:prstGeom prst="rect">
+              <a:avLst/>
+            </a:prstGeom>
+            <a:noFill/>
+            <a:ln>
+              <a:solidFill>
+                <a:schemeClr val="tx1"/>
+              </a:solidFill>
+            </a:ln>
+          </p:spPr>
+          <p:style>
+            <a:lnRef idx="2">
+              <a:schemeClr val="accent1">
+                <a:shade val="50000"/>
+              </a:schemeClr>
+            </a:lnRef>
+            <a:fillRef idx="1">
+              <a:schemeClr val="accent1"/>
+            </a:fillRef>
+            <a:effectRef idx="0">
+              <a:schemeClr val="accent1"/>
+            </a:effectRef>
+            <a:fontRef idx="minor">
+              <a:schemeClr val="lt1"/>
+            </a:fontRef>
+          </p:style>
+          <p:txBody>
+            <a:bodyPr vert="vert270" rtlCol="0" anchor="ctr" anchorCtr="0"/>
+            <a:lstStyle/>
+            <a:p>
+              <a:pPr algn="ctr"/>
+              <a:r>
+                <a:rPr lang="en-US" altLang="zh-CN" sz="1050" b="1" dirty="0">
+                  <a:solidFill>
+                    <a:schemeClr val="tx1"/>
+                  </a:solidFill>
+                </a:rPr>
+                <a:t>FLIP-FLOP</a:t>
+              </a:r>
+              <a:endParaRPr lang="en-US" altLang="zh-CN" sz="1200" b="1" dirty="0">
+                <a:solidFill>
+                  <a:schemeClr val="tx1"/>
+                </a:solidFill>
+              </a:endParaRPr>
+            </a:p>
+          </p:txBody>
+        </p:sp>
+        <p:sp>
+          <p:nvSpPr>
+            <p:cNvPr id="157" name="Isosceles Triangle 5"/>
+            <p:cNvSpPr/>
+            <p:nvPr/>
+          </p:nvSpPr>
+          <p:spPr>
+            <a:xfrm>
+              <a:off x="1571204" y="5280509"/>
+              <a:ext cx="155391" cy="217358"/>
+            </a:xfrm>
+            <a:prstGeom prst="triangle">
+              <a:avLst/>
+            </a:prstGeom>
+            <a:noFill/>
+            <a:ln>
+              <a:solidFill>
+                <a:schemeClr val="tx1"/>
+              </a:solidFill>
+            </a:ln>
+          </p:spPr>
+          <p:style>
+            <a:lnRef idx="2">
+              <a:schemeClr val="accent1">
+                <a:shade val="50000"/>
+              </a:schemeClr>
+            </a:lnRef>
+            <a:fillRef idx="1">
+              <a:schemeClr val="accent1"/>
+            </a:fillRef>
+            <a:effectRef idx="0">
+              <a:schemeClr val="accent1"/>
+            </a:effectRef>
+            <a:fontRef idx="minor">
+              <a:schemeClr val="lt1"/>
+            </a:fontRef>
+          </p:style>
+          <p:txBody>
+            <a:bodyPr rtlCol="0" anchor="ctr"/>
+            <a:lstStyle/>
+            <a:p>
+              <a:pPr algn="ctr"/>
+              <a:endParaRPr lang="en-US" sz="1200"/>
+            </a:p>
+          </p:txBody>
+        </p:sp>
+      </p:grpSp>
       <p:cxnSp>
         <p:nvCxnSpPr>
-          <p:cNvPr id="136" name="连接符: 肘形 135"/>
+          <p:cNvPr id="255" name="连接符: 肘形 254"/>
           <p:cNvCxnSpPr/>
           <p:nvPr/>
         </p:nvCxnSpPr>
         <p:spPr>
-          <a:xfrm flipH="1">
-            <a:off x="754202" y="2745599"/>
-            <a:ext cx="1096790" cy="1260000"/>
-          </a:xfrm>
-          <a:prstGeom prst="bentConnector5">
+          <a:xfrm>
+            <a:off x="6311556" y="4072129"/>
+            <a:ext cx="667616" cy="318754"/>
+          </a:xfrm>
+          <a:prstGeom prst="bentConnector3">
             <a:avLst>
-              <a:gd name="adj1" fmla="val -26054"/>
-              <a:gd name="adj2" fmla="val -56541"/>
-              <a:gd name="adj3" fmla="val 129776"/>
+              <a:gd name="adj1" fmla="val 61794"/>
             </a:avLst>
-          </a:prstGeom>
-          <a:ln w="28575">
-            <a:tailEnd type="triangle"/>
-          </a:ln>
-        </p:spPr>
-        <p:style>
-          <a:lnRef idx="1">
-            <a:schemeClr val="accent1"/>
-          </a:lnRef>
-          <a:fillRef idx="0">
-            <a:schemeClr val="accent1"/>
-          </a:fillRef>
-          <a:effectRef idx="0">
-            <a:schemeClr val="accent1"/>
-          </a:effectRef>
-          <a:fontRef idx="minor">
-            <a:schemeClr val="tx1"/>
-          </a:fontRef>
-        </p:style>
-      </p:cxnSp>
-      <p:sp>
-        <p:nvSpPr>
-          <p:cNvPr id="234" name="文本框 233"/>
-          <p:cNvSpPr txBox="1"/>
-          <p:nvPr/>
-        </p:nvSpPr>
-        <p:spPr>
-          <a:xfrm>
-            <a:off x="9934137" y="5121305"/>
-            <a:ext cx="813043" cy="276999"/>
-          </a:xfrm>
-          <a:prstGeom prst="rect">
-            <a:avLst/>
-          </a:prstGeom>
-          <a:noFill/>
-        </p:spPr>
-        <p:txBody>
-          <a:bodyPr wrap="none" rtlCol="0">
-            <a:spAutoFit/>
-          </a:bodyPr>
-          <a:lstStyle/>
-          <a:p>
-            <a:r>
-              <a:rPr lang="en-US" altLang="zh-CN" sz="1200" dirty="0">
-                <a:solidFill>
-                  <a:schemeClr val="accent2"/>
-                </a:solidFill>
-              </a:rPr>
-              <a:t>op1 – op2</a:t>
-            </a:r>
-            <a:endParaRPr lang="zh-CN" altLang="en-US" sz="1200" dirty="0">
-              <a:solidFill>
-                <a:schemeClr val="accent2"/>
-              </a:solidFill>
-            </a:endParaRPr>
-          </a:p>
-        </p:txBody>
-      </p:sp>
-      <p:cxnSp>
-        <p:nvCxnSpPr>
-          <p:cNvPr id="3" name="直接箭头连接符 2"/>
-          <p:cNvCxnSpPr>
-            <a:stCxn id="80" idx="3"/>
-            <a:endCxn id="84" idx="1"/>
-          </p:cNvCxnSpPr>
-          <p:nvPr/>
-        </p:nvCxnSpPr>
-        <p:spPr>
-          <a:xfrm>
-            <a:off x="6164646" y="4698220"/>
-            <a:ext cx="1005520" cy="3307"/>
-          </a:xfrm>
-          <a:prstGeom prst="straightConnector1">
-            <a:avLst/>
           </a:prstGeom>
           <a:ln w="28575">
             <a:tailEnd type="triangle"/>
@@ -10970,101 +11291,28 @@
         <p:nvCxnSpPr>
           <p:cNvPr id="6" name="连接符: 肘形 5"/>
           <p:cNvCxnSpPr>
-            <a:endCxn id="86" idx="2"/>
+            <a:endCxn id="153" idx="2"/>
           </p:cNvCxnSpPr>
           <p:nvPr/>
         </p:nvCxnSpPr>
         <p:spPr>
-          <a:xfrm rot="16200000" flipH="1">
-            <a:off x="6069794" y="3351854"/>
-            <a:ext cx="2288712" cy="1460537"/>
-          </a:xfrm>
-          <a:prstGeom prst="bentConnector3">
-            <a:avLst>
-              <a:gd name="adj1" fmla="val 124970"/>
-            </a:avLst>
-          </a:prstGeom>
-          <a:ln w="28575">
-            <a:tailEnd type="triangle"/>
-          </a:ln>
-        </p:spPr>
-        <p:style>
-          <a:lnRef idx="1">
-            <a:schemeClr val="accent1"/>
-          </a:lnRef>
-          <a:fillRef idx="0">
-            <a:schemeClr val="accent1"/>
-          </a:fillRef>
-          <a:effectRef idx="0">
-            <a:schemeClr val="accent1"/>
-          </a:effectRef>
-          <a:fontRef idx="minor">
-            <a:schemeClr val="tx1"/>
-          </a:fontRef>
-        </p:style>
-      </p:cxnSp>
-      <p:sp>
-        <p:nvSpPr>
-          <p:cNvPr id="108" name="TextBox 90"/>
-          <p:cNvSpPr txBox="1"/>
-          <p:nvPr/>
-        </p:nvSpPr>
-        <p:spPr>
           <a:xfrm>
-            <a:off x="7192298" y="5548146"/>
-            <a:ext cx="787716" cy="276999"/>
-          </a:xfrm>
-          <a:prstGeom prst="rect">
-            <a:avLst/>
-          </a:prstGeom>
-          <a:noFill/>
-        </p:spPr>
-        <p:txBody>
-          <a:bodyPr wrap="none" rtlCol="0">
-            <a:spAutoFit/>
-          </a:bodyPr>
-          <a:lstStyle/>
-          <a:p>
-            <a:r>
-              <a:rPr lang="en-US" sz="1200" dirty="0" err="1">
-                <a:solidFill>
-                  <a:schemeClr val="accent2"/>
-                </a:solidFill>
-              </a:rPr>
-              <a:t>Wrt</a:t>
-            </a:r>
-            <a:r>
-              <a:rPr lang="en-US" sz="1200" dirty="0">
-                <a:solidFill>
-                  <a:schemeClr val="accent2"/>
-                </a:solidFill>
-              </a:rPr>
-              <a:t> Mem</a:t>
-            </a:r>
-          </a:p>
-        </p:txBody>
-      </p:sp>
-      <p:cxnSp>
-        <p:nvCxnSpPr>
-          <p:cNvPr id="17" name="连接符: 肘形 16"/>
-          <p:cNvCxnSpPr>
-            <a:stCxn id="92" idx="7"/>
-          </p:cNvCxnSpPr>
-          <p:nvPr/>
-        </p:nvCxnSpPr>
-        <p:spPr>
-          <a:xfrm rot="16200000" flipH="1">
-            <a:off x="5130692" y="1853969"/>
-            <a:ext cx="592252" cy="2114124"/>
+            <a:off x="6447943" y="3739633"/>
+            <a:ext cx="1838063" cy="1486846"/>
           </a:xfrm>
           <a:prstGeom prst="bentConnector4">
             <a:avLst>
-              <a:gd name="adj1" fmla="val -1608"/>
-              <a:gd name="adj2" fmla="val 100055"/>
+              <a:gd name="adj1" fmla="val 403"/>
+              <a:gd name="adj2" fmla="val 140487"/>
             </a:avLst>
           </a:prstGeom>
           <a:ln w="28575">
-            <a:tailEnd type="none"/>
+            <a:solidFill>
+              <a:schemeClr val="accent1">
+                <a:lumMod val="75000"/>
+              </a:schemeClr>
+            </a:solidFill>
+            <a:tailEnd type="triangle"/>
           </a:ln>
         </p:spPr>
         <p:style>
@@ -11374,488 +11622,6 @@
           </p:txBody>
         </p:sp>
       </p:grpSp>
-      <p:grpSp>
-        <p:nvGrpSpPr>
-          <p:cNvPr id="100" name="组合 99"/>
-          <p:cNvGrpSpPr/>
-          <p:nvPr/>
-        </p:nvGrpSpPr>
-        <p:grpSpPr>
-          <a:xfrm>
-            <a:off x="7158262" y="3674251"/>
-            <a:ext cx="1532956" cy="1554862"/>
-            <a:chOff x="7839161" y="160467"/>
-            <a:chExt cx="2150238" cy="2180967"/>
-          </a:xfrm>
-        </p:grpSpPr>
-        <p:sp>
-          <p:nvSpPr>
-            <p:cNvPr id="82" name="Rectangle 68"/>
-            <p:cNvSpPr/>
-            <p:nvPr/>
-          </p:nvSpPr>
-          <p:spPr>
-            <a:xfrm>
-              <a:off x="7839161" y="160467"/>
-              <a:ext cx="2150076" cy="2180967"/>
-            </a:xfrm>
-            <a:prstGeom prst="rect">
-              <a:avLst/>
-            </a:prstGeom>
-            <a:noFill/>
-            <a:ln>
-              <a:solidFill>
-                <a:schemeClr val="tx1"/>
-              </a:solidFill>
-            </a:ln>
-          </p:spPr>
-          <p:style>
-            <a:lnRef idx="2">
-              <a:schemeClr val="accent1">
-                <a:shade val="50000"/>
-              </a:schemeClr>
-            </a:lnRef>
-            <a:fillRef idx="1">
-              <a:schemeClr val="accent1"/>
-            </a:fillRef>
-            <a:effectRef idx="0">
-              <a:schemeClr val="accent1"/>
-            </a:effectRef>
-            <a:fontRef idx="minor">
-              <a:schemeClr val="lt1"/>
-            </a:fontRef>
-          </p:style>
-          <p:txBody>
-            <a:bodyPr rtlCol="0" anchor="ctr"/>
-            <a:lstStyle/>
-            <a:p>
-              <a:pPr algn="ctr"/>
-              <a:endParaRPr lang="en-US" sz="1200"/>
-            </a:p>
-          </p:txBody>
-        </p:sp>
-        <p:sp>
-          <p:nvSpPr>
-            <p:cNvPr id="83" name="TextBox 69"/>
-            <p:cNvSpPr txBox="1"/>
-            <p:nvPr/>
-          </p:nvSpPr>
-          <p:spPr>
-            <a:xfrm>
-              <a:off x="7840822" y="546395"/>
-              <a:ext cx="841128" cy="340455"/>
-            </a:xfrm>
-            <a:prstGeom prst="rect">
-              <a:avLst/>
-            </a:prstGeom>
-            <a:noFill/>
-          </p:spPr>
-          <p:txBody>
-            <a:bodyPr wrap="none" rtlCol="0">
-              <a:spAutoFit/>
-            </a:bodyPr>
-            <a:lstStyle/>
-            <a:p>
-              <a:r>
-                <a:rPr lang="en-US" sz="1200" dirty="0"/>
-                <a:t>Address</a:t>
-              </a:r>
-            </a:p>
-          </p:txBody>
-        </p:sp>
-        <p:sp>
-          <p:nvSpPr>
-            <p:cNvPr id="84" name="TextBox 70"/>
-            <p:cNvSpPr txBox="1"/>
-            <p:nvPr/>
-          </p:nvSpPr>
-          <p:spPr>
-            <a:xfrm>
-              <a:off x="7855858" y="1317690"/>
-              <a:ext cx="583499" cy="567423"/>
-            </a:xfrm>
-            <a:prstGeom prst="rect">
-              <a:avLst/>
-            </a:prstGeom>
-            <a:noFill/>
-          </p:spPr>
-          <p:txBody>
-            <a:bodyPr wrap="none" rtlCol="0">
-              <a:spAutoFit/>
-            </a:bodyPr>
-            <a:lstStyle/>
-            <a:p>
-              <a:r>
-                <a:rPr lang="en-US" sz="1200" dirty="0" err="1"/>
-                <a:t>Wrt</a:t>
-              </a:r>
-              <a:r>
-                <a:rPr lang="en-US" sz="1200" dirty="0"/>
-                <a:t> </a:t>
-              </a:r>
-            </a:p>
-            <a:p>
-              <a:r>
-                <a:rPr lang="en-US" sz="1200" dirty="0"/>
-                <a:t>Data</a:t>
-              </a:r>
-            </a:p>
-          </p:txBody>
-        </p:sp>
-        <p:sp>
-          <p:nvSpPr>
-            <p:cNvPr id="85" name="TextBox 71"/>
-            <p:cNvSpPr txBox="1"/>
-            <p:nvPr/>
-          </p:nvSpPr>
-          <p:spPr>
-            <a:xfrm>
-              <a:off x="8837090" y="1477843"/>
-              <a:ext cx="1152309" cy="388540"/>
-            </a:xfrm>
-            <a:prstGeom prst="rect">
-              <a:avLst/>
-            </a:prstGeom>
-            <a:noFill/>
-          </p:spPr>
-          <p:txBody>
-            <a:bodyPr wrap="none" rtlCol="0">
-              <a:spAutoFit/>
-            </a:bodyPr>
-            <a:lstStyle/>
-            <a:p>
-              <a:r>
-                <a:rPr lang="en-US" sz="1200" dirty="0"/>
-                <a:t>Read Data</a:t>
-              </a:r>
-            </a:p>
-          </p:txBody>
-        </p:sp>
-        <p:sp>
-          <p:nvSpPr>
-            <p:cNvPr id="86" name="TextBox 73"/>
-            <p:cNvSpPr txBox="1"/>
-            <p:nvPr/>
-          </p:nvSpPr>
-          <p:spPr>
-            <a:xfrm>
-              <a:off x="8286943" y="1997285"/>
-              <a:ext cx="1309880" cy="340454"/>
-            </a:xfrm>
-            <a:prstGeom prst="rect">
-              <a:avLst/>
-            </a:prstGeom>
-            <a:noFill/>
-          </p:spPr>
-          <p:txBody>
-            <a:bodyPr wrap="none" rtlCol="0">
-              <a:spAutoFit/>
-            </a:bodyPr>
-            <a:lstStyle/>
-            <a:p>
-              <a:r>
-                <a:rPr lang="en-US" sz="1200" b="1" dirty="0"/>
-                <a:t>Data Memory</a:t>
-              </a:r>
-            </a:p>
-          </p:txBody>
-        </p:sp>
-      </p:grpSp>
-      <p:grpSp>
-        <p:nvGrpSpPr>
-          <p:cNvPr id="115" name="组合 114"/>
-          <p:cNvGrpSpPr/>
-          <p:nvPr/>
-        </p:nvGrpSpPr>
-        <p:grpSpPr>
-          <a:xfrm>
-            <a:off x="9925913" y="3691855"/>
-            <a:ext cx="846844" cy="1425690"/>
-            <a:chOff x="10486562" y="481071"/>
-            <a:chExt cx="1152294" cy="1939922"/>
-          </a:xfrm>
-        </p:grpSpPr>
-        <p:sp>
-          <p:nvSpPr>
-            <p:cNvPr id="101" name="Trapezoid 92"/>
-            <p:cNvSpPr/>
-            <p:nvPr/>
-          </p:nvSpPr>
-          <p:spPr>
-            <a:xfrm rot="5400000">
-              <a:off x="10096660" y="878803"/>
-              <a:ext cx="1939922" cy="1144458"/>
-            </a:xfrm>
-            <a:prstGeom prst="trapezoid">
-              <a:avLst/>
-            </a:prstGeom>
-            <a:noFill/>
-            <a:ln>
-              <a:solidFill>
-                <a:schemeClr val="tx1"/>
-              </a:solidFill>
-            </a:ln>
-          </p:spPr>
-          <p:style>
-            <a:lnRef idx="2">
-              <a:schemeClr val="accent1">
-                <a:shade val="50000"/>
-              </a:schemeClr>
-            </a:lnRef>
-            <a:fillRef idx="1">
-              <a:schemeClr val="accent1"/>
-            </a:fillRef>
-            <a:effectRef idx="0">
-              <a:schemeClr val="accent1"/>
-            </a:effectRef>
-            <a:fontRef idx="minor">
-              <a:schemeClr val="lt1"/>
-            </a:fontRef>
-          </p:style>
-          <p:txBody>
-            <a:bodyPr rtlCol="0" anchor="ctr"/>
-            <a:lstStyle/>
-            <a:p>
-              <a:pPr algn="ctr"/>
-              <a:endParaRPr lang="en-US" sz="1200"/>
-            </a:p>
-          </p:txBody>
-        </p:sp>
-        <p:sp>
-          <p:nvSpPr>
-            <p:cNvPr id="102" name="TextBox 93"/>
-            <p:cNvSpPr txBox="1"/>
-            <p:nvPr/>
-          </p:nvSpPr>
-          <p:spPr>
-            <a:xfrm>
-              <a:off x="10523636" y="1227099"/>
-              <a:ext cx="475836" cy="276998"/>
-            </a:xfrm>
-            <a:prstGeom prst="rect">
-              <a:avLst/>
-            </a:prstGeom>
-            <a:noFill/>
-          </p:spPr>
-          <p:txBody>
-            <a:bodyPr wrap="none" rtlCol="0">
-              <a:spAutoFit/>
-            </a:bodyPr>
-            <a:lstStyle/>
-            <a:p>
-              <a:r>
-                <a:rPr lang="en-US" sz="1200" dirty="0"/>
-                <a:t> </a:t>
-              </a:r>
-              <a:r>
-                <a:rPr lang="en-US" sz="1200" b="1" dirty="0"/>
-                <a:t>ALU</a:t>
-              </a:r>
-            </a:p>
-          </p:txBody>
-        </p:sp>
-        <p:sp>
-          <p:nvSpPr>
-            <p:cNvPr id="109" name="TextBox 101"/>
-            <p:cNvSpPr txBox="1"/>
-            <p:nvPr/>
-          </p:nvSpPr>
-          <p:spPr>
-            <a:xfrm>
-              <a:off x="10486562" y="639443"/>
-              <a:ext cx="710310" cy="376910"/>
-            </a:xfrm>
-            <a:prstGeom prst="rect">
-              <a:avLst/>
-            </a:prstGeom>
-            <a:noFill/>
-          </p:spPr>
-          <p:txBody>
-            <a:bodyPr wrap="square" rtlCol="0">
-              <a:spAutoFit/>
-            </a:bodyPr>
-            <a:lstStyle/>
-            <a:p>
-              <a:r>
-                <a:rPr lang="en-US" sz="1200" dirty="0"/>
-                <a:t>Op1</a:t>
-              </a:r>
-            </a:p>
-          </p:txBody>
-        </p:sp>
-        <p:sp>
-          <p:nvSpPr>
-            <p:cNvPr id="110" name="TextBox 102"/>
-            <p:cNvSpPr txBox="1"/>
-            <p:nvPr/>
-          </p:nvSpPr>
-          <p:spPr>
-            <a:xfrm>
-              <a:off x="10489923" y="1913763"/>
-              <a:ext cx="706951" cy="376910"/>
-            </a:xfrm>
-            <a:prstGeom prst="rect">
-              <a:avLst/>
-            </a:prstGeom>
-            <a:noFill/>
-          </p:spPr>
-          <p:txBody>
-            <a:bodyPr wrap="square" rtlCol="0">
-              <a:spAutoFit/>
-            </a:bodyPr>
-            <a:lstStyle/>
-            <a:p>
-              <a:r>
-                <a:rPr lang="en-US" sz="1200" dirty="0"/>
-                <a:t>Op2</a:t>
-              </a:r>
-            </a:p>
-          </p:txBody>
-        </p:sp>
-        <p:sp>
-          <p:nvSpPr>
-            <p:cNvPr id="114" name="TextBox 106"/>
-            <p:cNvSpPr txBox="1"/>
-            <p:nvPr/>
-          </p:nvSpPr>
-          <p:spPr>
-            <a:xfrm>
-              <a:off x="11042680" y="1212962"/>
-              <a:ext cx="596176" cy="376910"/>
-            </a:xfrm>
-            <a:prstGeom prst="rect">
-              <a:avLst/>
-            </a:prstGeom>
-            <a:noFill/>
-          </p:spPr>
-          <p:txBody>
-            <a:bodyPr wrap="square" rtlCol="0">
-              <a:spAutoFit/>
-            </a:bodyPr>
-            <a:lstStyle/>
-            <a:p>
-              <a:r>
-                <a:rPr lang="en-US" sz="1200" dirty="0"/>
-                <a:t>Res</a:t>
-              </a:r>
-            </a:p>
-          </p:txBody>
-        </p:sp>
-      </p:grpSp>
-      <p:grpSp>
-        <p:nvGrpSpPr>
-          <p:cNvPr id="119" name="组合 118"/>
-          <p:cNvGrpSpPr/>
-          <p:nvPr/>
-        </p:nvGrpSpPr>
-        <p:grpSpPr>
-          <a:xfrm>
-            <a:off x="11001696" y="2981049"/>
-            <a:ext cx="301971" cy="2862803"/>
-            <a:chOff x="1350100" y="1479665"/>
-            <a:chExt cx="553999" cy="4018202"/>
-          </a:xfrm>
-        </p:grpSpPr>
-        <p:sp>
-          <p:nvSpPr>
-            <p:cNvPr id="120" name="Rectangle 3"/>
-            <p:cNvSpPr/>
-            <p:nvPr/>
-          </p:nvSpPr>
-          <p:spPr>
-            <a:xfrm>
-              <a:off x="1350100" y="1479665"/>
-              <a:ext cx="553999" cy="4018202"/>
-            </a:xfrm>
-            <a:prstGeom prst="rect">
-              <a:avLst/>
-            </a:prstGeom>
-            <a:noFill/>
-            <a:ln>
-              <a:solidFill>
-                <a:schemeClr val="tx1"/>
-              </a:solidFill>
-            </a:ln>
-          </p:spPr>
-          <p:style>
-            <a:lnRef idx="2">
-              <a:schemeClr val="accent1">
-                <a:shade val="50000"/>
-              </a:schemeClr>
-            </a:lnRef>
-            <a:fillRef idx="1">
-              <a:schemeClr val="accent1"/>
-            </a:fillRef>
-            <a:effectRef idx="0">
-              <a:schemeClr val="accent1"/>
-            </a:effectRef>
-            <a:fontRef idx="minor">
-              <a:schemeClr val="lt1"/>
-            </a:fontRef>
-          </p:style>
-          <p:txBody>
-            <a:bodyPr vert="vert270" rtlCol="0" anchor="ctr" anchorCtr="0"/>
-            <a:lstStyle/>
-            <a:p>
-              <a:pPr algn="ctr"/>
-              <a:r>
-                <a:rPr lang="en-US" altLang="zh-CN" sz="1200" b="1" dirty="0">
-                  <a:solidFill>
-                    <a:schemeClr val="tx1"/>
-                  </a:solidFill>
-                </a:rPr>
-                <a:t>FLIP-FLOP</a:t>
-              </a:r>
-            </a:p>
-          </p:txBody>
-        </p:sp>
-        <p:sp>
-          <p:nvSpPr>
-            <p:cNvPr id="121" name="Isosceles Triangle 5"/>
-            <p:cNvSpPr/>
-            <p:nvPr/>
-          </p:nvSpPr>
-          <p:spPr>
-            <a:xfrm>
-              <a:off x="1571204" y="5280509"/>
-              <a:ext cx="155391" cy="217358"/>
-            </a:xfrm>
-            <a:prstGeom prst="triangle">
-              <a:avLst/>
-            </a:prstGeom>
-            <a:noFill/>
-            <a:ln>
-              <a:solidFill>
-                <a:schemeClr val="tx1"/>
-              </a:solidFill>
-            </a:ln>
-          </p:spPr>
-          <p:style>
-            <a:lnRef idx="2">
-              <a:schemeClr val="accent1">
-                <a:shade val="50000"/>
-              </a:schemeClr>
-            </a:lnRef>
-            <a:fillRef idx="1">
-              <a:schemeClr val="accent1"/>
-            </a:fillRef>
-            <a:effectRef idx="0">
-              <a:schemeClr val="accent1"/>
-            </a:effectRef>
-            <a:fontRef idx="minor">
-              <a:schemeClr val="lt1"/>
-            </a:fontRef>
-          </p:style>
-          <p:txBody>
-            <a:bodyPr rtlCol="0" anchor="ctr"/>
-            <a:lstStyle/>
-            <a:p>
-              <a:pPr algn="ctr"/>
-              <a:endParaRPr lang="en-US" sz="1200"/>
-            </a:p>
-          </p:txBody>
-        </p:sp>
-      </p:grpSp>
       <p:cxnSp>
         <p:nvCxnSpPr>
           <p:cNvPr id="132" name="直接箭头连接符 131"/>
@@ -11866,41 +11632,6 @@
           <a:xfrm flipV="1">
             <a:off x="1062713" y="4012343"/>
             <a:ext cx="449916" cy="1"/>
-          </a:xfrm>
-          <a:prstGeom prst="straightConnector1">
-            <a:avLst/>
-          </a:prstGeom>
-          <a:ln w="28575">
-            <a:tailEnd type="triangle"/>
-          </a:ln>
-        </p:spPr>
-        <p:style>
-          <a:lnRef idx="1">
-            <a:schemeClr val="accent1"/>
-          </a:lnRef>
-          <a:fillRef idx="0">
-            <a:schemeClr val="accent1"/>
-          </a:fillRef>
-          <a:effectRef idx="0">
-            <a:schemeClr val="accent1"/>
-          </a:effectRef>
-          <a:fontRef idx="minor">
-            <a:schemeClr val="tx1"/>
-          </a:fontRef>
-        </p:style>
-      </p:cxnSp>
-      <p:cxnSp>
-        <p:nvCxnSpPr>
-          <p:cNvPr id="200" name="直接箭头连接符 199"/>
-          <p:cNvCxnSpPr>
-            <a:endCxn id="83" idx="1"/>
-          </p:cNvCxnSpPr>
-          <p:nvPr/>
-        </p:nvCxnSpPr>
-        <p:spPr>
-          <a:xfrm>
-            <a:off x="6275315" y="4070747"/>
-            <a:ext cx="884131" cy="0"/>
           </a:xfrm>
           <a:prstGeom prst="straightConnector1">
             <a:avLst/>
@@ -12011,113 +11742,6 @@
           </a:p>
         </p:txBody>
       </p:sp>
-      <p:cxnSp>
-        <p:nvCxnSpPr>
-          <p:cNvPr id="220" name="连接符: 肘形 219"/>
-          <p:cNvCxnSpPr>
-            <a:stCxn id="79" idx="3"/>
-          </p:cNvCxnSpPr>
-          <p:nvPr/>
-        </p:nvCxnSpPr>
-        <p:spPr>
-          <a:xfrm flipV="1">
-            <a:off x="6159156" y="3451870"/>
-            <a:ext cx="2542325" cy="620259"/>
-          </a:xfrm>
-          <a:prstGeom prst="bentConnector3">
-            <a:avLst>
-              <a:gd name="adj1" fmla="val 30269"/>
-            </a:avLst>
-          </a:prstGeom>
-          <a:ln w="28575">
-            <a:tailEnd type="none"/>
-          </a:ln>
-        </p:spPr>
-        <p:style>
-          <a:lnRef idx="1">
-            <a:schemeClr val="accent1"/>
-          </a:lnRef>
-          <a:fillRef idx="0">
-            <a:schemeClr val="accent1"/>
-          </a:fillRef>
-          <a:effectRef idx="0">
-            <a:schemeClr val="accent1"/>
-          </a:effectRef>
-          <a:fontRef idx="minor">
-            <a:schemeClr val="tx1"/>
-          </a:fontRef>
-        </p:style>
-      </p:cxnSp>
-      <p:cxnSp>
-        <p:nvCxnSpPr>
-          <p:cNvPr id="225" name="直接箭头连接符 224"/>
-          <p:cNvCxnSpPr/>
-          <p:nvPr/>
-        </p:nvCxnSpPr>
-        <p:spPr>
-          <a:xfrm flipV="1">
-            <a:off x="8701481" y="4072965"/>
-            <a:ext cx="808665" cy="678973"/>
-          </a:xfrm>
-          <a:prstGeom prst="bentConnector3">
-            <a:avLst>
-              <a:gd name="adj1" fmla="val 50000"/>
-            </a:avLst>
-          </a:prstGeom>
-          <a:ln w="28575">
-            <a:tailEnd type="triangle"/>
-          </a:ln>
-        </p:spPr>
-        <p:style>
-          <a:lnRef idx="1">
-            <a:schemeClr val="accent1"/>
-          </a:lnRef>
-          <a:fillRef idx="0">
-            <a:schemeClr val="accent1"/>
-          </a:fillRef>
-          <a:effectRef idx="0">
-            <a:schemeClr val="accent1"/>
-          </a:effectRef>
-          <a:fontRef idx="minor">
-            <a:schemeClr val="tx1"/>
-          </a:fontRef>
-        </p:style>
-      </p:cxnSp>
-      <p:cxnSp>
-        <p:nvCxnSpPr>
-          <p:cNvPr id="228" name="连接符: 肘形 227"/>
-          <p:cNvCxnSpPr/>
-          <p:nvPr/>
-        </p:nvCxnSpPr>
-        <p:spPr>
-          <a:xfrm>
-            <a:off x="8701481" y="3451870"/>
-            <a:ext cx="803052" cy="351224"/>
-          </a:xfrm>
-          <a:prstGeom prst="bentConnector3">
-            <a:avLst>
-              <a:gd name="adj1" fmla="val 50000"/>
-            </a:avLst>
-          </a:prstGeom>
-          <a:ln w="28575">
-            <a:tailEnd type="triangle"/>
-          </a:ln>
-        </p:spPr>
-        <p:style>
-          <a:lnRef idx="1">
-            <a:schemeClr val="accent1"/>
-          </a:lnRef>
-          <a:fillRef idx="0">
-            <a:schemeClr val="accent1"/>
-          </a:fillRef>
-          <a:effectRef idx="0">
-            <a:schemeClr val="accent1"/>
-          </a:effectRef>
-          <a:fontRef idx="minor">
-            <a:schemeClr val="tx1"/>
-          </a:fontRef>
-        </p:style>
-      </p:cxnSp>
       <p:sp>
         <p:nvSpPr>
           <p:cNvPr id="256" name="文本框 255"/>
@@ -12178,80 +11802,6 @@
           </a:p>
         </p:txBody>
       </p:sp>
-      <p:cxnSp>
-        <p:nvCxnSpPr>
-          <p:cNvPr id="262" name="连接符: 肘形 261"/>
-          <p:cNvCxnSpPr>
-            <a:stCxn id="80" idx="3"/>
-          </p:cNvCxnSpPr>
-          <p:nvPr/>
-        </p:nvCxnSpPr>
-        <p:spPr>
-          <a:xfrm>
-            <a:off x="6164646" y="4698220"/>
-            <a:ext cx="2536835" cy="772972"/>
-          </a:xfrm>
-          <a:prstGeom prst="bentConnector3">
-            <a:avLst>
-              <a:gd name="adj1" fmla="val 30976"/>
-            </a:avLst>
-          </a:prstGeom>
-          <a:ln w="28575">
-            <a:tailEnd type="none"/>
-          </a:ln>
-        </p:spPr>
-        <p:style>
-          <a:lnRef idx="1">
-            <a:schemeClr val="accent1"/>
-          </a:lnRef>
-          <a:fillRef idx="0">
-            <a:schemeClr val="accent1"/>
-          </a:fillRef>
-          <a:effectRef idx="0">
-            <a:schemeClr val="accent1"/>
-          </a:effectRef>
-          <a:fontRef idx="minor">
-            <a:schemeClr val="tx1"/>
-          </a:fontRef>
-        </p:style>
-      </p:cxnSp>
-      <p:cxnSp>
-        <p:nvCxnSpPr>
-          <p:cNvPr id="268" name="连接符: 肘形 267"/>
-          <p:cNvCxnSpPr>
-            <a:endCxn id="110" idx="1"/>
-          </p:cNvCxnSpPr>
-          <p:nvPr/>
-        </p:nvCxnSpPr>
-        <p:spPr>
-          <a:xfrm flipV="1">
-            <a:off x="8701481" y="4883271"/>
-            <a:ext cx="1226902" cy="587921"/>
-          </a:xfrm>
-          <a:prstGeom prst="bentConnector3">
-            <a:avLst>
-              <a:gd name="adj1" fmla="val 50000"/>
-            </a:avLst>
-          </a:prstGeom>
-          <a:ln w="28575">
-            <a:tailEnd type="triangle"/>
-          </a:ln>
-        </p:spPr>
-        <p:style>
-          <a:lnRef idx="1">
-            <a:schemeClr val="accent1"/>
-          </a:lnRef>
-          <a:fillRef idx="0">
-            <a:schemeClr val="accent1"/>
-          </a:fillRef>
-          <a:effectRef idx="0">
-            <a:schemeClr val="accent1"/>
-          </a:effectRef>
-          <a:fontRef idx="minor">
-            <a:schemeClr val="tx1"/>
-          </a:fontRef>
-        </p:style>
-      </p:cxnSp>
       <p:cxnSp>
         <p:nvCxnSpPr>
           <p:cNvPr id="274" name="直接箭头连接符 273"/>
@@ -12265,41 +11815,6 @@
           <a:xfrm>
             <a:off x="9741937" y="3944618"/>
             <a:ext cx="183976" cy="2128"/>
-          </a:xfrm>
-          <a:prstGeom prst="straightConnector1">
-            <a:avLst/>
-          </a:prstGeom>
-          <a:ln w="28575">
-            <a:tailEnd type="triangle"/>
-          </a:ln>
-        </p:spPr>
-        <p:style>
-          <a:lnRef idx="1">
-            <a:schemeClr val="accent1"/>
-          </a:lnRef>
-          <a:fillRef idx="0">
-            <a:schemeClr val="accent1"/>
-          </a:fillRef>
-          <a:effectRef idx="0">
-            <a:schemeClr val="accent1"/>
-          </a:effectRef>
-          <a:fontRef idx="minor">
-            <a:schemeClr val="tx1"/>
-          </a:fontRef>
-        </p:style>
-      </p:cxnSp>
-      <p:cxnSp>
-        <p:nvCxnSpPr>
-          <p:cNvPr id="276" name="直接箭头连接符 275"/>
-          <p:cNvCxnSpPr>
-            <a:stCxn id="101" idx="0"/>
-          </p:cNvCxnSpPr>
-          <p:nvPr/>
-        </p:nvCxnSpPr>
-        <p:spPr>
-          <a:xfrm>
-            <a:off x="10772753" y="4404700"/>
-            <a:ext cx="228943" cy="0"/>
           </a:xfrm>
           <a:prstGeom prst="straightConnector1">
             <a:avLst/>
@@ -12922,125 +12437,6 @@
           </a:p>
         </p:txBody>
       </p:sp>
-      <p:grpSp>
-        <p:nvGrpSpPr>
-          <p:cNvPr id="95" name="组合 94"/>
-          <p:cNvGrpSpPr/>
-          <p:nvPr/>
-        </p:nvGrpSpPr>
-        <p:grpSpPr>
-          <a:xfrm>
-            <a:off x="3924125" y="4356247"/>
-            <a:ext cx="211958" cy="733341"/>
-            <a:chOff x="1350100" y="1479665"/>
-            <a:chExt cx="553999" cy="4018202"/>
-          </a:xfrm>
-        </p:grpSpPr>
-        <p:sp>
-          <p:nvSpPr>
-            <p:cNvPr id="96" name="Rectangle 3"/>
-            <p:cNvSpPr/>
-            <p:nvPr/>
-          </p:nvSpPr>
-          <p:spPr>
-            <a:xfrm>
-              <a:off x="1350100" y="1479665"/>
-              <a:ext cx="553999" cy="4018202"/>
-            </a:xfrm>
-            <a:prstGeom prst="rect">
-              <a:avLst/>
-            </a:prstGeom>
-            <a:noFill/>
-            <a:ln>
-              <a:solidFill>
-                <a:schemeClr val="tx1"/>
-              </a:solidFill>
-            </a:ln>
-          </p:spPr>
-          <p:style>
-            <a:lnRef idx="2">
-              <a:schemeClr val="accent1">
-                <a:shade val="50000"/>
-              </a:schemeClr>
-            </a:lnRef>
-            <a:fillRef idx="1">
-              <a:schemeClr val="accent1"/>
-            </a:fillRef>
-            <a:effectRef idx="0">
-              <a:schemeClr val="accent1"/>
-            </a:effectRef>
-            <a:fontRef idx="minor">
-              <a:schemeClr val="lt1"/>
-            </a:fontRef>
-          </p:style>
-          <p:txBody>
-            <a:bodyPr vert="vert270" rtlCol="0" anchor="ctr" anchorCtr="0"/>
-            <a:lstStyle/>
-            <a:p>
-              <a:pPr algn="ctr"/>
-              <a:r>
-                <a:rPr lang="en-US" altLang="zh-CN" sz="1050" b="1" dirty="0">
-                  <a:solidFill>
-                    <a:schemeClr val="tx1"/>
-                  </a:solidFill>
-                </a:rPr>
-                <a:t>FLIP-FLOP</a:t>
-              </a:r>
-              <a:endParaRPr lang="en-US" altLang="zh-CN" sz="1200" b="1" dirty="0">
-                <a:solidFill>
-                  <a:schemeClr val="tx1"/>
-                </a:solidFill>
-              </a:endParaRPr>
-            </a:p>
-          </p:txBody>
-        </p:sp>
-        <p:sp>
-          <p:nvSpPr>
-            <p:cNvPr id="97" name="Isosceles Triangle 5"/>
-            <p:cNvSpPr/>
-            <p:nvPr/>
-          </p:nvSpPr>
-          <p:spPr>
-            <a:xfrm>
-              <a:off x="1571204" y="5280509"/>
-              <a:ext cx="155391" cy="217358"/>
-            </a:xfrm>
-            <a:prstGeom prst="triangle">
-              <a:avLst/>
-            </a:prstGeom>
-            <a:noFill/>
-            <a:ln>
-              <a:solidFill>
-                <a:schemeClr val="tx1"/>
-              </a:solidFill>
-            </a:ln>
-          </p:spPr>
-          <p:style>
-            <a:lnRef idx="2">
-              <a:schemeClr val="accent1">
-                <a:shade val="50000"/>
-              </a:schemeClr>
-            </a:lnRef>
-            <a:fillRef idx="1">
-              <a:schemeClr val="accent1"/>
-            </a:fillRef>
-            <a:effectRef idx="0">
-              <a:schemeClr val="accent1"/>
-            </a:effectRef>
-            <a:fontRef idx="minor">
-              <a:schemeClr val="lt1"/>
-            </a:fontRef>
-          </p:style>
-          <p:txBody>
-            <a:bodyPr rtlCol="0" anchor="ctr"/>
-            <a:lstStyle/>
-            <a:p>
-              <a:pPr algn="ctr"/>
-              <a:endParaRPr lang="en-US" sz="1200"/>
-            </a:p>
-          </p:txBody>
-        </p:sp>
-      </p:grpSp>
       <p:cxnSp>
         <p:nvCxnSpPr>
           <p:cNvPr id="98" name="直接箭头连接符 97"/>
@@ -13058,6 +12454,11 @@
             <a:avLst/>
           </a:prstGeom>
           <a:ln w="28575">
+            <a:solidFill>
+              <a:schemeClr val="accent1">
+                <a:lumMod val="75000"/>
+              </a:schemeClr>
+            </a:solidFill>
             <a:tailEnd type="triangle"/>
           </a:ln>
         </p:spPr>
@@ -13119,86 +12520,13 @@
       </p:sp>
       <p:sp>
         <p:nvSpPr>
-          <p:cNvPr id="128" name="TextBox 90"/>
-          <p:cNvSpPr txBox="1"/>
-          <p:nvPr/>
-        </p:nvSpPr>
-        <p:spPr>
-          <a:xfrm>
-            <a:off x="7881726" y="2790846"/>
-            <a:ext cx="715260" cy="276999"/>
-          </a:xfrm>
-          <a:prstGeom prst="rect">
-            <a:avLst/>
-          </a:prstGeom>
-          <a:noFill/>
-        </p:spPr>
-        <p:txBody>
-          <a:bodyPr wrap="none" rtlCol="0">
-            <a:spAutoFit/>
-          </a:bodyPr>
-          <a:lstStyle/>
-          <a:p>
-            <a:r>
-              <a:rPr lang="en-US" sz="1200" dirty="0">
-                <a:solidFill>
-                  <a:schemeClr val="accent2"/>
-                </a:solidFill>
-              </a:rPr>
-              <a:t>Rd Mem</a:t>
-            </a:r>
-          </a:p>
-        </p:txBody>
-      </p:sp>
-      <p:cxnSp>
-        <p:nvCxnSpPr>
-          <p:cNvPr id="226" name="连接符: 肘形 225"/>
-          <p:cNvCxnSpPr>
-            <a:stCxn id="120" idx="3"/>
-            <a:endCxn id="76" idx="1"/>
-          </p:cNvCxnSpPr>
-          <p:nvPr/>
-        </p:nvCxnSpPr>
-        <p:spPr>
-          <a:xfrm flipH="1">
-            <a:off x="4645002" y="4412451"/>
-            <a:ext cx="6658665" cy="511068"/>
-          </a:xfrm>
-          <a:prstGeom prst="bentConnector5">
-            <a:avLst>
-              <a:gd name="adj1" fmla="val -3433"/>
-              <a:gd name="adj2" fmla="val 324810"/>
-              <a:gd name="adj3" fmla="val 103433"/>
-            </a:avLst>
-          </a:prstGeom>
-          <a:ln w="28575">
-            <a:tailEnd type="triangle"/>
-          </a:ln>
-        </p:spPr>
-        <p:style>
-          <a:lnRef idx="1">
-            <a:schemeClr val="accent1"/>
-          </a:lnRef>
-          <a:fillRef idx="0">
-            <a:schemeClr val="accent1"/>
-          </a:fillRef>
-          <a:effectRef idx="0">
-            <a:schemeClr val="accent1"/>
-          </a:effectRef>
-          <a:fontRef idx="minor">
-            <a:schemeClr val="tx1"/>
-          </a:fontRef>
-        </p:style>
-      </p:cxnSp>
-      <p:sp>
-        <p:nvSpPr>
           <p:cNvPr id="129" name="文本框 128"/>
           <p:cNvSpPr txBox="1"/>
           <p:nvPr/>
         </p:nvSpPr>
         <p:spPr>
           <a:xfrm>
-            <a:off x="6887734" y="599815"/>
+            <a:off x="6920319" y="355149"/>
             <a:ext cx="3094226" cy="1980000"/>
           </a:xfrm>
           <a:prstGeom prst="rect">
@@ -13907,79 +13235,6 @@
           </a:p>
         </p:txBody>
       </p:sp>
-      <p:cxnSp>
-        <p:nvCxnSpPr>
-          <p:cNvPr id="3" name="直接箭头连接符 2"/>
-          <p:cNvCxnSpPr>
-            <a:stCxn id="80" idx="3"/>
-            <a:endCxn id="84" idx="1"/>
-          </p:cNvCxnSpPr>
-          <p:nvPr/>
-        </p:nvCxnSpPr>
-        <p:spPr>
-          <a:xfrm>
-            <a:off x="6164646" y="4698220"/>
-            <a:ext cx="1005520" cy="3307"/>
-          </a:xfrm>
-          <a:prstGeom prst="straightConnector1">
-            <a:avLst/>
-          </a:prstGeom>
-          <a:ln w="28575">
-            <a:tailEnd type="triangle"/>
-          </a:ln>
-        </p:spPr>
-        <p:style>
-          <a:lnRef idx="1">
-            <a:schemeClr val="accent1"/>
-          </a:lnRef>
-          <a:fillRef idx="0">
-            <a:schemeClr val="accent1"/>
-          </a:fillRef>
-          <a:effectRef idx="0">
-            <a:schemeClr val="accent1"/>
-          </a:effectRef>
-          <a:fontRef idx="minor">
-            <a:schemeClr val="tx1"/>
-          </a:fontRef>
-        </p:style>
-      </p:cxnSp>
-      <p:cxnSp>
-        <p:nvCxnSpPr>
-          <p:cNvPr id="6" name="连接符: 肘形 5"/>
-          <p:cNvCxnSpPr>
-            <a:endCxn id="86" idx="2"/>
-          </p:cNvCxnSpPr>
-          <p:nvPr/>
-        </p:nvCxnSpPr>
-        <p:spPr>
-          <a:xfrm rot="16200000" flipH="1">
-            <a:off x="6151174" y="3433234"/>
-            <a:ext cx="2288712" cy="1297778"/>
-          </a:xfrm>
-          <a:prstGeom prst="bentConnector3">
-            <a:avLst>
-              <a:gd name="adj1" fmla="val 124970"/>
-            </a:avLst>
-          </a:prstGeom>
-          <a:ln w="28575">
-            <a:tailEnd type="triangle"/>
-          </a:ln>
-        </p:spPr>
-        <p:style>
-          <a:lnRef idx="1">
-            <a:schemeClr val="accent1"/>
-          </a:lnRef>
-          <a:fillRef idx="0">
-            <a:schemeClr val="accent1"/>
-          </a:fillRef>
-          <a:effectRef idx="0">
-            <a:schemeClr val="accent1"/>
-          </a:effectRef>
-          <a:fontRef idx="minor">
-            <a:schemeClr val="tx1"/>
-          </a:fontRef>
-        </p:style>
-      </p:cxnSp>
       <p:sp>
         <p:nvSpPr>
           <p:cNvPr id="108" name="TextBox 90"/>
@@ -13988,7 +13243,7 @@
         </p:nvSpPr>
         <p:spPr>
           <a:xfrm>
-            <a:off x="7192298" y="5548146"/>
+            <a:off x="7541825" y="5558391"/>
             <a:ext cx="787716" cy="276999"/>
           </a:xfrm>
           <a:prstGeom prst="rect">
@@ -14331,7 +13586,7 @@
         </p:nvCxnSpPr>
         <p:spPr>
           <a:xfrm>
-            <a:off x="6393613" y="4693716"/>
+            <a:off x="6713320" y="4710635"/>
             <a:ext cx="14771" cy="1753538"/>
           </a:xfrm>
           <a:prstGeom prst="straightConnector1">
@@ -14364,7 +13619,7 @@
         </p:nvSpPr>
         <p:spPr>
           <a:xfrm>
-            <a:off x="6388397" y="6170255"/>
+            <a:off x="6670047" y="6199589"/>
             <a:ext cx="407484" cy="276999"/>
           </a:xfrm>
           <a:prstGeom prst="rect">
@@ -14448,41 +13703,6 @@
           </a:p>
         </p:txBody>
       </p:sp>
-      <p:cxnSp>
-        <p:nvCxnSpPr>
-          <p:cNvPr id="245" name="连接符: 肘形 244"/>
-          <p:cNvCxnSpPr>
-            <a:endCxn id="116" idx="1"/>
-          </p:cNvCxnSpPr>
-          <p:nvPr/>
-        </p:nvCxnSpPr>
-        <p:spPr>
-          <a:xfrm rot="16200000" flipV="1">
-            <a:off x="4223684" y="1911965"/>
-            <a:ext cx="2446033" cy="1880891"/>
-          </a:xfrm>
-          <a:prstGeom prst="bentConnector2">
-            <a:avLst/>
-          </a:prstGeom>
-          <a:ln w="28575">
-            <a:tailEnd type="triangle"/>
-          </a:ln>
-        </p:spPr>
-        <p:style>
-          <a:lnRef idx="1">
-            <a:schemeClr val="accent1"/>
-          </a:lnRef>
-          <a:fillRef idx="0">
-            <a:schemeClr val="accent1"/>
-          </a:fillRef>
-          <a:effectRef idx="0">
-            <a:schemeClr val="accent1"/>
-          </a:effectRef>
-          <a:fontRef idx="minor">
-            <a:schemeClr val="tx1"/>
-          </a:fontRef>
-        </p:style>
-      </p:cxnSp>
       <p:cxnSp>
         <p:nvCxnSpPr>
           <p:cNvPr id="247" name="直接箭头连接符 246"/>
@@ -14703,29 +13923,480 @@
           </a:p>
         </p:txBody>
       </p:sp>
+      <p:sp>
+        <p:nvSpPr>
+          <p:cNvPr id="253" name="流程图: 延期 252"/>
+          <p:cNvSpPr/>
+          <p:nvPr/>
+        </p:nvSpPr>
+        <p:spPr>
+          <a:xfrm flipH="1">
+            <a:off x="2577541" y="1222254"/>
+            <a:ext cx="438113" cy="385595"/>
+          </a:xfrm>
+          <a:prstGeom prst="flowChartDelay">
+            <a:avLst/>
+          </a:prstGeom>
+          <a:noFill/>
+          <a:ln w="9525" cap="flat" cmpd="sng" algn="ctr">
+            <a:solidFill>
+              <a:schemeClr val="dk1"/>
+            </a:solidFill>
+            <a:prstDash val="solid"/>
+            <a:round/>
+            <a:headEnd type="none" w="med" len="med"/>
+            <a:tailEnd type="none" w="med" len="med"/>
+          </a:ln>
+        </p:spPr>
+        <p:style>
+          <a:lnRef idx="0">
+            <a:scrgbClr r="0" g="0" b="0"/>
+          </a:lnRef>
+          <a:fillRef idx="0">
+            <a:scrgbClr r="0" g="0" b="0"/>
+          </a:fillRef>
+          <a:effectRef idx="0">
+            <a:scrgbClr r="0" g="0" b="0"/>
+          </a:effectRef>
+          <a:fontRef idx="minor">
+            <a:schemeClr val="dk1"/>
+          </a:fontRef>
+        </p:style>
+        <p:txBody>
+          <a:bodyPr lIns="0" rIns="0" rtlCol="0" anchor="ctr"/>
+          <a:lstStyle/>
+          <a:p>
+            <a:pPr algn="ctr"/>
+            <a:r>
+              <a:rPr lang="en-US" altLang="zh-CN" sz="1200" dirty="0"/>
+              <a:t>AND</a:t>
+            </a:r>
+            <a:endParaRPr lang="zh-CN" altLang="en-US" sz="1200" dirty="0"/>
+          </a:p>
+        </p:txBody>
+      </p:sp>
+      <p:cxnSp>
+        <p:nvCxnSpPr>
+          <p:cNvPr id="35" name="连接符: 肘形 34"/>
+          <p:cNvCxnSpPr>
+            <a:stCxn id="92" idx="0"/>
+          </p:cNvCxnSpPr>
+          <p:nvPr/>
+        </p:nvCxnSpPr>
+        <p:spPr>
+          <a:xfrm rot="16200000" flipV="1">
+            <a:off x="3728695" y="2132166"/>
+            <a:ext cx="164694" cy="533317"/>
+          </a:xfrm>
+          <a:prstGeom prst="bentConnector2">
+            <a:avLst/>
+          </a:prstGeom>
+          <a:ln w="28575">
+            <a:tailEnd type="none"/>
+          </a:ln>
+        </p:spPr>
+        <p:style>
+          <a:lnRef idx="1">
+            <a:schemeClr val="accent1"/>
+          </a:lnRef>
+          <a:fillRef idx="0">
+            <a:schemeClr val="accent1"/>
+          </a:fillRef>
+          <a:effectRef idx="0">
+            <a:schemeClr val="accent1"/>
+          </a:effectRef>
+          <a:fontRef idx="minor">
+            <a:schemeClr val="tx1"/>
+          </a:fontRef>
+        </p:style>
+      </p:cxnSp>
+      <p:cxnSp>
+        <p:nvCxnSpPr>
+          <p:cNvPr id="37" name="连接符: 肘形 36"/>
+          <p:cNvCxnSpPr/>
+          <p:nvPr/>
+        </p:nvCxnSpPr>
+        <p:spPr>
+          <a:xfrm rot="10800000">
+            <a:off x="3015654" y="1544435"/>
+            <a:ext cx="1057460" cy="772043"/>
+          </a:xfrm>
+          <a:prstGeom prst="bentConnector3">
+            <a:avLst>
+              <a:gd name="adj1" fmla="val 50000"/>
+            </a:avLst>
+          </a:prstGeom>
+          <a:ln w="28575">
+            <a:tailEnd type="triangle"/>
+          </a:ln>
+        </p:spPr>
+        <p:style>
+          <a:lnRef idx="1">
+            <a:schemeClr val="accent1"/>
+          </a:lnRef>
+          <a:fillRef idx="0">
+            <a:schemeClr val="accent1"/>
+          </a:fillRef>
+          <a:effectRef idx="0">
+            <a:schemeClr val="accent1"/>
+          </a:effectRef>
+          <a:fontRef idx="minor">
+            <a:schemeClr val="tx1"/>
+          </a:fontRef>
+        </p:style>
+      </p:cxnSp>
+      <p:cxnSp>
+        <p:nvCxnSpPr>
+          <p:cNvPr id="41" name="直接箭头连接符 40"/>
+          <p:cNvCxnSpPr>
+            <a:stCxn id="118" idx="6"/>
+          </p:cNvCxnSpPr>
+          <p:nvPr/>
+        </p:nvCxnSpPr>
+        <p:spPr>
+          <a:xfrm flipH="1" flipV="1">
+            <a:off x="3015653" y="1318907"/>
+            <a:ext cx="677971" cy="0"/>
+          </a:xfrm>
+          <a:prstGeom prst="straightConnector1">
+            <a:avLst/>
+          </a:prstGeom>
+          <a:ln w="28575">
+            <a:tailEnd type="triangle"/>
+          </a:ln>
+        </p:spPr>
+        <p:style>
+          <a:lnRef idx="1">
+            <a:schemeClr val="accent1"/>
+          </a:lnRef>
+          <a:fillRef idx="0">
+            <a:schemeClr val="accent1"/>
+          </a:fillRef>
+          <a:effectRef idx="0">
+            <a:schemeClr val="accent1"/>
+          </a:effectRef>
+          <a:fontRef idx="minor">
+            <a:schemeClr val="tx1"/>
+          </a:fontRef>
+        </p:style>
+      </p:cxnSp>
+      <p:cxnSp>
+        <p:nvCxnSpPr>
+          <p:cNvPr id="44" name="连接符: 肘形 43"/>
+          <p:cNvCxnSpPr>
+            <a:stCxn id="253" idx="3"/>
+            <a:endCxn id="122" idx="3"/>
+          </p:cNvCxnSpPr>
+          <p:nvPr/>
+        </p:nvCxnSpPr>
+        <p:spPr>
+          <a:xfrm rot="10800000" flipV="1">
+            <a:off x="1327425" y="1415052"/>
+            <a:ext cx="1250117" cy="393500"/>
+          </a:xfrm>
+          <a:prstGeom prst="bentConnector2">
+            <a:avLst/>
+          </a:prstGeom>
+          <a:ln w="28575">
+            <a:tailEnd type="triangle"/>
+          </a:ln>
+        </p:spPr>
+        <p:style>
+          <a:lnRef idx="1">
+            <a:schemeClr val="accent1"/>
+          </a:lnRef>
+          <a:fillRef idx="0">
+            <a:schemeClr val="accent1"/>
+          </a:fillRef>
+          <a:effectRef idx="0">
+            <a:schemeClr val="accent1"/>
+          </a:effectRef>
+          <a:fontRef idx="minor">
+            <a:schemeClr val="tx1"/>
+          </a:fontRef>
+        </p:style>
+      </p:cxnSp>
+      <p:sp>
+        <p:nvSpPr>
+          <p:cNvPr id="45" name="文本框 44"/>
+          <p:cNvSpPr txBox="1"/>
+          <p:nvPr/>
+        </p:nvSpPr>
+        <p:spPr>
+          <a:xfrm>
+            <a:off x="3528899" y="2037963"/>
+            <a:ext cx="556563" cy="276999"/>
+          </a:xfrm>
+          <a:prstGeom prst="rect">
+            <a:avLst/>
+          </a:prstGeom>
+          <a:noFill/>
+        </p:spPr>
+        <p:txBody>
+          <a:bodyPr wrap="none" rtlCol="0">
+            <a:spAutoFit/>
+          </a:bodyPr>
+          <a:lstStyle/>
+          <a:p>
+            <a:r>
+              <a:rPr lang="en-US" altLang="zh-CN" sz="1200" dirty="0" err="1">
+                <a:solidFill>
+                  <a:schemeClr val="accent2"/>
+                </a:solidFill>
+              </a:rPr>
+              <a:t>isBleq</a:t>
+            </a:r>
+            <a:endParaRPr lang="zh-CN" altLang="en-US" sz="1200" dirty="0">
+              <a:solidFill>
+                <a:schemeClr val="accent2"/>
+              </a:solidFill>
+            </a:endParaRPr>
+          </a:p>
+        </p:txBody>
+      </p:sp>
       <p:grpSp>
         <p:nvGrpSpPr>
-          <p:cNvPr id="139" name="组合 138"/>
+          <p:cNvPr id="105" name="组合 104"/>
           <p:cNvGrpSpPr/>
           <p:nvPr/>
         </p:nvGrpSpPr>
         <p:grpSpPr>
           <a:xfrm>
-            <a:off x="4783936" y="2937524"/>
-            <a:ext cx="258603" cy="640331"/>
-            <a:chOff x="1350099" y="1479665"/>
-            <a:chExt cx="553999" cy="4018202"/>
+            <a:off x="9925913" y="3691855"/>
+            <a:ext cx="846844" cy="1425690"/>
+            <a:chOff x="10486562" y="481071"/>
+            <a:chExt cx="1152294" cy="1939922"/>
           </a:xfrm>
         </p:grpSpPr>
         <p:sp>
           <p:nvSpPr>
-            <p:cNvPr id="140" name="Rectangle 3"/>
+            <p:cNvPr id="106" name="Trapezoid 92"/>
+            <p:cNvSpPr/>
+            <p:nvPr/>
+          </p:nvSpPr>
+          <p:spPr>
+            <a:xfrm rot="5400000">
+              <a:off x="10096660" y="878803"/>
+              <a:ext cx="1939922" cy="1144458"/>
+            </a:xfrm>
+            <a:prstGeom prst="trapezoid">
+              <a:avLst/>
+            </a:prstGeom>
+            <a:noFill/>
+            <a:ln>
+              <a:solidFill>
+                <a:schemeClr val="tx1"/>
+              </a:solidFill>
+            </a:ln>
+          </p:spPr>
+          <p:style>
+            <a:lnRef idx="2">
+              <a:schemeClr val="accent1">
+                <a:shade val="50000"/>
+              </a:schemeClr>
+            </a:lnRef>
+            <a:fillRef idx="1">
+              <a:schemeClr val="accent1"/>
+            </a:fillRef>
+            <a:effectRef idx="0">
+              <a:schemeClr val="accent1"/>
+            </a:effectRef>
+            <a:fontRef idx="minor">
+              <a:schemeClr val="lt1"/>
+            </a:fontRef>
+          </p:style>
+          <p:txBody>
+            <a:bodyPr rtlCol="0" anchor="ctr"/>
+            <a:lstStyle/>
+            <a:p>
+              <a:pPr algn="ctr"/>
+              <a:endParaRPr lang="en-US" sz="1200"/>
+            </a:p>
+          </p:txBody>
+        </p:sp>
+        <p:sp>
+          <p:nvSpPr>
+            <p:cNvPr id="124" name="TextBox 93"/>
+            <p:cNvSpPr txBox="1"/>
+            <p:nvPr/>
+          </p:nvSpPr>
+          <p:spPr>
+            <a:xfrm>
+              <a:off x="10523636" y="1227099"/>
+              <a:ext cx="475836" cy="276998"/>
+            </a:xfrm>
+            <a:prstGeom prst="rect">
+              <a:avLst/>
+            </a:prstGeom>
+            <a:noFill/>
+          </p:spPr>
+          <p:txBody>
+            <a:bodyPr wrap="none" rtlCol="0">
+              <a:spAutoFit/>
+            </a:bodyPr>
+            <a:lstStyle/>
+            <a:p>
+              <a:r>
+                <a:rPr lang="en-US" sz="1200" dirty="0"/>
+                <a:t> </a:t>
+              </a:r>
+              <a:r>
+                <a:rPr lang="en-US" sz="1200" b="1" dirty="0"/>
+                <a:t>ALU</a:t>
+              </a:r>
+            </a:p>
+          </p:txBody>
+        </p:sp>
+        <p:sp>
+          <p:nvSpPr>
+            <p:cNvPr id="125" name="TextBox 101"/>
+            <p:cNvSpPr txBox="1"/>
+            <p:nvPr/>
+          </p:nvSpPr>
+          <p:spPr>
+            <a:xfrm>
+              <a:off x="10486562" y="639443"/>
+              <a:ext cx="710310" cy="376910"/>
+            </a:xfrm>
+            <a:prstGeom prst="rect">
+              <a:avLst/>
+            </a:prstGeom>
+            <a:noFill/>
+          </p:spPr>
+          <p:txBody>
+            <a:bodyPr wrap="square" rtlCol="0">
+              <a:spAutoFit/>
+            </a:bodyPr>
+            <a:lstStyle/>
+            <a:p>
+              <a:r>
+                <a:rPr lang="en-US" sz="1200" dirty="0"/>
+                <a:t>Op1</a:t>
+              </a:r>
+            </a:p>
+          </p:txBody>
+        </p:sp>
+        <p:sp>
+          <p:nvSpPr>
+            <p:cNvPr id="126" name="TextBox 102"/>
+            <p:cNvSpPr txBox="1"/>
+            <p:nvPr/>
+          </p:nvSpPr>
+          <p:spPr>
+            <a:xfrm>
+              <a:off x="10489923" y="1913763"/>
+              <a:ext cx="706951" cy="376910"/>
+            </a:xfrm>
+            <a:prstGeom prst="rect">
+              <a:avLst/>
+            </a:prstGeom>
+            <a:noFill/>
+          </p:spPr>
+          <p:txBody>
+            <a:bodyPr wrap="square" rtlCol="0">
+              <a:spAutoFit/>
+            </a:bodyPr>
+            <a:lstStyle/>
+            <a:p>
+              <a:r>
+                <a:rPr lang="en-US" sz="1200" dirty="0"/>
+                <a:t>Op2</a:t>
+              </a:r>
+            </a:p>
+          </p:txBody>
+        </p:sp>
+        <p:sp>
+          <p:nvSpPr>
+            <p:cNvPr id="127" name="TextBox 106"/>
+            <p:cNvSpPr txBox="1"/>
+            <p:nvPr/>
+          </p:nvSpPr>
+          <p:spPr>
+            <a:xfrm>
+              <a:off x="11042680" y="1245704"/>
+              <a:ext cx="596176" cy="376910"/>
+            </a:xfrm>
+            <a:prstGeom prst="rect">
+              <a:avLst/>
+            </a:prstGeom>
+            <a:noFill/>
+          </p:spPr>
+          <p:txBody>
+            <a:bodyPr wrap="square" rtlCol="0">
+              <a:spAutoFit/>
+            </a:bodyPr>
+            <a:lstStyle/>
+            <a:p>
+              <a:r>
+                <a:rPr lang="en-US" sz="1200" dirty="0"/>
+                <a:t>Res</a:t>
+              </a:r>
+            </a:p>
+          </p:txBody>
+        </p:sp>
+      </p:grpSp>
+      <p:cxnSp>
+        <p:nvCxnSpPr>
+          <p:cNvPr id="147" name="连接符: 肘形 146"/>
+          <p:cNvCxnSpPr>
+            <a:stCxn id="127" idx="3"/>
+          </p:cNvCxnSpPr>
+          <p:nvPr/>
+        </p:nvCxnSpPr>
+        <p:spPr>
+          <a:xfrm flipH="1">
+            <a:off x="3924125" y="4392300"/>
+            <a:ext cx="6848632" cy="559484"/>
+          </a:xfrm>
+          <a:prstGeom prst="bentConnector5">
+            <a:avLst>
+              <a:gd name="adj1" fmla="val -3338"/>
+              <a:gd name="adj2" fmla="val 304272"/>
+              <a:gd name="adj3" fmla="val 103338"/>
+            </a:avLst>
+          </a:prstGeom>
+          <a:ln w="28575">
+            <a:tailEnd type="triangle"/>
+          </a:ln>
+        </p:spPr>
+        <p:style>
+          <a:lnRef idx="1">
+            <a:schemeClr val="accent1"/>
+          </a:lnRef>
+          <a:fillRef idx="0">
+            <a:schemeClr val="accent1"/>
+          </a:fillRef>
+          <a:effectRef idx="0">
+            <a:schemeClr val="accent1"/>
+          </a:effectRef>
+          <a:fontRef idx="minor">
+            <a:schemeClr val="tx1"/>
+          </a:fontRef>
+        </p:style>
+      </p:cxnSp>
+      <p:grpSp>
+        <p:nvGrpSpPr>
+          <p:cNvPr id="148" name="组合 147"/>
+          <p:cNvGrpSpPr/>
+          <p:nvPr/>
+        </p:nvGrpSpPr>
+        <p:grpSpPr>
+          <a:xfrm>
+            <a:off x="3924125" y="4388332"/>
+            <a:ext cx="211958" cy="838148"/>
+            <a:chOff x="1350100" y="1479665"/>
+            <a:chExt cx="553999" cy="4018202"/>
+          </a:xfrm>
+        </p:grpSpPr>
+        <p:sp>
+          <p:nvSpPr>
+            <p:cNvPr id="149" name="Rectangle 3"/>
             <p:cNvSpPr/>
             <p:nvPr/>
           </p:nvSpPr>
           <p:spPr>
             <a:xfrm>
-              <a:off x="1350099" y="1479665"/>
+              <a:off x="1350100" y="1479665"/>
               <a:ext cx="553999" cy="4018202"/>
             </a:xfrm>
             <a:prstGeom prst="rect">
@@ -14777,7 +14448,7 @@
         </p:sp>
         <p:sp>
           <p:nvSpPr>
-            <p:cNvPr id="141" name="Isosceles Triangle 5"/>
+            <p:cNvPr id="150" name="Isosceles Triangle 5"/>
             <p:cNvSpPr/>
             <p:nvPr/>
           </p:nvSpPr>
@@ -14824,21 +14495,24 @@
       </p:grpSp>
       <p:cxnSp>
         <p:nvCxnSpPr>
-          <p:cNvPr id="142" name="连接符: 肘形 141"/>
-          <p:cNvCxnSpPr>
-            <a:stCxn id="140" idx="3"/>
-          </p:cNvCxnSpPr>
+          <p:cNvPr id="151" name="直接箭头连接符 150"/>
+          <p:cNvCxnSpPr/>
           <p:nvPr/>
         </p:nvCxnSpPr>
         <p:spPr>
           <a:xfrm>
-            <a:off x="5042539" y="3257690"/>
-            <a:ext cx="355292" cy="434164"/>
-          </a:xfrm>
-          <a:prstGeom prst="bentConnector2">
+            <a:off x="4144616" y="4951677"/>
+            <a:ext cx="487044" cy="0"/>
+          </a:xfrm>
+          <a:prstGeom prst="straightConnector1">
             <a:avLst/>
           </a:prstGeom>
           <a:ln w="28575">
+            <a:solidFill>
+              <a:schemeClr val="accent1">
+                <a:lumMod val="75000"/>
+              </a:schemeClr>
+            </a:solidFill>
             <a:tailEnd type="triangle"/>
           </a:ln>
         </p:spPr>
@@ -14859,21 +14533,26 @@
       </p:cxnSp>
       <p:cxnSp>
         <p:nvCxnSpPr>
-          <p:cNvPr id="143" name="直接箭头连接符 142"/>
-          <p:cNvCxnSpPr>
-            <a:endCxn id="140" idx="1"/>
-          </p:cNvCxnSpPr>
+          <p:cNvPr id="152" name="连接符: 肘形 151"/>
+          <p:cNvCxnSpPr/>
           <p:nvPr/>
         </p:nvCxnSpPr>
         <p:spPr>
-          <a:xfrm flipV="1">
-            <a:off x="4369756" y="3257690"/>
-            <a:ext cx="414180" cy="2936"/>
-          </a:xfrm>
-          <a:prstGeom prst="straightConnector1">
-            <a:avLst/>
+          <a:xfrm rot="16200000" flipH="1">
+            <a:off x="4979218" y="3280861"/>
+            <a:ext cx="430494" cy="406731"/>
+          </a:xfrm>
+          <a:prstGeom prst="bentConnector3">
+            <a:avLst>
+              <a:gd name="adj1" fmla="val 438"/>
+            </a:avLst>
           </a:prstGeom>
           <a:ln w="28575">
+            <a:solidFill>
+              <a:schemeClr val="accent1">
+                <a:lumMod val="75000"/>
+              </a:schemeClr>
+            </a:solidFill>
             <a:tailEnd type="triangle"/>
           </a:ln>
         </p:spPr>
@@ -14894,16 +14573,242 @@
       </p:cxnSp>
       <p:cxnSp>
         <p:nvCxnSpPr>
-          <p:cNvPr id="144" name="连接符: 肘形 143"/>
+          <p:cNvPr id="154" name="连接符: 肘形 153"/>
+          <p:cNvCxnSpPr>
+            <a:endCxn id="184" idx="0"/>
+          </p:cNvCxnSpPr>
+          <p:nvPr/>
+        </p:nvCxnSpPr>
+        <p:spPr>
+          <a:xfrm>
+            <a:off x="4369755" y="2614906"/>
+            <a:ext cx="3896515" cy="1059345"/>
+          </a:xfrm>
+          <a:prstGeom prst="bentConnector2">
+            <a:avLst/>
+          </a:prstGeom>
+          <a:ln w="28575">
+            <a:solidFill>
+              <a:schemeClr val="accent1"/>
+            </a:solidFill>
+            <a:tailEnd type="triangle"/>
+          </a:ln>
+        </p:spPr>
+        <p:style>
+          <a:lnRef idx="1">
+            <a:schemeClr val="accent1"/>
+          </a:lnRef>
+          <a:fillRef idx="0">
+            <a:schemeClr val="accent1"/>
+          </a:fillRef>
+          <a:effectRef idx="0">
+            <a:schemeClr val="accent1"/>
+          </a:effectRef>
+          <a:fontRef idx="minor">
+            <a:schemeClr val="tx1"/>
+          </a:fontRef>
+        </p:style>
+      </p:cxnSp>
+      <p:sp>
+        <p:nvSpPr>
+          <p:cNvPr id="155" name="TextBox 90"/>
+          <p:cNvSpPr txBox="1"/>
+          <p:nvPr/>
+        </p:nvSpPr>
+        <p:spPr>
+          <a:xfrm>
+            <a:off x="7566535" y="2621366"/>
+            <a:ext cx="715260" cy="276999"/>
+          </a:xfrm>
+          <a:prstGeom prst="rect">
+            <a:avLst/>
+          </a:prstGeom>
+          <a:noFill/>
+        </p:spPr>
+        <p:txBody>
+          <a:bodyPr wrap="none" rtlCol="0">
+            <a:spAutoFit/>
+          </a:bodyPr>
+          <a:lstStyle/>
+          <a:p>
+            <a:r>
+              <a:rPr lang="en-US" sz="1200" dirty="0">
+                <a:solidFill>
+                  <a:schemeClr val="accent2"/>
+                </a:solidFill>
+              </a:rPr>
+              <a:t>Rd Mem</a:t>
+            </a:r>
+          </a:p>
+        </p:txBody>
+      </p:sp>
+      <p:cxnSp>
+        <p:nvCxnSpPr>
+          <p:cNvPr id="156" name="连接符: 肘形 155"/>
           <p:cNvCxnSpPr/>
           <p:nvPr/>
         </p:nvCxnSpPr>
         <p:spPr>
           <a:xfrm>
-            <a:off x="4464221" y="2785791"/>
-            <a:ext cx="3460462" cy="888460"/>
+            <a:off x="7709320" y="2614714"/>
+            <a:ext cx="1914507" cy="1124919"/>
           </a:xfrm>
           <a:prstGeom prst="bentConnector2">
+            <a:avLst/>
+          </a:prstGeom>
+          <a:ln w="28575">
+            <a:solidFill>
+              <a:schemeClr val="accent1"/>
+            </a:solidFill>
+            <a:tailEnd type="triangle"/>
+          </a:ln>
+        </p:spPr>
+        <p:style>
+          <a:lnRef idx="1">
+            <a:schemeClr val="accent1"/>
+          </a:lnRef>
+          <a:fillRef idx="0">
+            <a:schemeClr val="accent1"/>
+          </a:fillRef>
+          <a:effectRef idx="0">
+            <a:schemeClr val="accent1"/>
+          </a:effectRef>
+          <a:fontRef idx="minor">
+            <a:schemeClr val="tx1"/>
+          </a:fontRef>
+        </p:style>
+      </p:cxnSp>
+      <p:grpSp>
+        <p:nvGrpSpPr>
+          <p:cNvPr id="157" name="组合 156"/>
+          <p:cNvGrpSpPr/>
+          <p:nvPr/>
+        </p:nvGrpSpPr>
+        <p:grpSpPr>
+          <a:xfrm>
+            <a:off x="4767470" y="2743038"/>
+            <a:ext cx="211958" cy="838148"/>
+            <a:chOff x="1350100" y="1479665"/>
+            <a:chExt cx="553999" cy="4018202"/>
+          </a:xfrm>
+        </p:grpSpPr>
+        <p:sp>
+          <p:nvSpPr>
+            <p:cNvPr id="158" name="Rectangle 3"/>
+            <p:cNvSpPr/>
+            <p:nvPr/>
+          </p:nvSpPr>
+          <p:spPr>
+            <a:xfrm>
+              <a:off x="1350100" y="1479665"/>
+              <a:ext cx="553999" cy="4018202"/>
+            </a:xfrm>
+            <a:prstGeom prst="rect">
+              <a:avLst/>
+            </a:prstGeom>
+            <a:noFill/>
+            <a:ln>
+              <a:solidFill>
+                <a:schemeClr val="tx1"/>
+              </a:solidFill>
+            </a:ln>
+          </p:spPr>
+          <p:style>
+            <a:lnRef idx="2">
+              <a:schemeClr val="accent1">
+                <a:shade val="50000"/>
+              </a:schemeClr>
+            </a:lnRef>
+            <a:fillRef idx="1">
+              <a:schemeClr val="accent1"/>
+            </a:fillRef>
+            <a:effectRef idx="0">
+              <a:schemeClr val="accent1"/>
+            </a:effectRef>
+            <a:fontRef idx="minor">
+              <a:schemeClr val="lt1"/>
+            </a:fontRef>
+          </p:style>
+          <p:txBody>
+            <a:bodyPr vert="vert270" rtlCol="0" anchor="ctr" anchorCtr="0"/>
+            <a:lstStyle/>
+            <a:p>
+              <a:pPr algn="ctr"/>
+              <a:r>
+                <a:rPr lang="en-US" altLang="zh-CN" sz="1050" b="1" dirty="0">
+                  <a:solidFill>
+                    <a:schemeClr val="tx1"/>
+                  </a:solidFill>
+                </a:rPr>
+                <a:t>FLIP-FLOP</a:t>
+              </a:r>
+              <a:endParaRPr lang="en-US" altLang="zh-CN" sz="1200" b="1" dirty="0">
+                <a:solidFill>
+                  <a:schemeClr val="tx1"/>
+                </a:solidFill>
+              </a:endParaRPr>
+            </a:p>
+          </p:txBody>
+        </p:sp>
+        <p:sp>
+          <p:nvSpPr>
+            <p:cNvPr id="159" name="Isosceles Triangle 5"/>
+            <p:cNvSpPr/>
+            <p:nvPr/>
+          </p:nvSpPr>
+          <p:spPr>
+            <a:xfrm>
+              <a:off x="1571204" y="5280509"/>
+              <a:ext cx="155391" cy="217358"/>
+            </a:xfrm>
+            <a:prstGeom prst="triangle">
+              <a:avLst/>
+            </a:prstGeom>
+            <a:noFill/>
+            <a:ln>
+              <a:solidFill>
+                <a:schemeClr val="tx1"/>
+              </a:solidFill>
+            </a:ln>
+          </p:spPr>
+          <p:style>
+            <a:lnRef idx="2">
+              <a:schemeClr val="accent1">
+                <a:shade val="50000"/>
+              </a:schemeClr>
+            </a:lnRef>
+            <a:fillRef idx="1">
+              <a:schemeClr val="accent1"/>
+            </a:fillRef>
+            <a:effectRef idx="0">
+              <a:schemeClr val="accent1"/>
+            </a:effectRef>
+            <a:fontRef idx="minor">
+              <a:schemeClr val="lt1"/>
+            </a:fontRef>
+          </p:style>
+          <p:txBody>
+            <a:bodyPr rtlCol="0" anchor="ctr"/>
+            <a:lstStyle/>
+            <a:p>
+              <a:pPr algn="ctr"/>
+              <a:endParaRPr lang="en-US" sz="1200"/>
+            </a:p>
+          </p:txBody>
+        </p:sp>
+      </p:grpSp>
+      <p:cxnSp>
+        <p:nvCxnSpPr>
+          <p:cNvPr id="160" name="直接箭头连接符 159"/>
+          <p:cNvCxnSpPr/>
+          <p:nvPr/>
+        </p:nvCxnSpPr>
+        <p:spPr>
+          <a:xfrm>
+            <a:off x="4490730" y="2937766"/>
+            <a:ext cx="276740" cy="0"/>
+          </a:xfrm>
+          <a:prstGeom prst="straightConnector1">
             <a:avLst/>
           </a:prstGeom>
           <a:ln w="28575">
@@ -14927,16 +14832,16 @@
       </p:cxnSp>
       <p:cxnSp>
         <p:nvCxnSpPr>
-          <p:cNvPr id="145" name="连接符: 肘形 144"/>
+          <p:cNvPr id="176" name="直接箭头连接符 175"/>
           <p:cNvCxnSpPr/>
           <p:nvPr/>
         </p:nvCxnSpPr>
         <p:spPr>
           <a:xfrm>
-            <a:off x="7927280" y="2786647"/>
-            <a:ext cx="1696547" cy="947631"/>
-          </a:xfrm>
-          <a:prstGeom prst="bentConnector2">
+            <a:off x="4369756" y="3268246"/>
+            <a:ext cx="400364" cy="734"/>
+          </a:xfrm>
+          <a:prstGeom prst="straightConnector1">
             <a:avLst/>
           </a:prstGeom>
           <a:ln w="28575">
@@ -14960,109 +14865,22 @@
       </p:cxnSp>
       <p:cxnSp>
         <p:nvCxnSpPr>
-          <p:cNvPr id="146" name="连接符: 肘形 145"/>
-          <p:cNvCxnSpPr/>
+          <p:cNvPr id="177" name="直接箭头连接符 176"/>
+          <p:cNvCxnSpPr>
+            <a:endCxn id="185" idx="1"/>
+          </p:cNvCxnSpPr>
           <p:nvPr/>
         </p:nvCxnSpPr>
         <p:spPr>
           <a:xfrm>
-            <a:off x="4369756" y="2614905"/>
-            <a:ext cx="2276885" cy="642785"/>
-          </a:xfrm>
-          <a:prstGeom prst="bentConnector3">
-            <a:avLst>
-              <a:gd name="adj1" fmla="val 100026"/>
-            </a:avLst>
+            <a:off x="6275315" y="4070747"/>
+            <a:ext cx="1236438" cy="1801"/>
+          </a:xfrm>
+          <a:prstGeom prst="straightConnector1">
+            <a:avLst/>
           </a:prstGeom>
           <a:ln w="28575">
-            <a:tailEnd type="none"/>
-          </a:ln>
-        </p:spPr>
-        <p:style>
-          <a:lnRef idx="1">
-            <a:schemeClr val="accent1"/>
-          </a:lnRef>
-          <a:fillRef idx="0">
-            <a:schemeClr val="accent1"/>
-          </a:fillRef>
-          <a:effectRef idx="0">
-            <a:schemeClr val="accent1"/>
-          </a:effectRef>
-          <a:fontRef idx="minor">
-            <a:schemeClr val="tx1"/>
-          </a:fontRef>
-        </p:style>
-      </p:cxnSp>
-      <p:sp>
-        <p:nvSpPr>
-          <p:cNvPr id="253" name="流程图: 延期 252"/>
-          <p:cNvSpPr/>
-          <p:nvPr/>
-        </p:nvSpPr>
-        <p:spPr>
-          <a:xfrm flipH="1">
-            <a:off x="2577541" y="1222254"/>
-            <a:ext cx="438113" cy="385595"/>
-          </a:xfrm>
-          <a:prstGeom prst="flowChartDelay">
-            <a:avLst/>
-          </a:prstGeom>
-          <a:noFill/>
-          <a:ln w="9525" cap="flat" cmpd="sng" algn="ctr">
-            <a:solidFill>
-              <a:schemeClr val="dk1"/>
-            </a:solidFill>
-            <a:prstDash val="solid"/>
-            <a:round/>
-            <a:headEnd type="none" w="med" len="med"/>
-            <a:tailEnd type="none" w="med" len="med"/>
-          </a:ln>
-        </p:spPr>
-        <p:style>
-          <a:lnRef idx="0">
-            <a:scrgbClr r="0" g="0" b="0"/>
-          </a:lnRef>
-          <a:fillRef idx="0">
-            <a:scrgbClr r="0" g="0" b="0"/>
-          </a:fillRef>
-          <a:effectRef idx="0">
-            <a:scrgbClr r="0" g="0" b="0"/>
-          </a:effectRef>
-          <a:fontRef idx="minor">
-            <a:schemeClr val="dk1"/>
-          </a:fontRef>
-        </p:style>
-        <p:txBody>
-          <a:bodyPr lIns="0" rIns="0" rtlCol="0" anchor="ctr"/>
-          <a:lstStyle/>
-          <a:p>
-            <a:pPr algn="ctr"/>
-            <a:r>
-              <a:rPr lang="en-US" altLang="zh-CN" sz="1200" dirty="0"/>
-              <a:t>And</a:t>
-            </a:r>
-            <a:endParaRPr lang="zh-CN" altLang="en-US" sz="1200" dirty="0"/>
-          </a:p>
-        </p:txBody>
-      </p:sp>
-      <p:cxnSp>
-        <p:nvCxnSpPr>
-          <p:cNvPr id="35" name="连接符: 肘形 34"/>
-          <p:cNvCxnSpPr>
-            <a:stCxn id="92" idx="0"/>
-          </p:cNvCxnSpPr>
-          <p:nvPr/>
-        </p:nvCxnSpPr>
-        <p:spPr>
-          <a:xfrm rot="16200000" flipV="1">
-            <a:off x="3728695" y="2132166"/>
-            <a:ext cx="164694" cy="533317"/>
-          </a:xfrm>
-          <a:prstGeom prst="bentConnector2">
-            <a:avLst/>
-          </a:prstGeom>
-          <a:ln w="28575">
-            <a:tailEnd type="none"/>
+            <a:tailEnd type="triangle"/>
           </a:ln>
         </p:spPr>
         <p:style>
@@ -15082,22 +14900,22 @@
       </p:cxnSp>
       <p:cxnSp>
         <p:nvCxnSpPr>
-          <p:cNvPr id="37" name="连接符: 肘形 36"/>
+          <p:cNvPr id="178" name="连接符: 肘形 177"/>
           <p:cNvCxnSpPr/>
           <p:nvPr/>
         </p:nvCxnSpPr>
         <p:spPr>
-          <a:xfrm rot="10800000">
-            <a:off x="3015654" y="1544435"/>
-            <a:ext cx="1057460" cy="772043"/>
+          <a:xfrm flipV="1">
+            <a:off x="6159156" y="3451870"/>
+            <a:ext cx="2542325" cy="620259"/>
           </a:xfrm>
           <a:prstGeom prst="bentConnector3">
             <a:avLst>
-              <a:gd name="adj1" fmla="val 50000"/>
+              <a:gd name="adj1" fmla="val 22240"/>
             </a:avLst>
           </a:prstGeom>
           <a:ln w="28575">
-            <a:tailEnd type="triangle"/>
+            <a:tailEnd type="none"/>
           </a:ln>
         </p:spPr>
         <p:style>
@@ -15117,19 +14935,19 @@
       </p:cxnSp>
       <p:cxnSp>
         <p:nvCxnSpPr>
-          <p:cNvPr id="41" name="直接箭头连接符 40"/>
-          <p:cNvCxnSpPr>
-            <a:stCxn id="118" idx="6"/>
-          </p:cNvCxnSpPr>
+          <p:cNvPr id="179" name="直接箭头连接符 224"/>
+          <p:cNvCxnSpPr/>
           <p:nvPr/>
         </p:nvCxnSpPr>
         <p:spPr>
-          <a:xfrm flipH="1" flipV="1">
-            <a:off x="3015653" y="1318907"/>
-            <a:ext cx="677971" cy="0"/>
-          </a:xfrm>
-          <a:prstGeom prst="straightConnector1">
-            <a:avLst/>
+          <a:xfrm flipV="1">
+            <a:off x="9032805" y="4068441"/>
+            <a:ext cx="472912" cy="683498"/>
+          </a:xfrm>
+          <a:prstGeom prst="bentConnector3">
+            <a:avLst>
+              <a:gd name="adj1" fmla="val 50000"/>
+            </a:avLst>
           </a:prstGeom>
           <a:ln w="28575">
             <a:tailEnd type="triangle"/>
@@ -15152,20 +14970,19 @@
       </p:cxnSp>
       <p:cxnSp>
         <p:nvCxnSpPr>
-          <p:cNvPr id="44" name="连接符: 肘形 43"/>
-          <p:cNvCxnSpPr>
-            <a:stCxn id="253" idx="3"/>
-            <a:endCxn id="122" idx="3"/>
-          </p:cNvCxnSpPr>
+          <p:cNvPr id="180" name="连接符: 肘形 179"/>
+          <p:cNvCxnSpPr/>
           <p:nvPr/>
         </p:nvCxnSpPr>
         <p:spPr>
-          <a:xfrm rot="10800000" flipV="1">
-            <a:off x="1327425" y="1415052"/>
-            <a:ext cx="1250117" cy="393500"/>
-          </a:xfrm>
-          <a:prstGeom prst="bentConnector2">
-            <a:avLst/>
+          <a:xfrm>
+            <a:off x="8701481" y="3451870"/>
+            <a:ext cx="803052" cy="351224"/>
+          </a:xfrm>
+          <a:prstGeom prst="bentConnector3">
+            <a:avLst>
+              <a:gd name="adj1" fmla="val 70803"/>
+            </a:avLst>
           </a:prstGeom>
           <a:ln w="28575">
             <a:tailEnd type="triangle"/>
@@ -15186,44 +15003,673 @@
           </a:fontRef>
         </p:style>
       </p:cxnSp>
-      <p:sp>
-        <p:nvSpPr>
-          <p:cNvPr id="45" name="文本框 44"/>
-          <p:cNvSpPr txBox="1"/>
-          <p:nvPr/>
-        </p:nvSpPr>
+      <p:cxnSp>
+        <p:nvCxnSpPr>
+          <p:cNvPr id="182" name="连接符: 肘形 181"/>
+          <p:cNvCxnSpPr/>
+          <p:nvPr/>
+        </p:nvCxnSpPr>
         <p:spPr>
           <a:xfrm>
-            <a:off x="3528899" y="2037963"/>
-            <a:ext cx="556563" cy="276999"/>
-          </a:xfrm>
-          <a:prstGeom prst="rect">
+            <a:off x="4991099" y="2937766"/>
+            <a:ext cx="1456844" cy="996282"/>
+          </a:xfrm>
+          <a:prstGeom prst="bentConnector3">
+            <a:avLst>
+              <a:gd name="adj1" fmla="val 100540"/>
+            </a:avLst>
+          </a:prstGeom>
+          <a:ln w="28575">
+            <a:solidFill>
+              <a:schemeClr val="accent1">
+                <a:lumMod val="75000"/>
+              </a:schemeClr>
+            </a:solidFill>
+            <a:tailEnd type="none"/>
+          </a:ln>
+        </p:spPr>
+        <p:style>
+          <a:lnRef idx="1">
+            <a:schemeClr val="accent1"/>
+          </a:lnRef>
+          <a:fillRef idx="0">
+            <a:schemeClr val="accent1"/>
+          </a:fillRef>
+          <a:effectRef idx="0">
+            <a:schemeClr val="accent1"/>
+          </a:effectRef>
+          <a:fontRef idx="minor">
+            <a:schemeClr val="tx1"/>
+          </a:fontRef>
+        </p:style>
+      </p:cxnSp>
+      <p:grpSp>
+        <p:nvGrpSpPr>
+          <p:cNvPr id="183" name="组合 182"/>
+          <p:cNvGrpSpPr/>
+          <p:nvPr/>
+        </p:nvGrpSpPr>
+        <p:grpSpPr>
+          <a:xfrm>
+            <a:off x="7498347" y="3674251"/>
+            <a:ext cx="1534458" cy="1554862"/>
+            <a:chOff x="7156760" y="3293251"/>
+            <a:chExt cx="1534458" cy="1554862"/>
+          </a:xfrm>
+        </p:grpSpPr>
+        <p:sp>
+          <p:nvSpPr>
+            <p:cNvPr id="184" name="Rectangle 68"/>
+            <p:cNvSpPr/>
+            <p:nvPr/>
+          </p:nvSpPr>
+          <p:spPr>
+            <a:xfrm>
+              <a:off x="7158262" y="3293251"/>
+              <a:ext cx="1532841" cy="1554862"/>
+            </a:xfrm>
+            <a:prstGeom prst="rect">
+              <a:avLst/>
+            </a:prstGeom>
+            <a:noFill/>
+            <a:ln>
+              <a:solidFill>
+                <a:schemeClr val="tx1"/>
+              </a:solidFill>
+            </a:ln>
+          </p:spPr>
+          <p:style>
+            <a:lnRef idx="2">
+              <a:schemeClr val="accent1">
+                <a:shade val="50000"/>
+              </a:schemeClr>
+            </a:lnRef>
+            <a:fillRef idx="1">
+              <a:schemeClr val="accent1"/>
+            </a:fillRef>
+            <a:effectRef idx="0">
+              <a:schemeClr val="accent1"/>
+            </a:effectRef>
+            <a:fontRef idx="minor">
+              <a:schemeClr val="lt1"/>
+            </a:fontRef>
+          </p:style>
+          <p:txBody>
+            <a:bodyPr rtlCol="0" anchor="ctr"/>
+            <a:lstStyle/>
+            <a:p>
+              <a:pPr algn="ctr"/>
+              <a:endParaRPr lang="en-US" sz="1200"/>
+            </a:p>
+          </p:txBody>
+        </p:sp>
+        <p:sp>
+          <p:nvSpPr>
+            <p:cNvPr id="185" name="TextBox 69"/>
+            <p:cNvSpPr txBox="1"/>
+            <p:nvPr/>
+          </p:nvSpPr>
+          <p:spPr>
+            <a:xfrm>
+              <a:off x="7170166" y="3553048"/>
+              <a:ext cx="847861" cy="276999"/>
+            </a:xfrm>
+            <a:prstGeom prst="rect">
+              <a:avLst/>
+            </a:prstGeom>
+            <a:noFill/>
+          </p:spPr>
+          <p:txBody>
+            <a:bodyPr wrap="none" rtlCol="0">
+              <a:spAutoFit/>
+            </a:bodyPr>
+            <a:lstStyle/>
+            <a:p>
+              <a:r>
+                <a:rPr lang="en-US" sz="1200" dirty="0" err="1"/>
+                <a:t>RdAddress</a:t>
+              </a:r>
+              <a:endParaRPr lang="en-US" sz="1200" dirty="0"/>
+            </a:p>
+          </p:txBody>
+        </p:sp>
+        <p:sp>
+          <p:nvSpPr>
+            <p:cNvPr id="186" name="TextBox 70"/>
+            <p:cNvSpPr txBox="1"/>
+            <p:nvPr/>
+          </p:nvSpPr>
+          <p:spPr>
+            <a:xfrm>
+              <a:off x="7170166" y="4118262"/>
+              <a:ext cx="415990" cy="404529"/>
+            </a:xfrm>
+            <a:prstGeom prst="rect">
+              <a:avLst/>
+            </a:prstGeom>
+            <a:noFill/>
+          </p:spPr>
+          <p:txBody>
+            <a:bodyPr wrap="none" rtlCol="0">
+              <a:spAutoFit/>
+            </a:bodyPr>
+            <a:lstStyle/>
+            <a:p>
+              <a:r>
+                <a:rPr lang="en-US" sz="1200" dirty="0" err="1"/>
+                <a:t>Wrt</a:t>
+              </a:r>
+              <a:r>
+                <a:rPr lang="en-US" sz="1200" dirty="0"/>
+                <a:t> </a:t>
+              </a:r>
+            </a:p>
+            <a:p>
+              <a:r>
+                <a:rPr lang="en-US" sz="1200" dirty="0"/>
+                <a:t>Data</a:t>
+              </a:r>
+            </a:p>
+          </p:txBody>
+        </p:sp>
+        <p:sp>
+          <p:nvSpPr>
+            <p:cNvPr id="187" name="TextBox 71"/>
+            <p:cNvSpPr txBox="1"/>
+            <p:nvPr/>
+          </p:nvSpPr>
+          <p:spPr>
+            <a:xfrm>
+              <a:off x="7869709" y="4232439"/>
+              <a:ext cx="821509" cy="276999"/>
+            </a:xfrm>
+            <a:prstGeom prst="rect">
+              <a:avLst/>
+            </a:prstGeom>
+            <a:noFill/>
+          </p:spPr>
+          <p:txBody>
+            <a:bodyPr wrap="none" rtlCol="0">
+              <a:spAutoFit/>
+            </a:bodyPr>
+            <a:lstStyle/>
+            <a:p>
+              <a:r>
+                <a:rPr lang="en-US" sz="1200" dirty="0"/>
+                <a:t>Read Data</a:t>
+              </a:r>
+            </a:p>
+          </p:txBody>
+        </p:sp>
+        <p:sp>
+          <p:nvSpPr>
+            <p:cNvPr id="188" name="TextBox 73"/>
+            <p:cNvSpPr txBox="1"/>
+            <p:nvPr/>
+          </p:nvSpPr>
+          <p:spPr>
+            <a:xfrm>
+              <a:off x="7477496" y="4602761"/>
+              <a:ext cx="933845" cy="242718"/>
+            </a:xfrm>
+            <a:prstGeom prst="rect">
+              <a:avLst/>
+            </a:prstGeom>
+            <a:noFill/>
+          </p:spPr>
+          <p:txBody>
+            <a:bodyPr wrap="none" rtlCol="0">
+              <a:spAutoFit/>
+            </a:bodyPr>
+            <a:lstStyle/>
+            <a:p>
+              <a:r>
+                <a:rPr lang="en-US" sz="1200" b="1" dirty="0"/>
+                <a:t>Data Memory</a:t>
+              </a:r>
+            </a:p>
+          </p:txBody>
+        </p:sp>
+        <p:sp>
+          <p:nvSpPr>
+            <p:cNvPr id="189" name="TextBox 69"/>
+            <p:cNvSpPr txBox="1"/>
+            <p:nvPr/>
+          </p:nvSpPr>
+          <p:spPr>
+            <a:xfrm>
+              <a:off x="7156760" y="3873126"/>
+              <a:ext cx="920317" cy="276999"/>
+            </a:xfrm>
+            <a:prstGeom prst="rect">
+              <a:avLst/>
+            </a:prstGeom>
+            <a:noFill/>
+          </p:spPr>
+          <p:txBody>
+            <a:bodyPr wrap="none" rtlCol="0">
+              <a:spAutoFit/>
+            </a:bodyPr>
+            <a:lstStyle/>
+            <a:p>
+              <a:r>
+                <a:rPr lang="en-US" sz="1200" dirty="0" err="1"/>
+                <a:t>WrtAddress</a:t>
+              </a:r>
+              <a:endParaRPr lang="en-US" sz="1200" dirty="0"/>
+            </a:p>
+          </p:txBody>
+        </p:sp>
+      </p:grpSp>
+      <p:cxnSp>
+        <p:nvCxnSpPr>
+          <p:cNvPr id="190" name="连接符: 肘形 189"/>
+          <p:cNvCxnSpPr/>
+          <p:nvPr/>
+        </p:nvCxnSpPr>
+        <p:spPr>
+          <a:xfrm>
+            <a:off x="6311556" y="4072129"/>
+            <a:ext cx="667616" cy="318754"/>
+          </a:xfrm>
+          <a:prstGeom prst="bentConnector3">
+            <a:avLst>
+              <a:gd name="adj1" fmla="val 61794"/>
+            </a:avLst>
+          </a:prstGeom>
+          <a:ln w="28575">
+            <a:tailEnd type="triangle"/>
+          </a:ln>
+        </p:spPr>
+        <p:style>
+          <a:lnRef idx="1">
+            <a:schemeClr val="accent1"/>
+          </a:lnRef>
+          <a:fillRef idx="0">
+            <a:schemeClr val="accent1"/>
+          </a:fillRef>
+          <a:effectRef idx="0">
+            <a:schemeClr val="accent1"/>
+          </a:effectRef>
+          <a:fontRef idx="minor">
+            <a:schemeClr val="tx1"/>
+          </a:fontRef>
+        </p:style>
+      </p:cxnSp>
+      <p:grpSp>
+        <p:nvGrpSpPr>
+          <p:cNvPr id="191" name="组合 190"/>
+          <p:cNvGrpSpPr/>
+          <p:nvPr/>
+        </p:nvGrpSpPr>
+        <p:grpSpPr>
+          <a:xfrm>
+            <a:off x="6971552" y="4175009"/>
+            <a:ext cx="211958" cy="838148"/>
+            <a:chOff x="1350100" y="1479665"/>
+            <a:chExt cx="553999" cy="4018202"/>
+          </a:xfrm>
+        </p:grpSpPr>
+        <p:sp>
+          <p:nvSpPr>
+            <p:cNvPr id="192" name="Rectangle 3"/>
+            <p:cNvSpPr/>
+            <p:nvPr/>
+          </p:nvSpPr>
+          <p:spPr>
+            <a:xfrm>
+              <a:off x="1350100" y="1479665"/>
+              <a:ext cx="553999" cy="4018202"/>
+            </a:xfrm>
+            <a:prstGeom prst="rect">
+              <a:avLst/>
+            </a:prstGeom>
+            <a:noFill/>
+            <a:ln>
+              <a:solidFill>
+                <a:schemeClr val="tx1"/>
+              </a:solidFill>
+            </a:ln>
+          </p:spPr>
+          <p:style>
+            <a:lnRef idx="2">
+              <a:schemeClr val="accent1">
+                <a:shade val="50000"/>
+              </a:schemeClr>
+            </a:lnRef>
+            <a:fillRef idx="1">
+              <a:schemeClr val="accent1"/>
+            </a:fillRef>
+            <a:effectRef idx="0">
+              <a:schemeClr val="accent1"/>
+            </a:effectRef>
+            <a:fontRef idx="minor">
+              <a:schemeClr val="lt1"/>
+            </a:fontRef>
+          </p:style>
+          <p:txBody>
+            <a:bodyPr vert="vert270" rtlCol="0" anchor="ctr" anchorCtr="0"/>
+            <a:lstStyle/>
+            <a:p>
+              <a:pPr algn="ctr"/>
+              <a:r>
+                <a:rPr lang="en-US" altLang="zh-CN" sz="1050" b="1" dirty="0">
+                  <a:solidFill>
+                    <a:schemeClr val="tx1"/>
+                  </a:solidFill>
+                </a:rPr>
+                <a:t>FLIP-FLOP</a:t>
+              </a:r>
+              <a:endParaRPr lang="en-US" altLang="zh-CN" sz="1200" b="1" dirty="0">
+                <a:solidFill>
+                  <a:schemeClr val="tx1"/>
+                </a:solidFill>
+              </a:endParaRPr>
+            </a:p>
+          </p:txBody>
+        </p:sp>
+        <p:sp>
+          <p:nvSpPr>
+            <p:cNvPr id="193" name="Isosceles Triangle 5"/>
+            <p:cNvSpPr/>
+            <p:nvPr/>
+          </p:nvSpPr>
+          <p:spPr>
+            <a:xfrm>
+              <a:off x="1571204" y="5280509"/>
+              <a:ext cx="155391" cy="217358"/>
+            </a:xfrm>
+            <a:prstGeom prst="triangle">
+              <a:avLst/>
+            </a:prstGeom>
+            <a:noFill/>
+            <a:ln>
+              <a:solidFill>
+                <a:schemeClr val="tx1"/>
+              </a:solidFill>
+            </a:ln>
+          </p:spPr>
+          <p:style>
+            <a:lnRef idx="2">
+              <a:schemeClr val="accent1">
+                <a:shade val="50000"/>
+              </a:schemeClr>
+            </a:lnRef>
+            <a:fillRef idx="1">
+              <a:schemeClr val="accent1"/>
+            </a:fillRef>
+            <a:effectRef idx="0">
+              <a:schemeClr val="accent1"/>
+            </a:effectRef>
+            <a:fontRef idx="minor">
+              <a:schemeClr val="lt1"/>
+            </a:fontRef>
+          </p:style>
+          <p:txBody>
+            <a:bodyPr rtlCol="0" anchor="ctr"/>
+            <a:lstStyle/>
+            <a:p>
+              <a:pPr algn="ctr"/>
+              <a:endParaRPr lang="en-US" sz="1200"/>
+            </a:p>
+          </p:txBody>
+        </p:sp>
+      </p:grpSp>
+      <p:cxnSp>
+        <p:nvCxnSpPr>
+          <p:cNvPr id="195" name="连接符: 肘形 194"/>
+          <p:cNvCxnSpPr/>
+          <p:nvPr/>
+        </p:nvCxnSpPr>
+        <p:spPr>
+          <a:xfrm flipV="1">
+            <a:off x="8701481" y="4883271"/>
+            <a:ext cx="1226902" cy="587921"/>
+          </a:xfrm>
+          <a:prstGeom prst="bentConnector3">
+            <a:avLst>
+              <a:gd name="adj1" fmla="val 67915"/>
+            </a:avLst>
+          </a:prstGeom>
+          <a:ln w="28575">
+            <a:tailEnd type="triangle"/>
+          </a:ln>
+        </p:spPr>
+        <p:style>
+          <a:lnRef idx="1">
+            <a:schemeClr val="accent1"/>
+          </a:lnRef>
+          <a:fillRef idx="0">
+            <a:schemeClr val="accent1"/>
+          </a:fillRef>
+          <a:effectRef idx="0">
+            <a:schemeClr val="accent1"/>
+          </a:effectRef>
+          <a:fontRef idx="minor">
+            <a:schemeClr val="tx1"/>
+          </a:fontRef>
+        </p:style>
+      </p:cxnSp>
+      <p:cxnSp>
+        <p:nvCxnSpPr>
+          <p:cNvPr id="196" name="连接符: 肘形 195"/>
+          <p:cNvCxnSpPr/>
+          <p:nvPr/>
+        </p:nvCxnSpPr>
+        <p:spPr>
+          <a:xfrm>
+            <a:off x="6164646" y="4698220"/>
+            <a:ext cx="2536835" cy="772972"/>
+          </a:xfrm>
+          <a:prstGeom prst="bentConnector3">
+            <a:avLst>
+              <a:gd name="adj1" fmla="val 21814"/>
+            </a:avLst>
+          </a:prstGeom>
+          <a:ln w="28575">
+            <a:tailEnd type="none"/>
+          </a:ln>
+        </p:spPr>
+        <p:style>
+          <a:lnRef idx="1">
+            <a:schemeClr val="accent1"/>
+          </a:lnRef>
+          <a:fillRef idx="0">
+            <a:schemeClr val="accent1"/>
+          </a:fillRef>
+          <a:effectRef idx="0">
+            <a:schemeClr val="accent1"/>
+          </a:effectRef>
+          <a:fontRef idx="minor">
+            <a:schemeClr val="tx1"/>
+          </a:fontRef>
+        </p:style>
+      </p:cxnSp>
+      <p:cxnSp>
+        <p:nvCxnSpPr>
+          <p:cNvPr id="197" name="直接箭头连接符 196"/>
+          <p:cNvCxnSpPr/>
+          <p:nvPr/>
+        </p:nvCxnSpPr>
+        <p:spPr>
+          <a:xfrm>
+            <a:off x="6159156" y="4693716"/>
+            <a:ext cx="812396" cy="0"/>
+          </a:xfrm>
+          <a:prstGeom prst="straightConnector1">
             <a:avLst/>
           </a:prstGeom>
-          <a:noFill/>
-        </p:spPr>
-        <p:txBody>
-          <a:bodyPr wrap="none" rtlCol="0">
-            <a:spAutoFit/>
-          </a:bodyPr>
-          <a:lstStyle/>
-          <a:p>
-            <a:r>
-              <a:rPr lang="en-US" altLang="zh-CN" sz="1200" dirty="0" err="1">
-                <a:solidFill>
-                  <a:schemeClr val="accent2"/>
-                </a:solidFill>
-              </a:rPr>
-              <a:t>isBleq</a:t>
-            </a:r>
-            <a:endParaRPr lang="zh-CN" altLang="en-US" sz="1200" dirty="0">
-              <a:solidFill>
-                <a:schemeClr val="accent2"/>
-              </a:solidFill>
-            </a:endParaRPr>
-          </a:p>
-        </p:txBody>
-      </p:sp>
+          <a:ln w="28575">
+            <a:tailEnd type="triangle"/>
+          </a:ln>
+        </p:spPr>
+        <p:style>
+          <a:lnRef idx="1">
+            <a:schemeClr val="accent1"/>
+          </a:lnRef>
+          <a:fillRef idx="0">
+            <a:schemeClr val="accent1"/>
+          </a:fillRef>
+          <a:effectRef idx="0">
+            <a:schemeClr val="accent1"/>
+          </a:effectRef>
+          <a:fontRef idx="minor">
+            <a:schemeClr val="tx1"/>
+          </a:fontRef>
+        </p:style>
+      </p:cxnSp>
+      <p:cxnSp>
+        <p:nvCxnSpPr>
+          <p:cNvPr id="198" name="直接箭头连接符 197"/>
+          <p:cNvCxnSpPr/>
+          <p:nvPr/>
+        </p:nvCxnSpPr>
+        <p:spPr>
+          <a:xfrm>
+            <a:off x="7180882" y="4389120"/>
+            <a:ext cx="324000" cy="0"/>
+          </a:xfrm>
+          <a:prstGeom prst="straightConnector1">
+            <a:avLst/>
+          </a:prstGeom>
+          <a:ln w="28575">
+            <a:solidFill>
+              <a:schemeClr val="accent1">
+                <a:lumMod val="75000"/>
+              </a:schemeClr>
+            </a:solidFill>
+            <a:tailEnd type="triangle"/>
+          </a:ln>
+        </p:spPr>
+        <p:style>
+          <a:lnRef idx="1">
+            <a:schemeClr val="accent1"/>
+          </a:lnRef>
+          <a:fillRef idx="0">
+            <a:schemeClr val="accent1"/>
+          </a:fillRef>
+          <a:effectRef idx="0">
+            <a:schemeClr val="accent1"/>
+          </a:effectRef>
+          <a:fontRef idx="minor">
+            <a:schemeClr val="tx1"/>
+          </a:fontRef>
+        </p:style>
+      </p:cxnSp>
+      <p:cxnSp>
+        <p:nvCxnSpPr>
+          <p:cNvPr id="199" name="直接箭头连接符 198"/>
+          <p:cNvCxnSpPr/>
+          <p:nvPr/>
+        </p:nvCxnSpPr>
+        <p:spPr>
+          <a:xfrm>
+            <a:off x="7176404" y="4697583"/>
+            <a:ext cx="324000" cy="0"/>
+          </a:xfrm>
+          <a:prstGeom prst="straightConnector1">
+            <a:avLst/>
+          </a:prstGeom>
+          <a:ln w="28575">
+            <a:solidFill>
+              <a:schemeClr val="accent1">
+                <a:lumMod val="75000"/>
+              </a:schemeClr>
+            </a:solidFill>
+            <a:tailEnd type="triangle"/>
+          </a:ln>
+        </p:spPr>
+        <p:style>
+          <a:lnRef idx="1">
+            <a:schemeClr val="accent1"/>
+          </a:lnRef>
+          <a:fillRef idx="0">
+            <a:schemeClr val="accent1"/>
+          </a:fillRef>
+          <a:effectRef idx="0">
+            <a:schemeClr val="accent1"/>
+          </a:effectRef>
+          <a:fontRef idx="minor">
+            <a:schemeClr val="tx1"/>
+          </a:fontRef>
+        </p:style>
+      </p:cxnSp>
+      <p:cxnSp>
+        <p:nvCxnSpPr>
+          <p:cNvPr id="194" name="连接符: 肘形 193"/>
+          <p:cNvCxnSpPr/>
+          <p:nvPr/>
+        </p:nvCxnSpPr>
+        <p:spPr>
+          <a:xfrm>
+            <a:off x="6447943" y="3739633"/>
+            <a:ext cx="1838063" cy="1486846"/>
+          </a:xfrm>
+          <a:prstGeom prst="bentConnector4">
+            <a:avLst>
+              <a:gd name="adj1" fmla="val 403"/>
+              <a:gd name="adj2" fmla="val 140487"/>
+            </a:avLst>
+          </a:prstGeom>
+          <a:ln w="28575">
+            <a:solidFill>
+              <a:schemeClr val="accent1">
+                <a:lumMod val="75000"/>
+              </a:schemeClr>
+            </a:solidFill>
+            <a:tailEnd type="triangle"/>
+          </a:ln>
+        </p:spPr>
+        <p:style>
+          <a:lnRef idx="1">
+            <a:schemeClr val="accent1"/>
+          </a:lnRef>
+          <a:fillRef idx="0">
+            <a:schemeClr val="accent1"/>
+          </a:fillRef>
+          <a:effectRef idx="0">
+            <a:schemeClr val="accent1"/>
+          </a:effectRef>
+          <a:fontRef idx="minor">
+            <a:schemeClr val="tx1"/>
+          </a:fontRef>
+        </p:style>
+      </p:cxnSp>
+      <p:cxnSp>
+        <p:nvCxnSpPr>
+          <p:cNvPr id="13" name="连接符: 肘形 12"/>
+          <p:cNvCxnSpPr>
+            <a:endCxn id="116" idx="1"/>
+          </p:cNvCxnSpPr>
+          <p:nvPr/>
+        </p:nvCxnSpPr>
+        <p:spPr>
+          <a:xfrm rot="16200000" flipV="1">
+            <a:off x="4488033" y="1647616"/>
+            <a:ext cx="2258281" cy="2221837"/>
+          </a:xfrm>
+          <a:prstGeom prst="bentConnector2">
+            <a:avLst/>
+          </a:prstGeom>
+          <a:ln w="28575">
+            <a:tailEnd type="triangle"/>
+          </a:ln>
+        </p:spPr>
+        <p:style>
+          <a:lnRef idx="1">
+            <a:schemeClr val="accent1"/>
+          </a:lnRef>
+          <a:fillRef idx="0">
+            <a:schemeClr val="accent1"/>
+          </a:fillRef>
+          <a:effectRef idx="0">
+            <a:schemeClr val="accent1"/>
+          </a:effectRef>
+          <a:fontRef idx="minor">
+            <a:schemeClr val="tx1"/>
+          </a:fontRef>
+        </p:style>
+      </p:cxnSp>
     </p:spTree>
     <p:extLst>
       <p:ext uri="{BB962C8B-B14F-4D97-AF65-F5344CB8AC3E}">
@@ -15488,7 +15934,31 @@
       </a:bgFillStyleLst>
     </a:fmtScheme>
   </a:themeElements>
-  <a:objectDefaults/>
+  <a:objectDefaults>
+    <a:lnDef>
+      <a:spPr>
+        <a:ln w="28575">
+          <a:tailEnd type="triangle"/>
+        </a:ln>
+      </a:spPr>
+      <a:bodyPr/>
+      <a:lstStyle/>
+      <a:style>
+        <a:lnRef idx="1">
+          <a:schemeClr val="accent1"/>
+        </a:lnRef>
+        <a:fillRef idx="0">
+          <a:schemeClr val="accent1"/>
+        </a:fillRef>
+        <a:effectRef idx="0">
+          <a:schemeClr val="accent1"/>
+        </a:effectRef>
+        <a:fontRef idx="minor">
+          <a:schemeClr val="tx1"/>
+        </a:fontRef>
+      </a:style>
+    </a:lnDef>
+  </a:objectDefaults>
   <a:extraClrSchemeLst/>
   <a:extLst>
     <a:ext uri="{05A4C25C-085E-4340-85A3-A5531E510DB2}">
@@ -15757,4 +16227,299 @@
     </a:ext>
   </a:extLst>
 </a:theme>
+</file>
+
+<file path=ppt/theme/theme3.xml><?xml version="1.0" encoding="utf-8"?>
+<a:theme xmlns:a="http://schemas.openxmlformats.org/drawingml/2006/main" name="Office 主题​​">
+  <a:themeElements>
+    <a:clrScheme name="Office">
+      <a:dk1>
+        <a:sysClr val="windowText" lastClr="000000"/>
+      </a:dk1>
+      <a:lt1>
+        <a:sysClr val="window" lastClr="FFFFFF"/>
+      </a:lt1>
+      <a:dk2>
+        <a:srgbClr val="44546A"/>
+      </a:dk2>
+      <a:lt2>
+        <a:srgbClr val="E7E6E6"/>
+      </a:lt2>
+      <a:accent1>
+        <a:srgbClr val="5B9BD5"/>
+      </a:accent1>
+      <a:accent2>
+        <a:srgbClr val="ED7D31"/>
+      </a:accent2>
+      <a:accent3>
+        <a:srgbClr val="A5A5A5"/>
+      </a:accent3>
+      <a:accent4>
+        <a:srgbClr val="FFC000"/>
+      </a:accent4>
+      <a:accent5>
+        <a:srgbClr val="4472C4"/>
+      </a:accent5>
+      <a:accent6>
+        <a:srgbClr val="70AD47"/>
+      </a:accent6>
+      <a:hlink>
+        <a:srgbClr val="0563C1"/>
+      </a:hlink>
+      <a:folHlink>
+        <a:srgbClr val="954F72"/>
+      </a:folHlink>
+    </a:clrScheme>
+    <a:fontScheme name="Office">
+      <a:majorFont>
+        <a:latin typeface="等线 Light" panose="020F0302020204030204"/>
+        <a:ea typeface=""/>
+        <a:cs typeface=""/>
+        <a:font script="Jpan" typeface="游ゴシック Light"/>
+        <a:font script="Hang" typeface="맑은 고딕"/>
+        <a:font script="Hans" typeface="等线 Light"/>
+        <a:font script="Hant" typeface="新細明體"/>
+        <a:font script="Arab" typeface="Times New Roman"/>
+        <a:font script="Hebr" typeface="Times New Roman"/>
+        <a:font script="Thai" typeface="Angsana New"/>
+        <a:font script="Ethi" typeface="Nyala"/>
+        <a:font script="Beng" typeface="Vrinda"/>
+        <a:font script="Gujr" typeface="Shruti"/>
+        <a:font script="Khmr" typeface="MoolBoran"/>
+        <a:font script="Knda" typeface="Tunga"/>
+        <a:font script="Guru" typeface="Raavi"/>
+        <a:font script="Cans" typeface="Euphemia"/>
+        <a:font script="Cher" typeface="Plantagenet Cherokee"/>
+        <a:font script="Yiii" typeface="Microsoft Yi Baiti"/>
+        <a:font script="Tibt" typeface="Microsoft Himalaya"/>
+        <a:font script="Thaa" typeface="MV Boli"/>
+        <a:font script="Deva" typeface="Mangal"/>
+        <a:font script="Telu" typeface="Gautami"/>
+        <a:font script="Taml" typeface="Latha"/>
+        <a:font script="Syrc" typeface="Estrangelo Edessa"/>
+        <a:font script="Orya" typeface="Kalinga"/>
+        <a:font script="Mlym" typeface="Kartika"/>
+        <a:font script="Laoo" typeface="DokChampa"/>
+        <a:font script="Sinh" typeface="Iskoola Pota"/>
+        <a:font script="Mong" typeface="Mongolian Baiti"/>
+        <a:font script="Viet" typeface="Times New Roman"/>
+        <a:font script="Uigh" typeface="Microsoft Uighur"/>
+        <a:font script="Geor" typeface="Sylfaen"/>
+        <a:font script="Armn" typeface="Arial"/>
+        <a:font script="Bugi" typeface="Leelawadee UI"/>
+        <a:font script="Bopo" typeface="Microsoft JhengHei"/>
+        <a:font script="Java" typeface="Javanese Text"/>
+        <a:font script="Lisu" typeface="Segoe UI"/>
+        <a:font script="Mymr" typeface="Myanmar Text"/>
+        <a:font script="Nkoo" typeface="Ebrima"/>
+        <a:font script="Olck" typeface="Nirmala UI"/>
+        <a:font script="Osma" typeface="Ebrima"/>
+        <a:font script="Phag" typeface="Phagspa"/>
+        <a:font script="Syrn" typeface="Estrangelo Edessa"/>
+        <a:font script="Syrj" typeface="Estrangelo Edessa"/>
+        <a:font script="Syre" typeface="Estrangelo Edessa"/>
+        <a:font script="Sora" typeface="Nirmala UI"/>
+        <a:font script="Tale" typeface="Microsoft Tai Le"/>
+        <a:font script="Talu" typeface="Microsoft New Tai Lue"/>
+        <a:font script="Tfng" typeface="Ebrima"/>
+      </a:majorFont>
+      <a:minorFont>
+        <a:latin typeface="等线" panose="020F0502020204030204"/>
+        <a:ea typeface=""/>
+        <a:cs typeface=""/>
+        <a:font script="Jpan" typeface="游ゴシック"/>
+        <a:font script="Hang" typeface="맑은 고딕"/>
+        <a:font script="Hans" typeface="等线"/>
+        <a:font script="Hant" typeface="新細明體"/>
+        <a:font script="Arab" typeface="Arial"/>
+        <a:font script="Hebr" typeface="Arial"/>
+        <a:font script="Thai" typeface="Cordia New"/>
+        <a:font script="Ethi" typeface="Nyala"/>
+        <a:font script="Beng" typeface="Vrinda"/>
+        <a:font script="Gujr" typeface="Shruti"/>
+        <a:font script="Khmr" typeface="DaunPenh"/>
+        <a:font script="Knda" typeface="Tunga"/>
+        <a:font script="Guru" typeface="Raavi"/>
+        <a:font script="Cans" typeface="Euphemia"/>
+        <a:font script="Cher" typeface="Plantagenet Cherokee"/>
+        <a:font script="Yiii" typeface="Microsoft Yi Baiti"/>
+        <a:font script="Tibt" typeface="Microsoft Himalaya"/>
+        <a:font script="Thaa" typeface="MV Boli"/>
+        <a:font script="Deva" typeface="Mangal"/>
+        <a:font script="Telu" typeface="Gautami"/>
+        <a:font script="Taml" typeface="Latha"/>
+        <a:font script="Syrc" typeface="Estrangelo Edessa"/>
+        <a:font script="Orya" typeface="Kalinga"/>
+        <a:font script="Mlym" typeface="Kartika"/>
+        <a:font script="Laoo" typeface="DokChampa"/>
+        <a:font script="Sinh" typeface="Iskoola Pota"/>
+        <a:font script="Mong" typeface="Mongolian Baiti"/>
+        <a:font script="Viet" typeface="Arial"/>
+        <a:font script="Uigh" typeface="Microsoft Uighur"/>
+        <a:font script="Geor" typeface="Sylfaen"/>
+        <a:font script="Armn" typeface="Arial"/>
+        <a:font script="Bugi" typeface="Leelawadee UI"/>
+        <a:font script="Bopo" typeface="Microsoft JhengHei"/>
+        <a:font script="Java" typeface="Javanese Text"/>
+        <a:font script="Lisu" typeface="Segoe UI"/>
+        <a:font script="Mymr" typeface="Myanmar Text"/>
+        <a:font script="Nkoo" typeface="Ebrima"/>
+        <a:font script="Olck" typeface="Nirmala UI"/>
+        <a:font script="Osma" typeface="Ebrima"/>
+        <a:font script="Phag" typeface="Phagspa"/>
+        <a:font script="Syrn" typeface="Estrangelo Edessa"/>
+        <a:font script="Syrj" typeface="Estrangelo Edessa"/>
+        <a:font script="Syre" typeface="Estrangelo Edessa"/>
+        <a:font script="Sora" typeface="Nirmala UI"/>
+        <a:font script="Tale" typeface="Microsoft Tai Le"/>
+        <a:font script="Talu" typeface="Microsoft New Tai Lue"/>
+        <a:font script="Tfng" typeface="Ebrima"/>
+      </a:minorFont>
+    </a:fontScheme>
+    <a:fmtScheme name="Office">
+      <a:fillStyleLst>
+        <a:solidFill>
+          <a:schemeClr val="phClr"/>
+        </a:solidFill>
+        <a:gradFill rotWithShape="1">
+          <a:gsLst>
+            <a:gs pos="0">
+              <a:schemeClr val="phClr">
+                <a:lumMod val="110000"/>
+                <a:satMod val="105000"/>
+                <a:tint val="67000"/>
+              </a:schemeClr>
+            </a:gs>
+            <a:gs pos="50000">
+              <a:schemeClr val="phClr">
+                <a:lumMod val="105000"/>
+                <a:satMod val="103000"/>
+                <a:tint val="73000"/>
+              </a:schemeClr>
+            </a:gs>
+            <a:gs pos="100000">
+              <a:schemeClr val="phClr">
+                <a:lumMod val="105000"/>
+                <a:satMod val="109000"/>
+                <a:tint val="81000"/>
+              </a:schemeClr>
+            </a:gs>
+          </a:gsLst>
+          <a:lin ang="5400000" scaled="0"/>
+        </a:gradFill>
+        <a:gradFill rotWithShape="1">
+          <a:gsLst>
+            <a:gs pos="0">
+              <a:schemeClr val="phClr">
+                <a:satMod val="103000"/>
+                <a:lumMod val="102000"/>
+                <a:tint val="94000"/>
+              </a:schemeClr>
+            </a:gs>
+            <a:gs pos="50000">
+              <a:schemeClr val="phClr">
+                <a:satMod val="110000"/>
+                <a:lumMod val="100000"/>
+                <a:shade val="100000"/>
+              </a:schemeClr>
+            </a:gs>
+            <a:gs pos="100000">
+              <a:schemeClr val="phClr">
+                <a:lumMod val="99000"/>
+                <a:satMod val="120000"/>
+                <a:shade val="78000"/>
+              </a:schemeClr>
+            </a:gs>
+          </a:gsLst>
+          <a:lin ang="5400000" scaled="0"/>
+        </a:gradFill>
+      </a:fillStyleLst>
+      <a:lnStyleLst>
+        <a:ln w="6350" cap="flat" cmpd="sng" algn="ctr">
+          <a:solidFill>
+            <a:schemeClr val="phClr"/>
+          </a:solidFill>
+          <a:prstDash val="solid"/>
+          <a:miter lim="800000"/>
+        </a:ln>
+        <a:ln w="12700" cap="flat" cmpd="sng" algn="ctr">
+          <a:solidFill>
+            <a:schemeClr val="phClr"/>
+          </a:solidFill>
+          <a:prstDash val="solid"/>
+          <a:miter lim="800000"/>
+        </a:ln>
+        <a:ln w="19050" cap="flat" cmpd="sng" algn="ctr">
+          <a:solidFill>
+            <a:schemeClr val="phClr"/>
+          </a:solidFill>
+          <a:prstDash val="solid"/>
+          <a:miter lim="800000"/>
+        </a:ln>
+      </a:lnStyleLst>
+      <a:effectStyleLst>
+        <a:effectStyle>
+          <a:effectLst/>
+        </a:effectStyle>
+        <a:effectStyle>
+          <a:effectLst/>
+        </a:effectStyle>
+        <a:effectStyle>
+          <a:effectLst>
+            <a:outerShdw blurRad="57150" dist="19050" dir="5400000" algn="ctr" rotWithShape="0">
+              <a:srgbClr val="000000">
+                <a:alpha val="63000"/>
+              </a:srgbClr>
+            </a:outerShdw>
+          </a:effectLst>
+        </a:effectStyle>
+      </a:effectStyleLst>
+      <a:bgFillStyleLst>
+        <a:solidFill>
+          <a:schemeClr val="phClr"/>
+        </a:solidFill>
+        <a:solidFill>
+          <a:schemeClr val="phClr">
+            <a:tint val="95000"/>
+            <a:satMod val="170000"/>
+          </a:schemeClr>
+        </a:solidFill>
+        <a:gradFill rotWithShape="1">
+          <a:gsLst>
+            <a:gs pos="0">
+              <a:schemeClr val="phClr">
+                <a:tint val="93000"/>
+                <a:satMod val="150000"/>
+                <a:shade val="98000"/>
+                <a:lumMod val="102000"/>
+              </a:schemeClr>
+            </a:gs>
+            <a:gs pos="50000">
+              <a:schemeClr val="phClr">
+                <a:tint val="98000"/>
+                <a:satMod val="130000"/>
+                <a:shade val="90000"/>
+                <a:lumMod val="103000"/>
+              </a:schemeClr>
+            </a:gs>
+            <a:gs pos="100000">
+              <a:schemeClr val="phClr">
+                <a:shade val="63000"/>
+                <a:satMod val="120000"/>
+              </a:schemeClr>
+            </a:gs>
+          </a:gsLst>
+          <a:lin ang="5400000" scaled="0"/>
+        </a:gradFill>
+      </a:bgFillStyleLst>
+    </a:fmtScheme>
+  </a:themeElements>
+  <a:objectDefaults/>
+  <a:extraClrSchemeLst/>
+  <a:extLst>
+    <a:ext uri="{05A4C25C-085E-4340-85A3-A5531E510DB2}">
+      <thm15:themeFamily xmlns:thm15="http://schemas.microsoft.com/office/thememl/2012/main" name="Office Theme" id="{62F939B6-93AF-4DB8-9C6B-D6C7DFDC589F}" vid="{4A3C46E8-61CC-4603-A589-7422A47A8E4A}"/>
+    </a:ext>
+  </a:extLst>
+</a:theme>
 </file>